--- a/COSTA-RICA---RBM-Impact-Indicators-from-ENAHO2022.pptx
+++ b/COSTA-RICA---RBM-Impact-Indicators-from-ENAHO2022.pptx
@@ -2908,7 +2908,7 @@
             </a:pPr>
             <a:r>
               <a:rPr/>
-              <a:t>06 December 2022</a:t>
+              <a:t>28 December 2022</a:t>
             </a:r>
           </a:p>
         </p:txBody>
@@ -3512,13 +3512,13 @@
               <a:avLst/>
             </a:prstGeom>
             <a:solidFill>
-              <a:srgbClr val="7F7F7F">
+              <a:srgbClr val="666666">
                 <a:alpha val="100000"/>
               </a:srgbClr>
             </a:solidFill>
             <a:ln w="9000" cap="rnd">
               <a:solidFill>
-                <a:srgbClr val="7F7F7F">
+                <a:srgbClr val="666666">
                   <a:alpha val="100000"/>
                 </a:srgbClr>
               </a:solidFill>
@@ -3582,13 +3582,13 @@
               <a:avLst/>
             </a:prstGeom>
             <a:solidFill>
-              <a:srgbClr val="7F7F7F">
+              <a:srgbClr val="666666">
                 <a:alpha val="100000"/>
               </a:srgbClr>
             </a:solidFill>
             <a:ln w="9000" cap="rnd">
               <a:solidFill>
-                <a:srgbClr val="7F7F7F">
+                <a:srgbClr val="666666">
                   <a:alpha val="100000"/>
                 </a:srgbClr>
               </a:solidFill>
@@ -3645,20 +3645,20 @@
           </p:nvSpPr>
           <p:spPr>
             <a:xfrm>
-              <a:off x="11168191" y="4486149"/>
+              <a:off x="10539063" y="4486149"/>
               <a:ext cx="49651" cy="49651"/>
             </a:xfrm>
             <a:prstGeom prst="ellipse">
               <a:avLst/>
             </a:prstGeom>
             <a:solidFill>
-              <a:srgbClr val="7F7F7F">
+              <a:srgbClr val="666666">
                 <a:alpha val="100000"/>
               </a:srgbClr>
             </a:solidFill>
             <a:ln w="9000" cap="rnd">
               <a:solidFill>
-                <a:srgbClr val="7F7F7F">
+                <a:srgbClr val="666666">
                   <a:alpha val="100000"/>
                 </a:srgbClr>
               </a:solidFill>
@@ -3709,7 +3709,727 @@
         </p:sp>
         <p:sp>
           <p:nvSpPr>
-            <p:cNvPr id="17" name="tx17"/>
+            <p:cNvPr id="17" name="pl17"/>
+            <p:cNvSpPr/>
+            <p:nvPr/>
+          </p:nvSpPr>
+          <p:spPr>
+            <a:xfrm>
+              <a:off x="5989937" y="3366401"/>
+              <a:ext cx="0" cy="109007"/>
+            </a:xfrm>
+            <a:custGeom>
+              <a:avLst/>
+              <a:pathLst>
+                <a:path w="0" h="109007">
+                  <a:moveTo>
+                    <a:pt x="0" y="109007"/>
+                  </a:moveTo>
+                  <a:lnTo>
+                    <a:pt x="0" y="0"/>
+                  </a:lnTo>
+                </a:path>
+              </a:pathLst>
+            </a:custGeom>
+            <a:ln w="13550" cap="flat">
+              <a:solidFill>
+                <a:srgbClr val="666666">
+                  <a:alpha val="100000"/>
+                </a:srgbClr>
+              </a:solidFill>
+              <a:prstDash val="solid"/>
+              <a:round/>
+            </a:ln>
+          </p:spPr>
+          <p:txBody>
+            <a:bodyPr/>
+            <a:lstStyle/>
+            <a:p/>
+          </p:txBody>
+        </p:sp>
+        <p:sp>
+          <p:nvSpPr>
+            <p:cNvPr id="18" name="pl18"/>
+            <p:cNvSpPr/>
+            <p:nvPr/>
+          </p:nvSpPr>
+          <p:spPr>
+            <a:xfrm>
+              <a:off x="5634174" y="3420905"/>
+              <a:ext cx="355763" cy="0"/>
+            </a:xfrm>
+            <a:custGeom>
+              <a:avLst/>
+              <a:pathLst>
+                <a:path w="355763" h="0">
+                  <a:moveTo>
+                    <a:pt x="355763" y="0"/>
+                  </a:moveTo>
+                  <a:lnTo>
+                    <a:pt x="0" y="0"/>
+                  </a:lnTo>
+                </a:path>
+              </a:pathLst>
+            </a:custGeom>
+            <a:ln w="13550" cap="flat">
+              <a:solidFill>
+                <a:srgbClr val="666666">
+                  <a:alpha val="100000"/>
+                </a:srgbClr>
+              </a:solidFill>
+              <a:prstDash val="solid"/>
+              <a:round/>
+            </a:ln>
+          </p:spPr>
+          <p:txBody>
+            <a:bodyPr/>
+            <a:lstStyle/>
+            <a:p/>
+          </p:txBody>
+        </p:sp>
+        <p:sp>
+          <p:nvSpPr>
+            <p:cNvPr id="19" name="pl19"/>
+            <p:cNvSpPr/>
+            <p:nvPr/>
+          </p:nvSpPr>
+          <p:spPr>
+            <a:xfrm>
+              <a:off x="5634174" y="3366401"/>
+              <a:ext cx="0" cy="109007"/>
+            </a:xfrm>
+            <a:custGeom>
+              <a:avLst/>
+              <a:pathLst>
+                <a:path w="0" h="109007">
+                  <a:moveTo>
+                    <a:pt x="0" y="109007"/>
+                  </a:moveTo>
+                  <a:lnTo>
+                    <a:pt x="0" y="0"/>
+                  </a:lnTo>
+                </a:path>
+              </a:pathLst>
+            </a:custGeom>
+            <a:ln w="13550" cap="flat">
+              <a:solidFill>
+                <a:srgbClr val="666666">
+                  <a:alpha val="100000"/>
+                </a:srgbClr>
+              </a:solidFill>
+              <a:prstDash val="solid"/>
+              <a:round/>
+            </a:ln>
+          </p:spPr>
+          <p:txBody>
+            <a:bodyPr/>
+            <a:lstStyle/>
+            <a:p/>
+          </p:txBody>
+        </p:sp>
+        <p:sp>
+          <p:nvSpPr>
+            <p:cNvPr id="20" name="pl20"/>
+            <p:cNvSpPr/>
+            <p:nvPr/>
+          </p:nvSpPr>
+          <p:spPr>
+            <a:xfrm>
+              <a:off x="6721420" y="3366401"/>
+              <a:ext cx="0" cy="109007"/>
+            </a:xfrm>
+            <a:custGeom>
+              <a:avLst/>
+              <a:pathLst>
+                <a:path w="0" h="109007">
+                  <a:moveTo>
+                    <a:pt x="0" y="109007"/>
+                  </a:moveTo>
+                  <a:lnTo>
+                    <a:pt x="0" y="0"/>
+                  </a:lnTo>
+                </a:path>
+              </a:pathLst>
+            </a:custGeom>
+            <a:ln w="13550" cap="flat">
+              <a:solidFill>
+                <a:srgbClr val="0072BC">
+                  <a:alpha val="100000"/>
+                </a:srgbClr>
+              </a:solidFill>
+              <a:prstDash val="solid"/>
+              <a:round/>
+            </a:ln>
+          </p:spPr>
+          <p:txBody>
+            <a:bodyPr/>
+            <a:lstStyle/>
+            <a:p/>
+          </p:txBody>
+        </p:sp>
+        <p:sp>
+          <p:nvSpPr>
+            <p:cNvPr id="21" name="pl21"/>
+            <p:cNvSpPr/>
+            <p:nvPr/>
+          </p:nvSpPr>
+          <p:spPr>
+            <a:xfrm>
+              <a:off x="5904810" y="3420905"/>
+              <a:ext cx="816610" cy="0"/>
+            </a:xfrm>
+            <a:custGeom>
+              <a:avLst/>
+              <a:pathLst>
+                <a:path w="816610" h="0">
+                  <a:moveTo>
+                    <a:pt x="816610" y="0"/>
+                  </a:moveTo>
+                  <a:lnTo>
+                    <a:pt x="0" y="0"/>
+                  </a:lnTo>
+                </a:path>
+              </a:pathLst>
+            </a:custGeom>
+            <a:ln w="13550" cap="flat">
+              <a:solidFill>
+                <a:srgbClr val="0072BC">
+                  <a:alpha val="100000"/>
+                </a:srgbClr>
+              </a:solidFill>
+              <a:prstDash val="solid"/>
+              <a:round/>
+            </a:ln>
+          </p:spPr>
+          <p:txBody>
+            <a:bodyPr/>
+            <a:lstStyle/>
+            <a:p/>
+          </p:txBody>
+        </p:sp>
+        <p:sp>
+          <p:nvSpPr>
+            <p:cNvPr id="22" name="pl22"/>
+            <p:cNvSpPr/>
+            <p:nvPr/>
+          </p:nvSpPr>
+          <p:spPr>
+            <a:xfrm>
+              <a:off x="5904810" y="3366401"/>
+              <a:ext cx="0" cy="109007"/>
+            </a:xfrm>
+            <a:custGeom>
+              <a:avLst/>
+              <a:pathLst>
+                <a:path w="0" h="109007">
+                  <a:moveTo>
+                    <a:pt x="0" y="109007"/>
+                  </a:moveTo>
+                  <a:lnTo>
+                    <a:pt x="0" y="0"/>
+                  </a:lnTo>
+                </a:path>
+              </a:pathLst>
+            </a:custGeom>
+            <a:ln w="13550" cap="flat">
+              <a:solidFill>
+                <a:srgbClr val="0072BC">
+                  <a:alpha val="100000"/>
+                </a:srgbClr>
+              </a:solidFill>
+              <a:prstDash val="solid"/>
+              <a:round/>
+            </a:ln>
+          </p:spPr>
+          <p:txBody>
+            <a:bodyPr/>
+            <a:lstStyle/>
+            <a:p/>
+          </p:txBody>
+        </p:sp>
+        <p:sp>
+          <p:nvSpPr>
+            <p:cNvPr id="23" name="pl23"/>
+            <p:cNvSpPr/>
+            <p:nvPr/>
+          </p:nvSpPr>
+          <p:spPr>
+            <a:xfrm>
+              <a:off x="10873446" y="3911437"/>
+              <a:ext cx="0" cy="109007"/>
+            </a:xfrm>
+            <a:custGeom>
+              <a:avLst/>
+              <a:pathLst>
+                <a:path w="0" h="109007">
+                  <a:moveTo>
+                    <a:pt x="0" y="109007"/>
+                  </a:moveTo>
+                  <a:lnTo>
+                    <a:pt x="0" y="0"/>
+                  </a:lnTo>
+                </a:path>
+              </a:pathLst>
+            </a:custGeom>
+            <a:ln w="13550" cap="flat">
+              <a:solidFill>
+                <a:srgbClr val="666666">
+                  <a:alpha val="100000"/>
+                </a:srgbClr>
+              </a:solidFill>
+              <a:prstDash val="solid"/>
+              <a:round/>
+            </a:ln>
+          </p:spPr>
+          <p:txBody>
+            <a:bodyPr/>
+            <a:lstStyle/>
+            <a:p/>
+          </p:txBody>
+        </p:sp>
+        <p:sp>
+          <p:nvSpPr>
+            <p:cNvPr id="24" name="pl24"/>
+            <p:cNvSpPr/>
+            <p:nvPr/>
+          </p:nvSpPr>
+          <p:spPr>
+            <a:xfrm>
+              <a:off x="10799242" y="3965940"/>
+              <a:ext cx="74203" cy="0"/>
+            </a:xfrm>
+            <a:custGeom>
+              <a:avLst/>
+              <a:pathLst>
+                <a:path w="74203" h="0">
+                  <a:moveTo>
+                    <a:pt x="74203" y="0"/>
+                  </a:moveTo>
+                  <a:lnTo>
+                    <a:pt x="0" y="0"/>
+                  </a:lnTo>
+                </a:path>
+              </a:pathLst>
+            </a:custGeom>
+            <a:ln w="13550" cap="flat">
+              <a:solidFill>
+                <a:srgbClr val="666666">
+                  <a:alpha val="100000"/>
+                </a:srgbClr>
+              </a:solidFill>
+              <a:prstDash val="solid"/>
+              <a:round/>
+            </a:ln>
+          </p:spPr>
+          <p:txBody>
+            <a:bodyPr/>
+            <a:lstStyle/>
+            <a:p/>
+          </p:txBody>
+        </p:sp>
+        <p:sp>
+          <p:nvSpPr>
+            <p:cNvPr id="25" name="pl25"/>
+            <p:cNvSpPr/>
+            <p:nvPr/>
+          </p:nvSpPr>
+          <p:spPr>
+            <a:xfrm>
+              <a:off x="10799242" y="3911437"/>
+              <a:ext cx="0" cy="109007"/>
+            </a:xfrm>
+            <a:custGeom>
+              <a:avLst/>
+              <a:pathLst>
+                <a:path w="0" h="109007">
+                  <a:moveTo>
+                    <a:pt x="0" y="109007"/>
+                  </a:moveTo>
+                  <a:lnTo>
+                    <a:pt x="0" y="0"/>
+                  </a:lnTo>
+                </a:path>
+              </a:pathLst>
+            </a:custGeom>
+            <a:ln w="13550" cap="flat">
+              <a:solidFill>
+                <a:srgbClr val="666666">
+                  <a:alpha val="100000"/>
+                </a:srgbClr>
+              </a:solidFill>
+              <a:prstDash val="solid"/>
+              <a:round/>
+            </a:ln>
+          </p:spPr>
+          <p:txBody>
+            <a:bodyPr/>
+            <a:lstStyle/>
+            <a:p/>
+          </p:txBody>
+        </p:sp>
+        <p:sp>
+          <p:nvSpPr>
+            <p:cNvPr id="26" name="pl26"/>
+            <p:cNvSpPr/>
+            <p:nvPr/>
+          </p:nvSpPr>
+          <p:spPr>
+            <a:xfrm>
+              <a:off x="10613693" y="3911437"/>
+              <a:ext cx="0" cy="109007"/>
+            </a:xfrm>
+            <a:custGeom>
+              <a:avLst/>
+              <a:pathLst>
+                <a:path w="0" h="109007">
+                  <a:moveTo>
+                    <a:pt x="0" y="109007"/>
+                  </a:moveTo>
+                  <a:lnTo>
+                    <a:pt x="0" y="0"/>
+                  </a:lnTo>
+                </a:path>
+              </a:pathLst>
+            </a:custGeom>
+            <a:ln w="13550" cap="flat">
+              <a:solidFill>
+                <a:srgbClr val="0072BC">
+                  <a:alpha val="100000"/>
+                </a:srgbClr>
+              </a:solidFill>
+              <a:prstDash val="solid"/>
+              <a:round/>
+            </a:ln>
+          </p:spPr>
+          <p:txBody>
+            <a:bodyPr/>
+            <a:lstStyle/>
+            <a:p/>
+          </p:txBody>
+        </p:sp>
+        <p:sp>
+          <p:nvSpPr>
+            <p:cNvPr id="27" name="pl27"/>
+            <p:cNvSpPr/>
+            <p:nvPr/>
+          </p:nvSpPr>
+          <p:spPr>
+            <a:xfrm>
+              <a:off x="10383860" y="3965940"/>
+              <a:ext cx="229832" cy="0"/>
+            </a:xfrm>
+            <a:custGeom>
+              <a:avLst/>
+              <a:pathLst>
+                <a:path w="229832" h="0">
+                  <a:moveTo>
+                    <a:pt x="229832" y="0"/>
+                  </a:moveTo>
+                  <a:lnTo>
+                    <a:pt x="0" y="0"/>
+                  </a:lnTo>
+                </a:path>
+              </a:pathLst>
+            </a:custGeom>
+            <a:ln w="13550" cap="flat">
+              <a:solidFill>
+                <a:srgbClr val="0072BC">
+                  <a:alpha val="100000"/>
+                </a:srgbClr>
+              </a:solidFill>
+              <a:prstDash val="solid"/>
+              <a:round/>
+            </a:ln>
+          </p:spPr>
+          <p:txBody>
+            <a:bodyPr/>
+            <a:lstStyle/>
+            <a:p/>
+          </p:txBody>
+        </p:sp>
+        <p:sp>
+          <p:nvSpPr>
+            <p:cNvPr id="28" name="pl28"/>
+            <p:cNvSpPr/>
+            <p:nvPr/>
+          </p:nvSpPr>
+          <p:spPr>
+            <a:xfrm>
+              <a:off x="10383860" y="3911437"/>
+              <a:ext cx="0" cy="109007"/>
+            </a:xfrm>
+            <a:custGeom>
+              <a:avLst/>
+              <a:pathLst>
+                <a:path w="0" h="109007">
+                  <a:moveTo>
+                    <a:pt x="0" y="109007"/>
+                  </a:moveTo>
+                  <a:lnTo>
+                    <a:pt x="0" y="0"/>
+                  </a:lnTo>
+                </a:path>
+              </a:pathLst>
+            </a:custGeom>
+            <a:ln w="13550" cap="flat">
+              <a:solidFill>
+                <a:srgbClr val="0072BC">
+                  <a:alpha val="100000"/>
+                </a:srgbClr>
+              </a:solidFill>
+              <a:prstDash val="solid"/>
+              <a:round/>
+            </a:ln>
+          </p:spPr>
+          <p:txBody>
+            <a:bodyPr/>
+            <a:lstStyle/>
+            <a:p/>
+          </p:txBody>
+        </p:sp>
+        <p:sp>
+          <p:nvSpPr>
+            <p:cNvPr id="29" name="pl29"/>
+            <p:cNvSpPr/>
+            <p:nvPr/>
+          </p:nvSpPr>
+          <p:spPr>
+            <a:xfrm>
+              <a:off x="10587810" y="4456472"/>
+              <a:ext cx="0" cy="109007"/>
+            </a:xfrm>
+            <a:custGeom>
+              <a:avLst/>
+              <a:pathLst>
+                <a:path w="0" h="109007">
+                  <a:moveTo>
+                    <a:pt x="0" y="109007"/>
+                  </a:moveTo>
+                  <a:lnTo>
+                    <a:pt x="0" y="0"/>
+                  </a:lnTo>
+                </a:path>
+              </a:pathLst>
+            </a:custGeom>
+            <a:ln w="13550" cap="flat">
+              <a:solidFill>
+                <a:srgbClr val="666666">
+                  <a:alpha val="100000"/>
+                </a:srgbClr>
+              </a:solidFill>
+              <a:prstDash val="solid"/>
+              <a:round/>
+            </a:ln>
+          </p:spPr>
+          <p:txBody>
+            <a:bodyPr/>
+            <a:lstStyle/>
+            <a:p/>
+          </p:txBody>
+        </p:sp>
+        <p:sp>
+          <p:nvSpPr>
+            <p:cNvPr id="30" name="pl30"/>
+            <p:cNvSpPr/>
+            <p:nvPr/>
+          </p:nvSpPr>
+          <p:spPr>
+            <a:xfrm>
+              <a:off x="10539968" y="4510975"/>
+              <a:ext cx="47841" cy="0"/>
+            </a:xfrm>
+            <a:custGeom>
+              <a:avLst/>
+              <a:pathLst>
+                <a:path w="47841" h="0">
+                  <a:moveTo>
+                    <a:pt x="47841" y="0"/>
+                  </a:moveTo>
+                  <a:lnTo>
+                    <a:pt x="0" y="0"/>
+                  </a:lnTo>
+                </a:path>
+              </a:pathLst>
+            </a:custGeom>
+            <a:ln w="13550" cap="flat">
+              <a:solidFill>
+                <a:srgbClr val="666666">
+                  <a:alpha val="100000"/>
+                </a:srgbClr>
+              </a:solidFill>
+              <a:prstDash val="solid"/>
+              <a:round/>
+            </a:ln>
+          </p:spPr>
+          <p:txBody>
+            <a:bodyPr/>
+            <a:lstStyle/>
+            <a:p/>
+          </p:txBody>
+        </p:sp>
+        <p:sp>
+          <p:nvSpPr>
+            <p:cNvPr id="31" name="pl31"/>
+            <p:cNvSpPr/>
+            <p:nvPr/>
+          </p:nvSpPr>
+          <p:spPr>
+            <a:xfrm>
+              <a:off x="10539968" y="4456472"/>
+              <a:ext cx="0" cy="109007"/>
+            </a:xfrm>
+            <a:custGeom>
+              <a:avLst/>
+              <a:pathLst>
+                <a:path w="0" h="109007">
+                  <a:moveTo>
+                    <a:pt x="0" y="109007"/>
+                  </a:moveTo>
+                  <a:lnTo>
+                    <a:pt x="0" y="0"/>
+                  </a:lnTo>
+                </a:path>
+              </a:pathLst>
+            </a:custGeom>
+            <a:ln w="13550" cap="flat">
+              <a:solidFill>
+                <a:srgbClr val="666666">
+                  <a:alpha val="100000"/>
+                </a:srgbClr>
+              </a:solidFill>
+              <a:prstDash val="solid"/>
+              <a:round/>
+            </a:ln>
+          </p:spPr>
+          <p:txBody>
+            <a:bodyPr/>
+            <a:lstStyle/>
+            <a:p/>
+          </p:txBody>
+        </p:sp>
+        <p:sp>
+          <p:nvSpPr>
+            <p:cNvPr id="32" name="pl32"/>
+            <p:cNvSpPr/>
+            <p:nvPr/>
+          </p:nvSpPr>
+          <p:spPr>
+            <a:xfrm>
+              <a:off x="8986433" y="4456472"/>
+              <a:ext cx="0" cy="109007"/>
+            </a:xfrm>
+            <a:custGeom>
+              <a:avLst/>
+              <a:pathLst>
+                <a:path w="0" h="109007">
+                  <a:moveTo>
+                    <a:pt x="0" y="109007"/>
+                  </a:moveTo>
+                  <a:lnTo>
+                    <a:pt x="0" y="0"/>
+                  </a:lnTo>
+                </a:path>
+              </a:pathLst>
+            </a:custGeom>
+            <a:ln w="13550" cap="flat">
+              <a:solidFill>
+                <a:srgbClr val="0072BC">
+                  <a:alpha val="100000"/>
+                </a:srgbClr>
+              </a:solidFill>
+              <a:prstDash val="solid"/>
+              <a:round/>
+            </a:ln>
+          </p:spPr>
+          <p:txBody>
+            <a:bodyPr/>
+            <a:lstStyle/>
+            <a:p/>
+          </p:txBody>
+        </p:sp>
+        <p:sp>
+          <p:nvSpPr>
+            <p:cNvPr id="33" name="pl33"/>
+            <p:cNvSpPr/>
+            <p:nvPr/>
+          </p:nvSpPr>
+          <p:spPr>
+            <a:xfrm>
+              <a:off x="8657686" y="4510975"/>
+              <a:ext cx="328747" cy="0"/>
+            </a:xfrm>
+            <a:custGeom>
+              <a:avLst/>
+              <a:pathLst>
+                <a:path w="328747" h="0">
+                  <a:moveTo>
+                    <a:pt x="328747" y="0"/>
+                  </a:moveTo>
+                  <a:lnTo>
+                    <a:pt x="0" y="0"/>
+                  </a:lnTo>
+                </a:path>
+              </a:pathLst>
+            </a:custGeom>
+            <a:ln w="13550" cap="flat">
+              <a:solidFill>
+                <a:srgbClr val="0072BC">
+                  <a:alpha val="100000"/>
+                </a:srgbClr>
+              </a:solidFill>
+              <a:prstDash val="solid"/>
+              <a:round/>
+            </a:ln>
+          </p:spPr>
+          <p:txBody>
+            <a:bodyPr/>
+            <a:lstStyle/>
+            <a:p/>
+          </p:txBody>
+        </p:sp>
+        <p:sp>
+          <p:nvSpPr>
+            <p:cNvPr id="34" name="pl34"/>
+            <p:cNvSpPr/>
+            <p:nvPr/>
+          </p:nvSpPr>
+          <p:spPr>
+            <a:xfrm>
+              <a:off x="8657686" y="4456472"/>
+              <a:ext cx="0" cy="109007"/>
+            </a:xfrm>
+            <a:custGeom>
+              <a:avLst/>
+              <a:pathLst>
+                <a:path w="0" h="109007">
+                  <a:moveTo>
+                    <a:pt x="0" y="109007"/>
+                  </a:moveTo>
+                  <a:lnTo>
+                    <a:pt x="0" y="0"/>
+                  </a:lnTo>
+                </a:path>
+              </a:pathLst>
+            </a:custGeom>
+            <a:ln w="13550" cap="flat">
+              <a:solidFill>
+                <a:srgbClr val="0072BC">
+                  <a:alpha val="100000"/>
+                </a:srgbClr>
+              </a:solidFill>
+              <a:prstDash val="solid"/>
+              <a:round/>
+            </a:ln>
+          </p:spPr>
+          <p:txBody>
+            <a:bodyPr/>
+            <a:lstStyle/>
+            <a:p/>
+          </p:txBody>
+        </p:sp>
+        <p:sp>
+          <p:nvSpPr>
+            <p:cNvPr id="35" name="tx35"/>
             <p:cNvSpPr/>
             <p:nvPr/>
           </p:nvSpPr>
@@ -3741,7 +4461,7 @@
               <a:r>
                 <a:rPr sz="1103">
                   <a:solidFill>
-                    <a:srgbClr val="7F7F7F">
+                    <a:srgbClr val="666666">
                       <a:alpha val="100000"/>
                     </a:srgbClr>
                   </a:solidFill>
@@ -3755,7 +4475,7 @@
         </p:sp>
         <p:sp>
           <p:nvSpPr>
-            <p:cNvPr id="18" name="tx18"/>
+            <p:cNvPr id="36" name="tx36"/>
             <p:cNvSpPr/>
             <p:nvPr/>
           </p:nvSpPr>
@@ -3801,7 +4521,7 @@
         </p:sp>
         <p:sp>
           <p:nvSpPr>
-            <p:cNvPr id="19" name="tx19"/>
+            <p:cNvPr id="37" name="tx37"/>
             <p:cNvSpPr/>
             <p:nvPr/>
           </p:nvSpPr>
@@ -3833,7 +4553,7 @@
               <a:r>
                 <a:rPr sz="1103">
                   <a:solidFill>
-                    <a:srgbClr val="7F7F7F">
+                    <a:srgbClr val="666666">
                       <a:alpha val="100000"/>
                     </a:srgbClr>
                   </a:solidFill>
@@ -3847,7 +4567,7 @@
         </p:sp>
         <p:sp>
           <p:nvSpPr>
-            <p:cNvPr id="20" name="tx20"/>
+            <p:cNvPr id="38" name="tx38"/>
             <p:cNvSpPr/>
             <p:nvPr/>
           </p:nvSpPr>
@@ -3893,13 +4613,13 @@
         </p:sp>
         <p:sp>
           <p:nvSpPr>
-            <p:cNvPr id="21" name="tx21"/>
-            <p:cNvSpPr/>
-            <p:nvPr/>
-          </p:nvSpPr>
-          <p:spPr>
-            <a:xfrm>
-              <a:off x="10994246" y="4605928"/>
+            <p:cNvPr id="39" name="tx39"/>
+            <p:cNvSpPr/>
+            <p:nvPr/>
+          </p:nvSpPr>
+          <p:spPr>
+            <a:xfrm>
+              <a:off x="10365119" y="4605928"/>
               <a:ext cx="397540" cy="105768"/>
             </a:xfrm>
             <a:prstGeom prst="rect">
@@ -3925,21 +4645,21 @@
               <a:r>
                 <a:rPr sz="1103">
                   <a:solidFill>
-                    <a:srgbClr val="7F7F7F">
+                    <a:srgbClr val="666666">
                       <a:alpha val="100000"/>
                     </a:srgbClr>
                   </a:solidFill>
                   <a:latin typeface="Arial"/>
                   <a:cs typeface="Arial"/>
                 </a:rPr>
-                <a:t>97.3%</a:t>
+                <a:t>88.8%</a:t>
               </a:r>
             </a:p>
           </p:txBody>
         </p:sp>
         <p:sp>
           <p:nvSpPr>
-            <p:cNvPr id="22" name="tx22"/>
+            <p:cNvPr id="40" name="tx40"/>
             <p:cNvSpPr/>
             <p:nvPr/>
           </p:nvSpPr>
@@ -3985,7 +4705,7 @@
         </p:sp>
         <p:sp>
           <p:nvSpPr>
-            <p:cNvPr id="23" name="tx23"/>
+            <p:cNvPr id="41" name="tx41"/>
             <p:cNvSpPr/>
             <p:nvPr/>
           </p:nvSpPr>
@@ -4031,7 +4751,7 @@
         </p:sp>
         <p:sp>
           <p:nvSpPr>
-            <p:cNvPr id="24" name="tx24"/>
+            <p:cNvPr id="42" name="tx42"/>
             <p:cNvSpPr/>
             <p:nvPr/>
           </p:nvSpPr>
@@ -4077,7 +4797,7 @@
         </p:sp>
         <p:sp>
           <p:nvSpPr>
-            <p:cNvPr id="25" name="tx25"/>
+            <p:cNvPr id="43" name="tx43"/>
             <p:cNvSpPr/>
             <p:nvPr/>
           </p:nvSpPr>
@@ -4123,7 +4843,7 @@
         </p:sp>
         <p:sp>
           <p:nvSpPr>
-            <p:cNvPr id="26" name="tx26"/>
+            <p:cNvPr id="44" name="tx44"/>
             <p:cNvSpPr/>
             <p:nvPr/>
           </p:nvSpPr>
@@ -4169,7 +4889,7 @@
         </p:sp>
         <p:sp>
           <p:nvSpPr>
-            <p:cNvPr id="27" name="tx27"/>
+            <p:cNvPr id="45" name="tx45"/>
             <p:cNvSpPr/>
             <p:nvPr/>
           </p:nvSpPr>
@@ -4215,7 +4935,7 @@
         </p:sp>
         <p:sp>
           <p:nvSpPr>
-            <p:cNvPr id="28" name="tx28"/>
+            <p:cNvPr id="46" name="tx46"/>
             <p:cNvSpPr/>
             <p:nvPr/>
           </p:nvSpPr>
@@ -4261,7 +4981,7 @@
         </p:sp>
         <p:sp>
           <p:nvSpPr>
-            <p:cNvPr id="29" name="tx29"/>
+            <p:cNvPr id="47" name="tx47"/>
             <p:cNvSpPr/>
             <p:nvPr/>
           </p:nvSpPr>
@@ -4307,7 +5027,7 @@
         </p:sp>
         <p:sp>
           <p:nvSpPr>
-            <p:cNvPr id="30" name="pl30"/>
+            <p:cNvPr id="48" name="pl48"/>
             <p:cNvSpPr/>
             <p:nvPr/>
           </p:nvSpPr>
@@ -4347,7 +5067,7 @@
         </p:sp>
         <p:sp>
           <p:nvSpPr>
-            <p:cNvPr id="31" name="tx31"/>
+            <p:cNvPr id="49" name="tx49"/>
             <p:cNvSpPr/>
             <p:nvPr/>
           </p:nvSpPr>
@@ -4393,7 +5113,7 @@
         </p:sp>
         <p:sp>
           <p:nvSpPr>
-            <p:cNvPr id="32" name="tx32"/>
+            <p:cNvPr id="50" name="tx50"/>
             <p:cNvSpPr/>
             <p:nvPr/>
           </p:nvSpPr>
@@ -4439,7 +5159,7 @@
         </p:sp>
         <p:sp>
           <p:nvSpPr>
-            <p:cNvPr id="33" name="tx33"/>
+            <p:cNvPr id="51" name="tx51"/>
             <p:cNvSpPr/>
             <p:nvPr/>
           </p:nvSpPr>
@@ -4485,7 +5205,7 @@
         </p:sp>
         <p:sp>
           <p:nvSpPr>
-            <p:cNvPr id="34" name="tx34"/>
+            <p:cNvPr id="52" name="tx52"/>
             <p:cNvSpPr/>
             <p:nvPr/>
           </p:nvSpPr>
@@ -4531,13 +5251,134 @@
         </p:sp>
         <p:sp>
           <p:nvSpPr>
-            <p:cNvPr id="35" name="pt35"/>
+            <p:cNvPr id="53" name="pt53"/>
             <p:cNvSpPr/>
             <p:nvPr/>
           </p:nvSpPr>
           <p:spPr>
             <a:xfrm>
               <a:off x="3741740" y="2765397"/>
+              <a:ext cx="49651" cy="49651"/>
+            </a:xfrm>
+            <a:prstGeom prst="ellipse">
+              <a:avLst/>
+            </a:prstGeom>
+            <a:solidFill>
+              <a:srgbClr val="666666">
+                <a:alpha val="100000"/>
+              </a:srgbClr>
+            </a:solidFill>
+            <a:ln w="9000" cap="rnd">
+              <a:solidFill>
+                <a:srgbClr val="666666">
+                  <a:alpha val="100000"/>
+                </a:srgbClr>
+              </a:solidFill>
+              <a:prstDash val="solid"/>
+              <a:round/>
+            </a:ln>
+          </p:spPr>
+          <p:txBody>
+            <a:bodyPr/>
+            <a:lstStyle/>
+            <a:p/>
+          </p:txBody>
+        </p:sp>
+        <p:sp>
+          <p:nvSpPr>
+            <p:cNvPr id="54" name="pl54"/>
+            <p:cNvSpPr/>
+            <p:nvPr/>
+          </p:nvSpPr>
+          <p:spPr>
+            <a:xfrm>
+              <a:off x="3675468" y="2790222"/>
+              <a:ext cx="182196" cy="0"/>
+            </a:xfrm>
+            <a:custGeom>
+              <a:avLst/>
+              <a:pathLst>
+                <a:path w="182196" h="0">
+                  <a:moveTo>
+                    <a:pt x="0" y="0"/>
+                  </a:moveTo>
+                  <a:lnTo>
+                    <a:pt x="182196" y="0"/>
+                  </a:lnTo>
+                </a:path>
+              </a:pathLst>
+            </a:custGeom>
+            <a:ln w="13550" cap="flat">
+              <a:solidFill>
+                <a:srgbClr val="666666">
+                  <a:alpha val="100000"/>
+                </a:srgbClr>
+              </a:solidFill>
+              <a:prstDash val="solid"/>
+              <a:round/>
+            </a:ln>
+          </p:spPr>
+          <p:txBody>
+            <a:bodyPr/>
+            <a:lstStyle/>
+            <a:p/>
+          </p:txBody>
+        </p:sp>
+        <p:sp>
+          <p:nvSpPr>
+            <p:cNvPr id="55" name="tx55"/>
+            <p:cNvSpPr/>
+            <p:nvPr/>
+          </p:nvSpPr>
+          <p:spPr>
+            <a:xfrm>
+              <a:off x="3727579" y="2764413"/>
+              <a:ext cx="77974" cy="75989"/>
+            </a:xfrm>
+            <a:prstGeom prst="rect">
+              <a:avLst/>
+            </a:prstGeom>
+            <a:noFill/>
+          </p:spPr>
+          <p:txBody>
+            <a:bodyPr lIns="0" rIns="0" tIns="0" bIns="0" anchorCtr="1" anchor="ctr" wrap="none"/>
+            <a:lstStyle/>
+            <a:p>
+              <a:pPr algn="l" marL="0" marR="0" indent="0">
+                <a:lnSpc>
+                  <a:spcPts val="1103"/>
+                </a:lnSpc>
+                <a:spcBef>
+                  <a:spcPts val="0"/>
+                </a:spcBef>
+                <a:spcAft>
+                  <a:spcPts val="0"/>
+                </a:spcAft>
+              </a:pPr>
+              <a:r>
+                <a:rPr sz="1103">
+                  <a:solidFill>
+                    <a:srgbClr val="666666">
+                      <a:alpha val="100000"/>
+                    </a:srgbClr>
+                  </a:solidFill>
+                  <a:latin typeface="Arial"/>
+                  <a:cs typeface="Arial"/>
+                </a:rPr>
+                <a:t>a</a:t>
+              </a:r>
+            </a:p>
+          </p:txBody>
+        </p:sp>
+        <p:sp>
+          <p:nvSpPr>
+            <p:cNvPr id="56" name="pt56"/>
+            <p:cNvSpPr/>
+            <p:nvPr/>
+          </p:nvSpPr>
+          <p:spPr>
+            <a:xfrm>
+              <a:off x="5066139" y="2765397"/>
               <a:ext cx="49651" cy="49651"/>
             </a:xfrm>
             <a:prstGeom prst="ellipse">
@@ -4566,13 +5407,53 @@
         </p:sp>
         <p:sp>
           <p:nvSpPr>
-            <p:cNvPr id="36" name="tx36"/>
-            <p:cNvSpPr/>
-            <p:nvPr/>
-          </p:nvSpPr>
-          <p:spPr>
-            <a:xfrm>
-              <a:off x="3727579" y="2764413"/>
+            <p:cNvPr id="57" name="pl57"/>
+            <p:cNvSpPr/>
+            <p:nvPr/>
+          </p:nvSpPr>
+          <p:spPr>
+            <a:xfrm>
+              <a:off x="4999867" y="2790222"/>
+              <a:ext cx="182196" cy="0"/>
+            </a:xfrm>
+            <a:custGeom>
+              <a:avLst/>
+              <a:pathLst>
+                <a:path w="182196" h="0">
+                  <a:moveTo>
+                    <a:pt x="0" y="0"/>
+                  </a:moveTo>
+                  <a:lnTo>
+                    <a:pt x="182196" y="0"/>
+                  </a:lnTo>
+                </a:path>
+              </a:pathLst>
+            </a:custGeom>
+            <a:ln w="13550" cap="flat">
+              <a:solidFill>
+                <a:srgbClr val="0072BC">
+                  <a:alpha val="100000"/>
+                </a:srgbClr>
+              </a:solidFill>
+              <a:prstDash val="solid"/>
+              <a:round/>
+            </a:ln>
+          </p:spPr>
+          <p:txBody>
+            <a:bodyPr/>
+            <a:lstStyle/>
+            <a:p/>
+          </p:txBody>
+        </p:sp>
+        <p:sp>
+          <p:nvSpPr>
+            <p:cNvPr id="58" name="tx58"/>
+            <p:cNvSpPr/>
+            <p:nvPr/>
+          </p:nvSpPr>
+          <p:spPr>
+            <a:xfrm>
+              <a:off x="5051978" y="2764413"/>
               <a:ext cx="77974" cy="75989"/>
             </a:xfrm>
             <a:prstGeom prst="rect">
@@ -4612,13 +5493,59 @@
         </p:sp>
         <p:sp>
           <p:nvSpPr>
-            <p:cNvPr id="37" name="tx37"/>
-            <p:cNvSpPr/>
-            <p:nvPr/>
-          </p:nvSpPr>
-          <p:spPr>
-            <a:xfrm>
-              <a:off x="3975333" y="2696454"/>
+            <p:cNvPr id="59" name="tx59"/>
+            <p:cNvSpPr/>
+            <p:nvPr/>
+          </p:nvSpPr>
+          <p:spPr>
+            <a:xfrm>
+              <a:off x="3975333" y="2726003"/>
+              <a:ext cx="906864" cy="124883"/>
+            </a:xfrm>
+            <a:prstGeom prst="rect">
+              <a:avLst/>
+            </a:prstGeom>
+            <a:noFill/>
+          </p:spPr>
+          <p:txBody>
+            <a:bodyPr lIns="0" rIns="0" tIns="0" bIns="0" anchorCtr="1" anchor="ctr" wrap="none"/>
+            <a:lstStyle/>
+            <a:p>
+              <a:pPr algn="l" marL="0" marR="0" indent="0">
+                <a:lnSpc>
+                  <a:spcPts val="1333"/>
+                </a:lnSpc>
+                <a:spcBef>
+                  <a:spcPts val="0"/>
+                </a:spcBef>
+                <a:spcAft>
+                  <a:spcPts val="0"/>
+                </a:spcAft>
+              </a:pPr>
+              <a:r>
+                <a:rPr sz="1333">
+                  <a:solidFill>
+                    <a:srgbClr val="191919">
+                      <a:alpha val="100000"/>
+                    </a:srgbClr>
+                  </a:solidFill>
+                  <a:latin typeface="Lato"/>
+                  <a:cs typeface="Lato"/>
+                </a:rPr>
+                <a:t>CostaRicans</a:t>
+              </a:r>
+            </a:p>
+          </p:txBody>
+        </p:sp>
+        <p:sp>
+          <p:nvSpPr>
+            <p:cNvPr id="60" name="tx60"/>
+            <p:cNvSpPr/>
+            <p:nvPr/>
+          </p:nvSpPr>
+          <p:spPr>
+            <a:xfrm>
+              <a:off x="5299732" y="2696454"/>
               <a:ext cx="915161" cy="154432"/>
             </a:xfrm>
             <a:prstGeom prst="rect">
@@ -4658,7 +5585,7 @@
         </p:sp>
         <p:sp>
           <p:nvSpPr>
-            <p:cNvPr id="38" name="tx38"/>
+            <p:cNvPr id="61" name="tx61"/>
             <p:cNvSpPr/>
             <p:nvPr/>
           </p:nvSpPr>
@@ -4704,7 +5631,7 @@
         </p:sp>
         <p:sp>
           <p:nvSpPr>
-            <p:cNvPr id="39" name="tx39"/>
+            <p:cNvPr id="62" name="tx62"/>
             <p:cNvSpPr/>
             <p:nvPr/>
           </p:nvSpPr>
@@ -4750,7 +5677,7 @@
         </p:sp>
         <p:sp>
           <p:nvSpPr>
-            <p:cNvPr id="40" name="tx40"/>
+            <p:cNvPr id="63" name="tx63"/>
             <p:cNvSpPr/>
             <p:nvPr/>
           </p:nvSpPr>
@@ -4789,14 +5716,14 @@
                   <a:latin typeface="Lato"/>
                   <a:cs typeface="Lato"/>
                 </a:rPr>
-                <a:t>Encuesta Nacional de Hogares (ENAHO) 2022</a:t>
+                <a:t>Encuesta Nacional de Hogares (ENAHO) 2021</a:t>
               </a:r>
             </a:p>
           </p:txBody>
         </p:sp>
         <p:sp>
           <p:nvSpPr>
-            <p:cNvPr id="41" name="tx41"/>
+            <p:cNvPr id="64" name="tx64"/>
             <p:cNvSpPr/>
             <p:nvPr/>
           </p:nvSpPr>
@@ -4835,7 +5762,7 @@
                   <a:latin typeface="Lato"/>
                   <a:cs typeface="Lato"/>
                 </a:rPr>
-                <a:t># of Nicaraguans = 2,188)</a:t>
+                <a:t># of Nicaraguans = 2,229)</a:t>
               </a:r>
             </a:p>
           </p:txBody>
@@ -5166,20 +6093,20 @@
           </p:nvSpPr>
           <p:spPr>
             <a:xfrm>
-              <a:off x="10720804" y="3544725"/>
+              <a:off x="9407732" y="3544725"/>
               <a:ext cx="49651" cy="49651"/>
             </a:xfrm>
             <a:prstGeom prst="ellipse">
               <a:avLst/>
             </a:prstGeom>
             <a:solidFill>
-              <a:srgbClr val="7F7F7F">
+              <a:srgbClr val="666666">
                 <a:alpha val="100000"/>
               </a:srgbClr>
             </a:solidFill>
             <a:ln w="9000" cap="rnd">
               <a:solidFill>
-                <a:srgbClr val="7F7F7F">
+                <a:srgbClr val="666666">
                   <a:alpha val="100000"/>
                 </a:srgbClr>
               </a:solidFill>
@@ -5201,7 +6128,7 @@
           </p:nvSpPr>
           <p:spPr>
             <a:xfrm>
-              <a:off x="10529748" y="3544725"/>
+              <a:off x="9439398" y="3544725"/>
               <a:ext cx="49651" cy="49651"/>
             </a:xfrm>
             <a:prstGeom prst="ellipse">
@@ -5236,20 +6163,20 @@
           </p:nvSpPr>
           <p:spPr>
             <a:xfrm>
-              <a:off x="9909416" y="4337503"/>
+              <a:off x="8852244" y="4337503"/>
               <a:ext cx="49651" cy="49651"/>
             </a:xfrm>
             <a:prstGeom prst="ellipse">
               <a:avLst/>
             </a:prstGeom>
             <a:solidFill>
-              <a:srgbClr val="7F7F7F">
+              <a:srgbClr val="666666">
                 <a:alpha val="100000"/>
               </a:srgbClr>
             </a:solidFill>
             <a:ln w="9000" cap="rnd">
               <a:solidFill>
-                <a:srgbClr val="7F7F7F">
+                <a:srgbClr val="666666">
                   <a:alpha val="100000"/>
                 </a:srgbClr>
               </a:solidFill>
@@ -5271,7 +6198,7 @@
           </p:nvSpPr>
           <p:spPr>
             <a:xfrm>
-              <a:off x="9057205" y="4337503"/>
+              <a:off x="7582310" y="4337503"/>
               <a:ext cx="49651" cy="49651"/>
             </a:xfrm>
             <a:prstGeom prst="ellipse">
@@ -5300,13 +6227,493 @@
         </p:sp>
         <p:sp>
           <p:nvSpPr>
-            <p:cNvPr id="14" name="tx14"/>
-            <p:cNvSpPr/>
-            <p:nvPr/>
-          </p:nvSpPr>
-          <p:spPr>
-            <a:xfrm>
-              <a:off x="10546860" y="3664503"/>
+            <p:cNvPr id="14" name="pl14"/>
+            <p:cNvSpPr/>
+            <p:nvPr/>
+          </p:nvSpPr>
+          <p:spPr>
+            <a:xfrm>
+              <a:off x="9526220" y="3490273"/>
+              <a:ext cx="0" cy="158555"/>
+            </a:xfrm>
+            <a:custGeom>
+              <a:avLst/>
+              <a:pathLst>
+                <a:path w="0" h="158555">
+                  <a:moveTo>
+                    <a:pt x="0" y="158555"/>
+                  </a:moveTo>
+                  <a:lnTo>
+                    <a:pt x="0" y="0"/>
+                  </a:lnTo>
+                </a:path>
+              </a:pathLst>
+            </a:custGeom>
+            <a:ln w="13550" cap="flat">
+              <a:solidFill>
+                <a:srgbClr val="666666">
+                  <a:alpha val="100000"/>
+                </a:srgbClr>
+              </a:solidFill>
+              <a:prstDash val="solid"/>
+              <a:round/>
+            </a:ln>
+          </p:spPr>
+          <p:txBody>
+            <a:bodyPr/>
+            <a:lstStyle/>
+            <a:p/>
+          </p:txBody>
+        </p:sp>
+        <p:sp>
+          <p:nvSpPr>
+            <p:cNvPr id="15" name="pl15"/>
+            <p:cNvSpPr/>
+            <p:nvPr/>
+          </p:nvSpPr>
+          <p:spPr>
+            <a:xfrm>
+              <a:off x="9338895" y="3569551"/>
+              <a:ext cx="187325" cy="0"/>
+            </a:xfrm>
+            <a:custGeom>
+              <a:avLst/>
+              <a:pathLst>
+                <a:path w="187325" h="0">
+                  <a:moveTo>
+                    <a:pt x="187325" y="0"/>
+                  </a:moveTo>
+                  <a:lnTo>
+                    <a:pt x="0" y="0"/>
+                  </a:lnTo>
+                </a:path>
+              </a:pathLst>
+            </a:custGeom>
+            <a:ln w="13550" cap="flat">
+              <a:solidFill>
+                <a:srgbClr val="666666">
+                  <a:alpha val="100000"/>
+                </a:srgbClr>
+              </a:solidFill>
+              <a:prstDash val="solid"/>
+              <a:round/>
+            </a:ln>
+          </p:spPr>
+          <p:txBody>
+            <a:bodyPr/>
+            <a:lstStyle/>
+            <a:p/>
+          </p:txBody>
+        </p:sp>
+        <p:sp>
+          <p:nvSpPr>
+            <p:cNvPr id="16" name="pl16"/>
+            <p:cNvSpPr/>
+            <p:nvPr/>
+          </p:nvSpPr>
+          <p:spPr>
+            <a:xfrm>
+              <a:off x="9338895" y="3490273"/>
+              <a:ext cx="0" cy="158555"/>
+            </a:xfrm>
+            <a:custGeom>
+              <a:avLst/>
+              <a:pathLst>
+                <a:path w="0" h="158555">
+                  <a:moveTo>
+                    <a:pt x="0" y="158555"/>
+                  </a:moveTo>
+                  <a:lnTo>
+                    <a:pt x="0" y="0"/>
+                  </a:lnTo>
+                </a:path>
+              </a:pathLst>
+            </a:custGeom>
+            <a:ln w="13550" cap="flat">
+              <a:solidFill>
+                <a:srgbClr val="666666">
+                  <a:alpha val="100000"/>
+                </a:srgbClr>
+              </a:solidFill>
+              <a:prstDash val="solid"/>
+              <a:round/>
+            </a:ln>
+          </p:spPr>
+          <p:txBody>
+            <a:bodyPr/>
+            <a:lstStyle/>
+            <a:p/>
+          </p:txBody>
+        </p:sp>
+        <p:sp>
+          <p:nvSpPr>
+            <p:cNvPr id="17" name="pl17"/>
+            <p:cNvSpPr/>
+            <p:nvPr/>
+          </p:nvSpPr>
+          <p:spPr>
+            <a:xfrm>
+              <a:off x="10059053" y="3490273"/>
+              <a:ext cx="0" cy="158555"/>
+            </a:xfrm>
+            <a:custGeom>
+              <a:avLst/>
+              <a:pathLst>
+                <a:path w="0" h="158555">
+                  <a:moveTo>
+                    <a:pt x="0" y="158555"/>
+                  </a:moveTo>
+                  <a:lnTo>
+                    <a:pt x="0" y="0"/>
+                  </a:lnTo>
+                </a:path>
+              </a:pathLst>
+            </a:custGeom>
+            <a:ln w="13550" cap="flat">
+              <a:solidFill>
+                <a:srgbClr val="0072BC">
+                  <a:alpha val="100000"/>
+                </a:srgbClr>
+              </a:solidFill>
+              <a:prstDash val="solid"/>
+              <a:round/>
+            </a:ln>
+          </p:spPr>
+          <p:txBody>
+            <a:bodyPr/>
+            <a:lstStyle/>
+            <a:p/>
+          </p:txBody>
+        </p:sp>
+        <p:sp>
+          <p:nvSpPr>
+            <p:cNvPr id="18" name="pl18"/>
+            <p:cNvSpPr/>
+            <p:nvPr/>
+          </p:nvSpPr>
+          <p:spPr>
+            <a:xfrm>
+              <a:off x="8869394" y="3569551"/>
+              <a:ext cx="1189658" cy="0"/>
+            </a:xfrm>
+            <a:custGeom>
+              <a:avLst/>
+              <a:pathLst>
+                <a:path w="1189658" h="0">
+                  <a:moveTo>
+                    <a:pt x="1189658" y="0"/>
+                  </a:moveTo>
+                  <a:lnTo>
+                    <a:pt x="0" y="0"/>
+                  </a:lnTo>
+                </a:path>
+              </a:pathLst>
+            </a:custGeom>
+            <a:ln w="13550" cap="flat">
+              <a:solidFill>
+                <a:srgbClr val="0072BC">
+                  <a:alpha val="100000"/>
+                </a:srgbClr>
+              </a:solidFill>
+              <a:prstDash val="solid"/>
+              <a:round/>
+            </a:ln>
+          </p:spPr>
+          <p:txBody>
+            <a:bodyPr/>
+            <a:lstStyle/>
+            <a:p/>
+          </p:txBody>
+        </p:sp>
+        <p:sp>
+          <p:nvSpPr>
+            <p:cNvPr id="19" name="pl19"/>
+            <p:cNvSpPr/>
+            <p:nvPr/>
+          </p:nvSpPr>
+          <p:spPr>
+            <a:xfrm>
+              <a:off x="8869394" y="3490273"/>
+              <a:ext cx="0" cy="158555"/>
+            </a:xfrm>
+            <a:custGeom>
+              <a:avLst/>
+              <a:pathLst>
+                <a:path w="0" h="158555">
+                  <a:moveTo>
+                    <a:pt x="0" y="158555"/>
+                  </a:moveTo>
+                  <a:lnTo>
+                    <a:pt x="0" y="0"/>
+                  </a:lnTo>
+                </a:path>
+              </a:pathLst>
+            </a:custGeom>
+            <a:ln w="13550" cap="flat">
+              <a:solidFill>
+                <a:srgbClr val="0072BC">
+                  <a:alpha val="100000"/>
+                </a:srgbClr>
+              </a:solidFill>
+              <a:prstDash val="solid"/>
+              <a:round/>
+            </a:ln>
+          </p:spPr>
+          <p:txBody>
+            <a:bodyPr/>
+            <a:lstStyle/>
+            <a:p/>
+          </p:txBody>
+        </p:sp>
+        <p:sp>
+          <p:nvSpPr>
+            <p:cNvPr id="20" name="pl20"/>
+            <p:cNvSpPr/>
+            <p:nvPr/>
+          </p:nvSpPr>
+          <p:spPr>
+            <a:xfrm>
+              <a:off x="8979326" y="4283052"/>
+              <a:ext cx="0" cy="158555"/>
+            </a:xfrm>
+            <a:custGeom>
+              <a:avLst/>
+              <a:pathLst>
+                <a:path w="0" h="158555">
+                  <a:moveTo>
+                    <a:pt x="0" y="158555"/>
+                  </a:moveTo>
+                  <a:lnTo>
+                    <a:pt x="0" y="0"/>
+                  </a:lnTo>
+                </a:path>
+              </a:pathLst>
+            </a:custGeom>
+            <a:ln w="13550" cap="flat">
+              <a:solidFill>
+                <a:srgbClr val="666666">
+                  <a:alpha val="100000"/>
+                </a:srgbClr>
+              </a:solidFill>
+              <a:prstDash val="solid"/>
+              <a:round/>
+            </a:ln>
+          </p:spPr>
+          <p:txBody>
+            <a:bodyPr/>
+            <a:lstStyle/>
+            <a:p/>
+          </p:txBody>
+        </p:sp>
+        <p:sp>
+          <p:nvSpPr>
+            <p:cNvPr id="21" name="pl21"/>
+            <p:cNvSpPr/>
+            <p:nvPr/>
+          </p:nvSpPr>
+          <p:spPr>
+            <a:xfrm>
+              <a:off x="8774815" y="4362329"/>
+              <a:ext cx="204511" cy="0"/>
+            </a:xfrm>
+            <a:custGeom>
+              <a:avLst/>
+              <a:pathLst>
+                <a:path w="204511" h="0">
+                  <a:moveTo>
+                    <a:pt x="204511" y="0"/>
+                  </a:moveTo>
+                  <a:lnTo>
+                    <a:pt x="0" y="0"/>
+                  </a:lnTo>
+                </a:path>
+              </a:pathLst>
+            </a:custGeom>
+            <a:ln w="13550" cap="flat">
+              <a:solidFill>
+                <a:srgbClr val="666666">
+                  <a:alpha val="100000"/>
+                </a:srgbClr>
+              </a:solidFill>
+              <a:prstDash val="solid"/>
+              <a:round/>
+            </a:ln>
+          </p:spPr>
+          <p:txBody>
+            <a:bodyPr/>
+            <a:lstStyle/>
+            <a:p/>
+          </p:txBody>
+        </p:sp>
+        <p:sp>
+          <p:nvSpPr>
+            <p:cNvPr id="22" name="pl22"/>
+            <p:cNvSpPr/>
+            <p:nvPr/>
+          </p:nvSpPr>
+          <p:spPr>
+            <a:xfrm>
+              <a:off x="8774815" y="4283052"/>
+              <a:ext cx="0" cy="158555"/>
+            </a:xfrm>
+            <a:custGeom>
+              <a:avLst/>
+              <a:pathLst>
+                <a:path w="0" h="158555">
+                  <a:moveTo>
+                    <a:pt x="0" y="158555"/>
+                  </a:moveTo>
+                  <a:lnTo>
+                    <a:pt x="0" y="0"/>
+                  </a:lnTo>
+                </a:path>
+              </a:pathLst>
+            </a:custGeom>
+            <a:ln w="13550" cap="flat">
+              <a:solidFill>
+                <a:srgbClr val="666666">
+                  <a:alpha val="100000"/>
+                </a:srgbClr>
+              </a:solidFill>
+              <a:prstDash val="solid"/>
+              <a:round/>
+            </a:ln>
+          </p:spPr>
+          <p:txBody>
+            <a:bodyPr/>
+            <a:lstStyle/>
+            <a:p/>
+          </p:txBody>
+        </p:sp>
+        <p:sp>
+          <p:nvSpPr>
+            <p:cNvPr id="23" name="pl23"/>
+            <p:cNvSpPr/>
+            <p:nvPr/>
+          </p:nvSpPr>
+          <p:spPr>
+            <a:xfrm>
+              <a:off x="8452949" y="4283052"/>
+              <a:ext cx="0" cy="158555"/>
+            </a:xfrm>
+            <a:custGeom>
+              <a:avLst/>
+              <a:pathLst>
+                <a:path w="0" h="158555">
+                  <a:moveTo>
+                    <a:pt x="0" y="158555"/>
+                  </a:moveTo>
+                  <a:lnTo>
+                    <a:pt x="0" y="0"/>
+                  </a:lnTo>
+                </a:path>
+              </a:pathLst>
+            </a:custGeom>
+            <a:ln w="13550" cap="flat">
+              <a:solidFill>
+                <a:srgbClr val="0072BC">
+                  <a:alpha val="100000"/>
+                </a:srgbClr>
+              </a:solidFill>
+              <a:prstDash val="solid"/>
+              <a:round/>
+            </a:ln>
+          </p:spPr>
+          <p:txBody>
+            <a:bodyPr/>
+            <a:lstStyle/>
+            <a:p/>
+          </p:txBody>
+        </p:sp>
+        <p:sp>
+          <p:nvSpPr>
+            <p:cNvPr id="24" name="pl24"/>
+            <p:cNvSpPr/>
+            <p:nvPr/>
+          </p:nvSpPr>
+          <p:spPr>
+            <a:xfrm>
+              <a:off x="6761323" y="4362329"/>
+              <a:ext cx="1691625" cy="0"/>
+            </a:xfrm>
+            <a:custGeom>
+              <a:avLst/>
+              <a:pathLst>
+                <a:path w="1691625" h="0">
+                  <a:moveTo>
+                    <a:pt x="1691625" y="0"/>
+                  </a:moveTo>
+                  <a:lnTo>
+                    <a:pt x="0" y="0"/>
+                  </a:lnTo>
+                </a:path>
+              </a:pathLst>
+            </a:custGeom>
+            <a:ln w="13550" cap="flat">
+              <a:solidFill>
+                <a:srgbClr val="0072BC">
+                  <a:alpha val="100000"/>
+                </a:srgbClr>
+              </a:solidFill>
+              <a:prstDash val="solid"/>
+              <a:round/>
+            </a:ln>
+          </p:spPr>
+          <p:txBody>
+            <a:bodyPr/>
+            <a:lstStyle/>
+            <a:p/>
+          </p:txBody>
+        </p:sp>
+        <p:sp>
+          <p:nvSpPr>
+            <p:cNvPr id="25" name="pl25"/>
+            <p:cNvSpPr/>
+            <p:nvPr/>
+          </p:nvSpPr>
+          <p:spPr>
+            <a:xfrm>
+              <a:off x="6761323" y="4283052"/>
+              <a:ext cx="0" cy="158555"/>
+            </a:xfrm>
+            <a:custGeom>
+              <a:avLst/>
+              <a:pathLst>
+                <a:path w="0" h="158555">
+                  <a:moveTo>
+                    <a:pt x="0" y="158555"/>
+                  </a:moveTo>
+                  <a:lnTo>
+                    <a:pt x="0" y="0"/>
+                  </a:lnTo>
+                </a:path>
+              </a:pathLst>
+            </a:custGeom>
+            <a:ln w="13550" cap="flat">
+              <a:solidFill>
+                <a:srgbClr val="0072BC">
+                  <a:alpha val="100000"/>
+                </a:srgbClr>
+              </a:solidFill>
+              <a:prstDash val="solid"/>
+              <a:round/>
+            </a:ln>
+          </p:spPr>
+          <p:txBody>
+            <a:bodyPr/>
+            <a:lstStyle/>
+            <a:p/>
+          </p:txBody>
+        </p:sp>
+        <p:sp>
+          <p:nvSpPr>
+            <p:cNvPr id="26" name="tx26"/>
+            <p:cNvSpPr/>
+            <p:nvPr/>
+          </p:nvSpPr>
+          <p:spPr>
+            <a:xfrm>
+              <a:off x="9233787" y="3664503"/>
               <a:ext cx="397540" cy="105768"/>
             </a:xfrm>
             <a:prstGeom prst="rect">
@@ -5332,27 +6739,27 @@
               <a:r>
                 <a:rPr sz="1103">
                   <a:solidFill>
-                    <a:srgbClr val="7F7F7F">
+                    <a:srgbClr val="666666">
                       <a:alpha val="100000"/>
                     </a:srgbClr>
                   </a:solidFill>
                   <a:latin typeface="Arial"/>
                   <a:cs typeface="Arial"/>
                 </a:rPr>
-                <a:t>91.8%</a:t>
+                <a:t>74.8%</a:t>
               </a:r>
             </a:p>
           </p:txBody>
         </p:sp>
         <p:sp>
           <p:nvSpPr>
-            <p:cNvPr id="15" name="tx15"/>
-            <p:cNvSpPr/>
-            <p:nvPr/>
-          </p:nvSpPr>
-          <p:spPr>
-            <a:xfrm>
-              <a:off x="10355803" y="3338331"/>
+            <p:cNvPr id="27" name="tx27"/>
+            <p:cNvSpPr/>
+            <p:nvPr/>
+          </p:nvSpPr>
+          <p:spPr>
+            <a:xfrm>
+              <a:off x="9265453" y="3338331"/>
               <a:ext cx="397540" cy="105768"/>
             </a:xfrm>
             <a:prstGeom prst="rect">
@@ -5385,20 +6792,20 @@
                   <a:latin typeface="Arial"/>
                   <a:cs typeface="Arial"/>
                 </a:rPr>
-                <a:t>89.3%</a:t>
+                <a:t>75.2%</a:t>
               </a:r>
             </a:p>
           </p:txBody>
         </p:sp>
         <p:sp>
           <p:nvSpPr>
-            <p:cNvPr id="16" name="tx16"/>
-            <p:cNvSpPr/>
-            <p:nvPr/>
-          </p:nvSpPr>
-          <p:spPr>
-            <a:xfrm>
-              <a:off x="9735472" y="4457282"/>
+            <p:cNvPr id="28" name="tx28"/>
+            <p:cNvSpPr/>
+            <p:nvPr/>
+          </p:nvSpPr>
+          <p:spPr>
+            <a:xfrm>
+              <a:off x="8678300" y="4457282"/>
               <a:ext cx="397540" cy="105768"/>
             </a:xfrm>
             <a:prstGeom prst="rect">
@@ -5424,27 +6831,27 @@
               <a:r>
                 <a:rPr sz="1103">
                   <a:solidFill>
-                    <a:srgbClr val="7F7F7F">
+                    <a:srgbClr val="666666">
                       <a:alpha val="100000"/>
                     </a:srgbClr>
                   </a:solidFill>
                   <a:latin typeface="Arial"/>
                   <a:cs typeface="Arial"/>
                 </a:rPr>
-                <a:t>81.3%</a:t>
+                <a:t>67.6%</a:t>
               </a:r>
             </a:p>
           </p:txBody>
         </p:sp>
         <p:sp>
           <p:nvSpPr>
-            <p:cNvPr id="17" name="tx17"/>
-            <p:cNvSpPr/>
-            <p:nvPr/>
-          </p:nvSpPr>
-          <p:spPr>
-            <a:xfrm>
-              <a:off x="8883261" y="4131109"/>
+            <p:cNvPr id="29" name="tx29"/>
+            <p:cNvSpPr/>
+            <p:nvPr/>
+          </p:nvSpPr>
+          <p:spPr>
+            <a:xfrm>
+              <a:off x="7408366" y="4131109"/>
               <a:ext cx="397540" cy="105768"/>
             </a:xfrm>
             <a:prstGeom prst="rect">
@@ -5477,14 +6884,14 @@
                   <a:latin typeface="Arial"/>
                   <a:cs typeface="Arial"/>
                 </a:rPr>
-                <a:t>70.2%</a:t>
+                <a:t>51.2%</a:t>
               </a:r>
             </a:p>
           </p:txBody>
         </p:sp>
         <p:sp>
           <p:nvSpPr>
-            <p:cNvPr id="18" name="tx18"/>
+            <p:cNvPr id="30" name="tx30"/>
             <p:cNvSpPr/>
             <p:nvPr/>
           </p:nvSpPr>
@@ -5530,7 +6937,7 @@
         </p:sp>
         <p:sp>
           <p:nvSpPr>
-            <p:cNvPr id="19" name="tx19"/>
+            <p:cNvPr id="31" name="tx31"/>
             <p:cNvSpPr/>
             <p:nvPr/>
           </p:nvSpPr>
@@ -5576,7 +6983,7 @@
         </p:sp>
         <p:sp>
           <p:nvSpPr>
-            <p:cNvPr id="20" name="tx20"/>
+            <p:cNvPr id="32" name="tx32"/>
             <p:cNvSpPr/>
             <p:nvPr/>
           </p:nvSpPr>
@@ -5622,7 +7029,7 @@
         </p:sp>
         <p:sp>
           <p:nvSpPr>
-            <p:cNvPr id="21" name="tx21"/>
+            <p:cNvPr id="33" name="tx33"/>
             <p:cNvSpPr/>
             <p:nvPr/>
           </p:nvSpPr>
@@ -5668,7 +7075,7 @@
         </p:sp>
         <p:sp>
           <p:nvSpPr>
-            <p:cNvPr id="22" name="pl22"/>
+            <p:cNvPr id="34" name="pl34"/>
             <p:cNvSpPr/>
             <p:nvPr/>
           </p:nvSpPr>
@@ -5708,7 +7115,7 @@
         </p:sp>
         <p:sp>
           <p:nvSpPr>
-            <p:cNvPr id="23" name="tx23"/>
+            <p:cNvPr id="35" name="tx35"/>
             <p:cNvSpPr/>
             <p:nvPr/>
           </p:nvSpPr>
@@ -5754,7 +7161,7 @@
         </p:sp>
         <p:sp>
           <p:nvSpPr>
-            <p:cNvPr id="24" name="tx24"/>
+            <p:cNvPr id="36" name="tx36"/>
             <p:cNvSpPr/>
             <p:nvPr/>
           </p:nvSpPr>
@@ -5800,7 +7207,7 @@
         </p:sp>
         <p:sp>
           <p:nvSpPr>
-            <p:cNvPr id="25" name="tx25"/>
+            <p:cNvPr id="37" name="tx37"/>
             <p:cNvSpPr/>
             <p:nvPr/>
           </p:nvSpPr>
@@ -5846,7 +7253,7 @@
         </p:sp>
         <p:sp>
           <p:nvSpPr>
-            <p:cNvPr id="26" name="tx26"/>
+            <p:cNvPr id="38" name="tx38"/>
             <p:cNvSpPr/>
             <p:nvPr/>
           </p:nvSpPr>
@@ -5892,13 +7299,134 @@
         </p:sp>
         <p:sp>
           <p:nvSpPr>
-            <p:cNvPr id="27" name="pt27"/>
+            <p:cNvPr id="39" name="pt39"/>
             <p:cNvSpPr/>
             <p:nvPr/>
           </p:nvSpPr>
           <p:spPr>
             <a:xfrm>
               <a:off x="3445068" y="2765397"/>
+              <a:ext cx="49651" cy="49651"/>
+            </a:xfrm>
+            <a:prstGeom prst="ellipse">
+              <a:avLst/>
+            </a:prstGeom>
+            <a:solidFill>
+              <a:srgbClr val="666666">
+                <a:alpha val="100000"/>
+              </a:srgbClr>
+            </a:solidFill>
+            <a:ln w="9000" cap="rnd">
+              <a:solidFill>
+                <a:srgbClr val="666666">
+                  <a:alpha val="100000"/>
+                </a:srgbClr>
+              </a:solidFill>
+              <a:prstDash val="solid"/>
+              <a:round/>
+            </a:ln>
+          </p:spPr>
+          <p:txBody>
+            <a:bodyPr/>
+            <a:lstStyle/>
+            <a:p/>
+          </p:txBody>
+        </p:sp>
+        <p:sp>
+          <p:nvSpPr>
+            <p:cNvPr id="40" name="pl40"/>
+            <p:cNvSpPr/>
+            <p:nvPr/>
+          </p:nvSpPr>
+          <p:spPr>
+            <a:xfrm>
+              <a:off x="3378796" y="2790222"/>
+              <a:ext cx="182196" cy="0"/>
+            </a:xfrm>
+            <a:custGeom>
+              <a:avLst/>
+              <a:pathLst>
+                <a:path w="182196" h="0">
+                  <a:moveTo>
+                    <a:pt x="0" y="0"/>
+                  </a:moveTo>
+                  <a:lnTo>
+                    <a:pt x="182196" y="0"/>
+                  </a:lnTo>
+                </a:path>
+              </a:pathLst>
+            </a:custGeom>
+            <a:ln w="13550" cap="flat">
+              <a:solidFill>
+                <a:srgbClr val="666666">
+                  <a:alpha val="100000"/>
+                </a:srgbClr>
+              </a:solidFill>
+              <a:prstDash val="solid"/>
+              <a:round/>
+            </a:ln>
+          </p:spPr>
+          <p:txBody>
+            <a:bodyPr/>
+            <a:lstStyle/>
+            <a:p/>
+          </p:txBody>
+        </p:sp>
+        <p:sp>
+          <p:nvSpPr>
+            <p:cNvPr id="41" name="tx41"/>
+            <p:cNvSpPr/>
+            <p:nvPr/>
+          </p:nvSpPr>
+          <p:spPr>
+            <a:xfrm>
+              <a:off x="3430907" y="2764413"/>
+              <a:ext cx="77974" cy="75989"/>
+            </a:xfrm>
+            <a:prstGeom prst="rect">
+              <a:avLst/>
+            </a:prstGeom>
+            <a:noFill/>
+          </p:spPr>
+          <p:txBody>
+            <a:bodyPr lIns="0" rIns="0" tIns="0" bIns="0" anchorCtr="1" anchor="ctr" wrap="none"/>
+            <a:lstStyle/>
+            <a:p>
+              <a:pPr algn="l" marL="0" marR="0" indent="0">
+                <a:lnSpc>
+                  <a:spcPts val="1103"/>
+                </a:lnSpc>
+                <a:spcBef>
+                  <a:spcPts val="0"/>
+                </a:spcBef>
+                <a:spcAft>
+                  <a:spcPts val="0"/>
+                </a:spcAft>
+              </a:pPr>
+              <a:r>
+                <a:rPr sz="1103">
+                  <a:solidFill>
+                    <a:srgbClr val="666666">
+                      <a:alpha val="100000"/>
+                    </a:srgbClr>
+                  </a:solidFill>
+                  <a:latin typeface="Arial"/>
+                  <a:cs typeface="Arial"/>
+                </a:rPr>
+                <a:t>a</a:t>
+              </a:r>
+            </a:p>
+          </p:txBody>
+        </p:sp>
+        <p:sp>
+          <p:nvSpPr>
+            <p:cNvPr id="42" name="pt42"/>
+            <p:cNvSpPr/>
+            <p:nvPr/>
+          </p:nvSpPr>
+          <p:spPr>
+            <a:xfrm>
+              <a:off x="4812817" y="2765397"/>
               <a:ext cx="49651" cy="49651"/>
             </a:xfrm>
             <a:prstGeom prst="ellipse">
@@ -5927,13 +7455,53 @@
         </p:sp>
         <p:sp>
           <p:nvSpPr>
-            <p:cNvPr id="28" name="tx28"/>
-            <p:cNvSpPr/>
-            <p:nvPr/>
-          </p:nvSpPr>
-          <p:spPr>
-            <a:xfrm>
-              <a:off x="3430907" y="2764413"/>
+            <p:cNvPr id="43" name="pl43"/>
+            <p:cNvSpPr/>
+            <p:nvPr/>
+          </p:nvSpPr>
+          <p:spPr>
+            <a:xfrm>
+              <a:off x="4746544" y="2790222"/>
+              <a:ext cx="182196" cy="0"/>
+            </a:xfrm>
+            <a:custGeom>
+              <a:avLst/>
+              <a:pathLst>
+                <a:path w="182196" h="0">
+                  <a:moveTo>
+                    <a:pt x="0" y="0"/>
+                  </a:moveTo>
+                  <a:lnTo>
+                    <a:pt x="182196" y="0"/>
+                  </a:lnTo>
+                </a:path>
+              </a:pathLst>
+            </a:custGeom>
+            <a:ln w="13550" cap="flat">
+              <a:solidFill>
+                <a:srgbClr val="0072BC">
+                  <a:alpha val="100000"/>
+                </a:srgbClr>
+              </a:solidFill>
+              <a:prstDash val="solid"/>
+              <a:round/>
+            </a:ln>
+          </p:spPr>
+          <p:txBody>
+            <a:bodyPr/>
+            <a:lstStyle/>
+            <a:p/>
+          </p:txBody>
+        </p:sp>
+        <p:sp>
+          <p:nvSpPr>
+            <p:cNvPr id="44" name="tx44"/>
+            <p:cNvSpPr/>
+            <p:nvPr/>
+          </p:nvSpPr>
+          <p:spPr>
+            <a:xfrm>
+              <a:off x="4798655" y="2764413"/>
               <a:ext cx="77974" cy="75989"/>
             </a:xfrm>
             <a:prstGeom prst="rect">
@@ -5973,13 +7541,59 @@
         </p:sp>
         <p:sp>
           <p:nvSpPr>
-            <p:cNvPr id="29" name="tx29"/>
-            <p:cNvSpPr/>
-            <p:nvPr/>
-          </p:nvSpPr>
-          <p:spPr>
-            <a:xfrm>
-              <a:off x="3678661" y="2696454"/>
+            <p:cNvPr id="45" name="tx45"/>
+            <p:cNvSpPr/>
+            <p:nvPr/>
+          </p:nvSpPr>
+          <p:spPr>
+            <a:xfrm>
+              <a:off x="3678661" y="2726003"/>
+              <a:ext cx="950213" cy="124883"/>
+            </a:xfrm>
+            <a:prstGeom prst="rect">
+              <a:avLst/>
+            </a:prstGeom>
+            <a:noFill/>
+          </p:spPr>
+          <p:txBody>
+            <a:bodyPr lIns="0" rIns="0" tIns="0" bIns="0" anchorCtr="1" anchor="ctr" wrap="none"/>
+            <a:lstStyle/>
+            <a:p>
+              <a:pPr algn="l" marL="0" marR="0" indent="0">
+                <a:lnSpc>
+                  <a:spcPts val="1333"/>
+                </a:lnSpc>
+                <a:spcBef>
+                  <a:spcPts val="0"/>
+                </a:spcBef>
+                <a:spcAft>
+                  <a:spcPts val="0"/>
+                </a:spcAft>
+              </a:pPr>
+              <a:r>
+                <a:rPr sz="1333">
+                  <a:solidFill>
+                    <a:srgbClr val="191919">
+                      <a:alpha val="100000"/>
+                    </a:srgbClr>
+                  </a:solidFill>
+                  <a:latin typeface="Lato"/>
+                  <a:cs typeface="Lato"/>
+                </a:rPr>
+                <a:t>Costa Ricans</a:t>
+              </a:r>
+            </a:p>
+          </p:txBody>
+        </p:sp>
+        <p:sp>
+          <p:nvSpPr>
+            <p:cNvPr id="46" name="tx46"/>
+            <p:cNvSpPr/>
+            <p:nvPr/>
+          </p:nvSpPr>
+          <p:spPr>
+            <a:xfrm>
+              <a:off x="5046410" y="2696454"/>
               <a:ext cx="915161" cy="154432"/>
             </a:xfrm>
             <a:prstGeom prst="rect">
@@ -6019,7 +7633,7 @@
         </p:sp>
         <p:sp>
           <p:nvSpPr>
-            <p:cNvPr id="30" name="tx30"/>
+            <p:cNvPr id="47" name="tx47"/>
             <p:cNvSpPr/>
             <p:nvPr/>
           </p:nvSpPr>
@@ -6065,7 +7679,7 @@
         </p:sp>
         <p:sp>
           <p:nvSpPr>
-            <p:cNvPr id="31" name="tx31"/>
+            <p:cNvPr id="48" name="tx48"/>
             <p:cNvSpPr/>
             <p:nvPr/>
           </p:nvSpPr>
@@ -6111,7 +7725,7 @@
         </p:sp>
         <p:sp>
           <p:nvSpPr>
-            <p:cNvPr id="32" name="tx32"/>
+            <p:cNvPr id="49" name="tx49"/>
             <p:cNvSpPr/>
             <p:nvPr/>
           </p:nvSpPr>
@@ -6150,14 +7764,14 @@
                   <a:latin typeface="Lato"/>
                   <a:cs typeface="Lato"/>
                 </a:rPr>
-                <a:t>Encuesta Nacional de Hogares (ENAHO) 2022</a:t>
+                <a:t>Encuesta Nacional de Hogares (ENAHO) 2021</a:t>
               </a:r>
             </a:p>
           </p:txBody>
         </p:sp>
         <p:sp>
           <p:nvSpPr>
-            <p:cNvPr id="33" name="tx33"/>
+            <p:cNvPr id="50" name="tx50"/>
             <p:cNvSpPr/>
             <p:nvPr/>
           </p:nvSpPr>
@@ -6196,7 +7810,7 @@
                   <a:latin typeface="Lato"/>
                   <a:cs typeface="Lato"/>
                 </a:rPr>
-                <a:t># of Nicaraguans = 2,188)</a:t>
+                <a:t># of Nicaraguans = 2,229)</a:t>
               </a:r>
             </a:p>
           </p:txBody>
@@ -6577,13 +8191,13 @@
               <a:avLst/>
             </a:prstGeom>
             <a:solidFill>
-              <a:srgbClr val="7F7F7F">
+              <a:srgbClr val="666666">
                 <a:alpha val="100000"/>
               </a:srgbClr>
             </a:solidFill>
             <a:ln w="9000" cap="rnd">
               <a:solidFill>
-                <a:srgbClr val="7F7F7F">
+                <a:srgbClr val="666666">
                   <a:alpha val="100000"/>
                 </a:srgbClr>
               </a:solidFill>
@@ -6640,20 +8254,20 @@
           </p:nvSpPr>
           <p:spPr>
             <a:xfrm>
-              <a:off x="4765163" y="4424384"/>
+              <a:off x="4778677" y="4424384"/>
               <a:ext cx="49651" cy="49651"/>
             </a:xfrm>
             <a:prstGeom prst="ellipse">
               <a:avLst/>
             </a:prstGeom>
             <a:solidFill>
-              <a:srgbClr val="7F7F7F">
+              <a:srgbClr val="666666">
                 <a:alpha val="100000"/>
               </a:srgbClr>
             </a:solidFill>
             <a:ln w="9000" cap="rnd">
               <a:solidFill>
-                <a:srgbClr val="7F7F7F">
+                <a:srgbClr val="666666">
                   <a:alpha val="100000"/>
                 </a:srgbClr>
               </a:solidFill>
@@ -6717,13 +8331,13 @@
               <a:avLst/>
             </a:prstGeom>
             <a:solidFill>
-              <a:srgbClr val="7F7F7F">
+              <a:srgbClr val="666666">
                 <a:alpha val="100000"/>
               </a:srgbClr>
             </a:solidFill>
             <a:ln w="9000" cap="rnd">
               <a:solidFill>
-                <a:srgbClr val="7F7F7F">
+                <a:srgbClr val="666666">
                   <a:alpha val="100000"/>
                 </a:srgbClr>
               </a:solidFill>
@@ -6774,7 +8388,647 @@
         </p:sp>
         <p:sp>
           <p:nvSpPr>
-            <p:cNvPr id="17" name="tx17"/>
+            <p:cNvPr id="17" name="pl17"/>
+            <p:cNvSpPr/>
+            <p:nvPr/>
+          </p:nvSpPr>
+          <p:spPr>
+            <a:xfrm>
+              <a:off x="11153570" y="3088456"/>
+              <a:ext cx="0" cy="129595"/>
+            </a:xfrm>
+            <a:custGeom>
+              <a:avLst/>
+              <a:pathLst>
+                <a:path w="0" h="129595">
+                  <a:moveTo>
+                    <a:pt x="0" y="129595"/>
+                  </a:moveTo>
+                  <a:lnTo>
+                    <a:pt x="0" y="0"/>
+                  </a:lnTo>
+                </a:path>
+              </a:pathLst>
+            </a:custGeom>
+            <a:ln w="13550" cap="flat">
+              <a:solidFill>
+                <a:srgbClr val="666666">
+                  <a:alpha val="100000"/>
+                </a:srgbClr>
+              </a:solidFill>
+              <a:prstDash val="solid"/>
+              <a:round/>
+            </a:ln>
+          </p:spPr>
+          <p:txBody>
+            <a:bodyPr/>
+            <a:lstStyle/>
+            <a:p/>
+          </p:txBody>
+        </p:sp>
+        <p:sp>
+          <p:nvSpPr>
+            <p:cNvPr id="18" name="pl18"/>
+            <p:cNvSpPr/>
+            <p:nvPr/>
+          </p:nvSpPr>
+          <p:spPr>
+            <a:xfrm>
+              <a:off x="11112415" y="3153254"/>
+              <a:ext cx="41154" cy="0"/>
+            </a:xfrm>
+            <a:custGeom>
+              <a:avLst/>
+              <a:pathLst>
+                <a:path w="41154" h="0">
+                  <a:moveTo>
+                    <a:pt x="41154" y="0"/>
+                  </a:moveTo>
+                  <a:lnTo>
+                    <a:pt x="0" y="0"/>
+                  </a:lnTo>
+                </a:path>
+              </a:pathLst>
+            </a:custGeom>
+            <a:ln w="13550" cap="flat">
+              <a:solidFill>
+                <a:srgbClr val="666666">
+                  <a:alpha val="100000"/>
+                </a:srgbClr>
+              </a:solidFill>
+              <a:prstDash val="solid"/>
+              <a:round/>
+            </a:ln>
+          </p:spPr>
+          <p:txBody>
+            <a:bodyPr/>
+            <a:lstStyle/>
+            <a:p/>
+          </p:txBody>
+        </p:sp>
+        <p:sp>
+          <p:nvSpPr>
+            <p:cNvPr id="19" name="pl19"/>
+            <p:cNvSpPr/>
+            <p:nvPr/>
+          </p:nvSpPr>
+          <p:spPr>
+            <a:xfrm>
+              <a:off x="11112415" y="3088456"/>
+              <a:ext cx="0" cy="129595"/>
+            </a:xfrm>
+            <a:custGeom>
+              <a:avLst/>
+              <a:pathLst>
+                <a:path w="0" h="129595">
+                  <a:moveTo>
+                    <a:pt x="0" y="129595"/>
+                  </a:moveTo>
+                  <a:lnTo>
+                    <a:pt x="0" y="0"/>
+                  </a:lnTo>
+                </a:path>
+              </a:pathLst>
+            </a:custGeom>
+            <a:ln w="13550" cap="flat">
+              <a:solidFill>
+                <a:srgbClr val="666666">
+                  <a:alpha val="100000"/>
+                </a:srgbClr>
+              </a:solidFill>
+              <a:prstDash val="solid"/>
+              <a:round/>
+            </a:ln>
+          </p:spPr>
+          <p:txBody>
+            <a:bodyPr/>
+            <a:lstStyle/>
+            <a:p/>
+          </p:txBody>
+        </p:sp>
+        <p:sp>
+          <p:nvSpPr>
+            <p:cNvPr id="20" name="pl20"/>
+            <p:cNvSpPr/>
+            <p:nvPr/>
+          </p:nvSpPr>
+          <p:spPr>
+            <a:xfrm>
+              <a:off x="11115041" y="3088456"/>
+              <a:ext cx="0" cy="129595"/>
+            </a:xfrm>
+            <a:custGeom>
+              <a:avLst/>
+              <a:pathLst>
+                <a:path w="0" h="129595">
+                  <a:moveTo>
+                    <a:pt x="0" y="129595"/>
+                  </a:moveTo>
+                  <a:lnTo>
+                    <a:pt x="0" y="0"/>
+                  </a:lnTo>
+                </a:path>
+              </a:pathLst>
+            </a:custGeom>
+            <a:ln w="13550" cap="flat">
+              <a:solidFill>
+                <a:srgbClr val="0072BC">
+                  <a:alpha val="100000"/>
+                </a:srgbClr>
+              </a:solidFill>
+              <a:prstDash val="solid"/>
+              <a:round/>
+            </a:ln>
+          </p:spPr>
+          <p:txBody>
+            <a:bodyPr/>
+            <a:lstStyle/>
+            <a:p/>
+          </p:txBody>
+        </p:sp>
+        <p:sp>
+          <p:nvSpPr>
+            <p:cNvPr id="21" name="pl21"/>
+            <p:cNvSpPr/>
+            <p:nvPr/>
+          </p:nvSpPr>
+          <p:spPr>
+            <a:xfrm>
+              <a:off x="10988251" y="3153254"/>
+              <a:ext cx="126789" cy="0"/>
+            </a:xfrm>
+            <a:custGeom>
+              <a:avLst/>
+              <a:pathLst>
+                <a:path w="126789" h="0">
+                  <a:moveTo>
+                    <a:pt x="126789" y="0"/>
+                  </a:moveTo>
+                  <a:lnTo>
+                    <a:pt x="0" y="0"/>
+                  </a:lnTo>
+                </a:path>
+              </a:pathLst>
+            </a:custGeom>
+            <a:ln w="13550" cap="flat">
+              <a:solidFill>
+                <a:srgbClr val="0072BC">
+                  <a:alpha val="100000"/>
+                </a:srgbClr>
+              </a:solidFill>
+              <a:prstDash val="solid"/>
+              <a:round/>
+            </a:ln>
+          </p:spPr>
+          <p:txBody>
+            <a:bodyPr/>
+            <a:lstStyle/>
+            <a:p/>
+          </p:txBody>
+        </p:sp>
+        <p:sp>
+          <p:nvSpPr>
+            <p:cNvPr id="22" name="pl22"/>
+            <p:cNvSpPr/>
+            <p:nvPr/>
+          </p:nvSpPr>
+          <p:spPr>
+            <a:xfrm>
+              <a:off x="10988251" y="3088456"/>
+              <a:ext cx="0" cy="129595"/>
+            </a:xfrm>
+            <a:custGeom>
+              <a:avLst/>
+              <a:pathLst>
+                <a:path w="0" h="129595">
+                  <a:moveTo>
+                    <a:pt x="0" y="129595"/>
+                  </a:moveTo>
+                  <a:lnTo>
+                    <a:pt x="0" y="0"/>
+                  </a:lnTo>
+                </a:path>
+              </a:pathLst>
+            </a:custGeom>
+            <a:ln w="13550" cap="flat">
+              <a:solidFill>
+                <a:srgbClr val="0072BC">
+                  <a:alpha val="100000"/>
+                </a:srgbClr>
+              </a:solidFill>
+              <a:prstDash val="solid"/>
+              <a:round/>
+            </a:ln>
+          </p:spPr>
+          <p:txBody>
+            <a:bodyPr/>
+            <a:lstStyle/>
+            <a:p/>
+          </p:txBody>
+        </p:sp>
+        <p:sp>
+          <p:nvSpPr>
+            <p:cNvPr id="23" name="pl23"/>
+            <p:cNvSpPr/>
+            <p:nvPr/>
+          </p:nvSpPr>
+          <p:spPr>
+            <a:xfrm>
+              <a:off x="5051752" y="4384412"/>
+              <a:ext cx="0" cy="129595"/>
+            </a:xfrm>
+            <a:custGeom>
+              <a:avLst/>
+              <a:pathLst>
+                <a:path w="0" h="129595">
+                  <a:moveTo>
+                    <a:pt x="0" y="129595"/>
+                  </a:moveTo>
+                  <a:lnTo>
+                    <a:pt x="0" y="0"/>
+                  </a:lnTo>
+                </a:path>
+              </a:pathLst>
+            </a:custGeom>
+            <a:ln w="13550" cap="flat">
+              <a:solidFill>
+                <a:srgbClr val="666666">
+                  <a:alpha val="100000"/>
+                </a:srgbClr>
+              </a:solidFill>
+              <a:prstDash val="solid"/>
+              <a:round/>
+            </a:ln>
+          </p:spPr>
+          <p:txBody>
+            <a:bodyPr/>
+            <a:lstStyle/>
+            <a:p/>
+          </p:txBody>
+        </p:sp>
+        <p:sp>
+          <p:nvSpPr>
+            <p:cNvPr id="24" name="pl24"/>
+            <p:cNvSpPr/>
+            <p:nvPr/>
+          </p:nvSpPr>
+          <p:spPr>
+            <a:xfrm>
+              <a:off x="4555255" y="4449210"/>
+              <a:ext cx="496496" cy="0"/>
+            </a:xfrm>
+            <a:custGeom>
+              <a:avLst/>
+              <a:pathLst>
+                <a:path w="496496" h="0">
+                  <a:moveTo>
+                    <a:pt x="496496" y="0"/>
+                  </a:moveTo>
+                  <a:lnTo>
+                    <a:pt x="0" y="0"/>
+                  </a:lnTo>
+                </a:path>
+              </a:pathLst>
+            </a:custGeom>
+            <a:ln w="13550" cap="flat">
+              <a:solidFill>
+                <a:srgbClr val="666666">
+                  <a:alpha val="100000"/>
+                </a:srgbClr>
+              </a:solidFill>
+              <a:prstDash val="solid"/>
+              <a:round/>
+            </a:ln>
+          </p:spPr>
+          <p:txBody>
+            <a:bodyPr/>
+            <a:lstStyle/>
+            <a:p/>
+          </p:txBody>
+        </p:sp>
+        <p:sp>
+          <p:nvSpPr>
+            <p:cNvPr id="25" name="pl25"/>
+            <p:cNvSpPr/>
+            <p:nvPr/>
+          </p:nvSpPr>
+          <p:spPr>
+            <a:xfrm>
+              <a:off x="4555255" y="4384412"/>
+              <a:ext cx="0" cy="129595"/>
+            </a:xfrm>
+            <a:custGeom>
+              <a:avLst/>
+              <a:pathLst>
+                <a:path w="0" h="129595">
+                  <a:moveTo>
+                    <a:pt x="0" y="129595"/>
+                  </a:moveTo>
+                  <a:lnTo>
+                    <a:pt x="0" y="0"/>
+                  </a:lnTo>
+                </a:path>
+              </a:pathLst>
+            </a:custGeom>
+            <a:ln w="13550" cap="flat">
+              <a:solidFill>
+                <a:srgbClr val="666666">
+                  <a:alpha val="100000"/>
+                </a:srgbClr>
+              </a:solidFill>
+              <a:prstDash val="solid"/>
+              <a:round/>
+            </a:ln>
+          </p:spPr>
+          <p:txBody>
+            <a:bodyPr/>
+            <a:lstStyle/>
+            <a:p/>
+          </p:txBody>
+        </p:sp>
+        <p:sp>
+          <p:nvSpPr>
+            <p:cNvPr id="26" name="pl26"/>
+            <p:cNvSpPr/>
+            <p:nvPr/>
+          </p:nvSpPr>
+          <p:spPr>
+            <a:xfrm>
+              <a:off x="5645212" y="4384412"/>
+              <a:ext cx="0" cy="129595"/>
+            </a:xfrm>
+            <a:custGeom>
+              <a:avLst/>
+              <a:pathLst>
+                <a:path w="0" h="129595">
+                  <a:moveTo>
+                    <a:pt x="0" y="129595"/>
+                  </a:moveTo>
+                  <a:lnTo>
+                    <a:pt x="0" y="0"/>
+                  </a:lnTo>
+                </a:path>
+              </a:pathLst>
+            </a:custGeom>
+            <a:ln w="13550" cap="flat">
+              <a:solidFill>
+                <a:srgbClr val="0072BC">
+                  <a:alpha val="100000"/>
+                </a:srgbClr>
+              </a:solidFill>
+              <a:prstDash val="solid"/>
+              <a:round/>
+            </a:ln>
+          </p:spPr>
+          <p:txBody>
+            <a:bodyPr/>
+            <a:lstStyle/>
+            <a:p/>
+          </p:txBody>
+        </p:sp>
+        <p:sp>
+          <p:nvSpPr>
+            <p:cNvPr id="27" name="pl27"/>
+            <p:cNvSpPr/>
+            <p:nvPr/>
+          </p:nvSpPr>
+          <p:spPr>
+            <a:xfrm>
+              <a:off x="10914882" y="3736434"/>
+              <a:ext cx="0" cy="129595"/>
+            </a:xfrm>
+            <a:custGeom>
+              <a:avLst/>
+              <a:pathLst>
+                <a:path w="0" h="129595">
+                  <a:moveTo>
+                    <a:pt x="0" y="129595"/>
+                  </a:moveTo>
+                  <a:lnTo>
+                    <a:pt x="0" y="0"/>
+                  </a:lnTo>
+                </a:path>
+              </a:pathLst>
+            </a:custGeom>
+            <a:ln w="13550" cap="flat">
+              <a:solidFill>
+                <a:srgbClr val="666666">
+                  <a:alpha val="100000"/>
+                </a:srgbClr>
+              </a:solidFill>
+              <a:prstDash val="solid"/>
+              <a:round/>
+            </a:ln>
+          </p:spPr>
+          <p:txBody>
+            <a:bodyPr/>
+            <a:lstStyle/>
+            <a:p/>
+          </p:txBody>
+        </p:sp>
+        <p:sp>
+          <p:nvSpPr>
+            <p:cNvPr id="28" name="pl28"/>
+            <p:cNvSpPr/>
+            <p:nvPr/>
+          </p:nvSpPr>
+          <p:spPr>
+            <a:xfrm>
+              <a:off x="10860517" y="3801232"/>
+              <a:ext cx="54364" cy="0"/>
+            </a:xfrm>
+            <a:custGeom>
+              <a:avLst/>
+              <a:pathLst>
+                <a:path w="54364" h="0">
+                  <a:moveTo>
+                    <a:pt x="54364" y="0"/>
+                  </a:moveTo>
+                  <a:lnTo>
+                    <a:pt x="0" y="0"/>
+                  </a:lnTo>
+                </a:path>
+              </a:pathLst>
+            </a:custGeom>
+            <a:ln w="13550" cap="flat">
+              <a:solidFill>
+                <a:srgbClr val="666666">
+                  <a:alpha val="100000"/>
+                </a:srgbClr>
+              </a:solidFill>
+              <a:prstDash val="solid"/>
+              <a:round/>
+            </a:ln>
+          </p:spPr>
+          <p:txBody>
+            <a:bodyPr/>
+            <a:lstStyle/>
+            <a:p/>
+          </p:txBody>
+        </p:sp>
+        <p:sp>
+          <p:nvSpPr>
+            <p:cNvPr id="29" name="pl29"/>
+            <p:cNvSpPr/>
+            <p:nvPr/>
+          </p:nvSpPr>
+          <p:spPr>
+            <a:xfrm>
+              <a:off x="10860517" y="3736434"/>
+              <a:ext cx="0" cy="129595"/>
+            </a:xfrm>
+            <a:custGeom>
+              <a:avLst/>
+              <a:pathLst>
+                <a:path w="0" h="129595">
+                  <a:moveTo>
+                    <a:pt x="0" y="129595"/>
+                  </a:moveTo>
+                  <a:lnTo>
+                    <a:pt x="0" y="0"/>
+                  </a:lnTo>
+                </a:path>
+              </a:pathLst>
+            </a:custGeom>
+            <a:ln w="13550" cap="flat">
+              <a:solidFill>
+                <a:srgbClr val="666666">
+                  <a:alpha val="100000"/>
+                </a:srgbClr>
+              </a:solidFill>
+              <a:prstDash val="solid"/>
+              <a:round/>
+            </a:ln>
+          </p:spPr>
+          <p:txBody>
+            <a:bodyPr/>
+            <a:lstStyle/>
+            <a:p/>
+          </p:txBody>
+        </p:sp>
+        <p:sp>
+          <p:nvSpPr>
+            <p:cNvPr id="30" name="pl30"/>
+            <p:cNvSpPr/>
+            <p:nvPr/>
+          </p:nvSpPr>
+          <p:spPr>
+            <a:xfrm>
+              <a:off x="10447157" y="3736434"/>
+              <a:ext cx="0" cy="129595"/>
+            </a:xfrm>
+            <a:custGeom>
+              <a:avLst/>
+              <a:pathLst>
+                <a:path w="0" h="129595">
+                  <a:moveTo>
+                    <a:pt x="0" y="129595"/>
+                  </a:moveTo>
+                  <a:lnTo>
+                    <a:pt x="0" y="0"/>
+                  </a:lnTo>
+                </a:path>
+              </a:pathLst>
+            </a:custGeom>
+            <a:ln w="13550" cap="flat">
+              <a:solidFill>
+                <a:srgbClr val="0072BC">
+                  <a:alpha val="100000"/>
+                </a:srgbClr>
+              </a:solidFill>
+              <a:prstDash val="solid"/>
+              <a:round/>
+            </a:ln>
+          </p:spPr>
+          <p:txBody>
+            <a:bodyPr/>
+            <a:lstStyle/>
+            <a:p/>
+          </p:txBody>
+        </p:sp>
+        <p:sp>
+          <p:nvSpPr>
+            <p:cNvPr id="31" name="pl31"/>
+            <p:cNvSpPr/>
+            <p:nvPr/>
+          </p:nvSpPr>
+          <p:spPr>
+            <a:xfrm>
+              <a:off x="10213757" y="3801232"/>
+              <a:ext cx="233399" cy="0"/>
+            </a:xfrm>
+            <a:custGeom>
+              <a:avLst/>
+              <a:pathLst>
+                <a:path w="233399" h="0">
+                  <a:moveTo>
+                    <a:pt x="233399" y="0"/>
+                  </a:moveTo>
+                  <a:lnTo>
+                    <a:pt x="0" y="0"/>
+                  </a:lnTo>
+                </a:path>
+              </a:pathLst>
+            </a:custGeom>
+            <a:ln w="13550" cap="flat">
+              <a:solidFill>
+                <a:srgbClr val="0072BC">
+                  <a:alpha val="100000"/>
+                </a:srgbClr>
+              </a:solidFill>
+              <a:prstDash val="solid"/>
+              <a:round/>
+            </a:ln>
+          </p:spPr>
+          <p:txBody>
+            <a:bodyPr/>
+            <a:lstStyle/>
+            <a:p/>
+          </p:txBody>
+        </p:sp>
+        <p:sp>
+          <p:nvSpPr>
+            <p:cNvPr id="32" name="pl32"/>
+            <p:cNvSpPr/>
+            <p:nvPr/>
+          </p:nvSpPr>
+          <p:spPr>
+            <a:xfrm>
+              <a:off x="10213757" y="3736434"/>
+              <a:ext cx="0" cy="129595"/>
+            </a:xfrm>
+            <a:custGeom>
+              <a:avLst/>
+              <a:pathLst>
+                <a:path w="0" h="129595">
+                  <a:moveTo>
+                    <a:pt x="0" y="129595"/>
+                  </a:moveTo>
+                  <a:lnTo>
+                    <a:pt x="0" y="0"/>
+                  </a:lnTo>
+                </a:path>
+              </a:pathLst>
+            </a:custGeom>
+            <a:ln w="13550" cap="flat">
+              <a:solidFill>
+                <a:srgbClr val="0072BC">
+                  <a:alpha val="100000"/>
+                </a:srgbClr>
+              </a:solidFill>
+              <a:prstDash val="solid"/>
+              <a:round/>
+            </a:ln>
+          </p:spPr>
+          <p:txBody>
+            <a:bodyPr/>
+            <a:lstStyle/>
+            <a:p/>
+          </p:txBody>
+        </p:sp>
+        <p:sp>
+          <p:nvSpPr>
+            <p:cNvPr id="33" name="tx33"/>
             <p:cNvSpPr/>
             <p:nvPr/>
           </p:nvSpPr>
@@ -6806,7 +9060,7 @@
               <a:r>
                 <a:rPr sz="1103">
                   <a:solidFill>
-                    <a:srgbClr val="7F7F7F">
+                    <a:srgbClr val="666666">
                       <a:alpha val="100000"/>
                     </a:srgbClr>
                   </a:solidFill>
@@ -6820,7 +9074,7 @@
         </p:sp>
         <p:sp>
           <p:nvSpPr>
-            <p:cNvPr id="18" name="tx18"/>
+            <p:cNvPr id="34" name="tx34"/>
             <p:cNvSpPr/>
             <p:nvPr/>
           </p:nvSpPr>
@@ -6866,13 +9120,13 @@
         </p:sp>
         <p:sp>
           <p:nvSpPr>
-            <p:cNvPr id="19" name="tx19"/>
-            <p:cNvSpPr/>
-            <p:nvPr/>
-          </p:nvSpPr>
-          <p:spPr>
-            <a:xfrm>
-              <a:off x="4630206" y="4544162"/>
+            <p:cNvPr id="35" name="tx35"/>
+            <p:cNvSpPr/>
+            <p:nvPr/>
+          </p:nvSpPr>
+          <p:spPr>
+            <a:xfrm>
+              <a:off x="4643720" y="4544162"/>
               <a:ext cx="319566" cy="105768"/>
             </a:xfrm>
             <a:prstGeom prst="rect">
@@ -6898,21 +9152,21 @@
               <a:r>
                 <a:rPr sz="1103">
                   <a:solidFill>
-                    <a:srgbClr val="7F7F7F">
+                    <a:srgbClr val="666666">
                       <a:alpha val="100000"/>
                     </a:srgbClr>
                   </a:solidFill>
                   <a:latin typeface="Arial"/>
                   <a:cs typeface="Arial"/>
                 </a:rPr>
-                <a:t>8.1%</a:t>
+                <a:t>8.3%</a:t>
               </a:r>
             </a:p>
           </p:txBody>
         </p:sp>
         <p:sp>
           <p:nvSpPr>
-            <p:cNvPr id="20" name="tx20"/>
+            <p:cNvPr id="36" name="tx36"/>
             <p:cNvSpPr/>
             <p:nvPr/>
           </p:nvSpPr>
@@ -6958,7 +9212,7 @@
         </p:sp>
         <p:sp>
           <p:nvSpPr>
-            <p:cNvPr id="21" name="tx21"/>
+            <p:cNvPr id="37" name="tx37"/>
             <p:cNvSpPr/>
             <p:nvPr/>
           </p:nvSpPr>
@@ -6990,7 +9244,7 @@
               <a:r>
                 <a:rPr sz="1103">
                   <a:solidFill>
-                    <a:srgbClr val="7F7F7F">
+                    <a:srgbClr val="666666">
                       <a:alpha val="100000"/>
                     </a:srgbClr>
                   </a:solidFill>
@@ -7004,7 +9258,7 @@
         </p:sp>
         <p:sp>
           <p:nvSpPr>
-            <p:cNvPr id="22" name="tx22"/>
+            <p:cNvPr id="38" name="tx38"/>
             <p:cNvSpPr/>
             <p:nvPr/>
           </p:nvSpPr>
@@ -7050,7 +9304,7 @@
         </p:sp>
         <p:sp>
           <p:nvSpPr>
-            <p:cNvPr id="23" name="tx23"/>
+            <p:cNvPr id="39" name="tx39"/>
             <p:cNvSpPr/>
             <p:nvPr/>
           </p:nvSpPr>
@@ -7096,7 +9350,7 @@
         </p:sp>
         <p:sp>
           <p:nvSpPr>
-            <p:cNvPr id="24" name="tx24"/>
+            <p:cNvPr id="40" name="tx40"/>
             <p:cNvSpPr/>
             <p:nvPr/>
           </p:nvSpPr>
@@ -7142,7 +9396,7 @@
         </p:sp>
         <p:sp>
           <p:nvSpPr>
-            <p:cNvPr id="25" name="tx25"/>
+            <p:cNvPr id="41" name="tx41"/>
             <p:cNvSpPr/>
             <p:nvPr/>
           </p:nvSpPr>
@@ -7188,7 +9442,7 @@
         </p:sp>
         <p:sp>
           <p:nvSpPr>
-            <p:cNvPr id="26" name="tx26"/>
+            <p:cNvPr id="42" name="tx42"/>
             <p:cNvSpPr/>
             <p:nvPr/>
           </p:nvSpPr>
@@ -7234,7 +9488,7 @@
         </p:sp>
         <p:sp>
           <p:nvSpPr>
-            <p:cNvPr id="27" name="tx27"/>
+            <p:cNvPr id="43" name="tx43"/>
             <p:cNvSpPr/>
             <p:nvPr/>
           </p:nvSpPr>
@@ -7280,7 +9534,7 @@
         </p:sp>
         <p:sp>
           <p:nvSpPr>
-            <p:cNvPr id="28" name="tx28"/>
+            <p:cNvPr id="44" name="tx44"/>
             <p:cNvSpPr/>
             <p:nvPr/>
           </p:nvSpPr>
@@ -7326,7 +9580,7 @@
         </p:sp>
         <p:sp>
           <p:nvSpPr>
-            <p:cNvPr id="29" name="tx29"/>
+            <p:cNvPr id="45" name="tx45"/>
             <p:cNvSpPr/>
             <p:nvPr/>
           </p:nvSpPr>
@@ -7372,7 +9626,7 @@
         </p:sp>
         <p:sp>
           <p:nvSpPr>
-            <p:cNvPr id="30" name="tx30"/>
+            <p:cNvPr id="46" name="tx46"/>
             <p:cNvSpPr/>
             <p:nvPr/>
           </p:nvSpPr>
@@ -7418,7 +9672,7 @@
         </p:sp>
         <p:sp>
           <p:nvSpPr>
-            <p:cNvPr id="31" name="tx31"/>
+            <p:cNvPr id="47" name="tx47"/>
             <p:cNvSpPr/>
             <p:nvPr/>
           </p:nvSpPr>
@@ -7464,7 +9718,7 @@
         </p:sp>
         <p:sp>
           <p:nvSpPr>
-            <p:cNvPr id="32" name="pl32"/>
+            <p:cNvPr id="48" name="pl48"/>
             <p:cNvSpPr/>
             <p:nvPr/>
           </p:nvSpPr>
@@ -7504,7 +9758,7 @@
         </p:sp>
         <p:sp>
           <p:nvSpPr>
-            <p:cNvPr id="33" name="tx33"/>
+            <p:cNvPr id="49" name="tx49"/>
             <p:cNvSpPr/>
             <p:nvPr/>
           </p:nvSpPr>
@@ -7550,7 +9804,7 @@
         </p:sp>
         <p:sp>
           <p:nvSpPr>
-            <p:cNvPr id="34" name="tx34"/>
+            <p:cNvPr id="50" name="tx50"/>
             <p:cNvSpPr/>
             <p:nvPr/>
           </p:nvSpPr>
@@ -7596,7 +9850,7 @@
         </p:sp>
         <p:sp>
           <p:nvSpPr>
-            <p:cNvPr id="35" name="tx35"/>
+            <p:cNvPr id="51" name="tx51"/>
             <p:cNvSpPr/>
             <p:nvPr/>
           </p:nvSpPr>
@@ -7642,7 +9896,7 @@
         </p:sp>
         <p:sp>
           <p:nvSpPr>
-            <p:cNvPr id="36" name="tx36"/>
+            <p:cNvPr id="52" name="tx52"/>
             <p:cNvSpPr/>
             <p:nvPr/>
           </p:nvSpPr>
@@ -7688,13 +9942,134 @@
         </p:sp>
         <p:sp>
           <p:nvSpPr>
-            <p:cNvPr id="37" name="pt37"/>
+            <p:cNvPr id="53" name="pt53"/>
             <p:cNvSpPr/>
             <p:nvPr/>
           </p:nvSpPr>
           <p:spPr>
             <a:xfrm>
               <a:off x="4026390" y="2435980"/>
+              <a:ext cx="49651" cy="49651"/>
+            </a:xfrm>
+            <a:prstGeom prst="ellipse">
+              <a:avLst/>
+            </a:prstGeom>
+            <a:solidFill>
+              <a:srgbClr val="666666">
+                <a:alpha val="100000"/>
+              </a:srgbClr>
+            </a:solidFill>
+            <a:ln w="9000" cap="rnd">
+              <a:solidFill>
+                <a:srgbClr val="666666">
+                  <a:alpha val="100000"/>
+                </a:srgbClr>
+              </a:solidFill>
+              <a:prstDash val="solid"/>
+              <a:round/>
+            </a:ln>
+          </p:spPr>
+          <p:txBody>
+            <a:bodyPr/>
+            <a:lstStyle/>
+            <a:p/>
+          </p:txBody>
+        </p:sp>
+        <p:sp>
+          <p:nvSpPr>
+            <p:cNvPr id="54" name="pl54"/>
+            <p:cNvSpPr/>
+            <p:nvPr/>
+          </p:nvSpPr>
+          <p:spPr>
+            <a:xfrm>
+              <a:off x="3960117" y="2460806"/>
+              <a:ext cx="182196" cy="0"/>
+            </a:xfrm>
+            <a:custGeom>
+              <a:avLst/>
+              <a:pathLst>
+                <a:path w="182196" h="0">
+                  <a:moveTo>
+                    <a:pt x="0" y="0"/>
+                  </a:moveTo>
+                  <a:lnTo>
+                    <a:pt x="182196" y="0"/>
+                  </a:lnTo>
+                </a:path>
+              </a:pathLst>
+            </a:custGeom>
+            <a:ln w="13550" cap="flat">
+              <a:solidFill>
+                <a:srgbClr val="666666">
+                  <a:alpha val="100000"/>
+                </a:srgbClr>
+              </a:solidFill>
+              <a:prstDash val="solid"/>
+              <a:round/>
+            </a:ln>
+          </p:spPr>
+          <p:txBody>
+            <a:bodyPr/>
+            <a:lstStyle/>
+            <a:p/>
+          </p:txBody>
+        </p:sp>
+        <p:sp>
+          <p:nvSpPr>
+            <p:cNvPr id="55" name="tx55"/>
+            <p:cNvSpPr/>
+            <p:nvPr/>
+          </p:nvSpPr>
+          <p:spPr>
+            <a:xfrm>
+              <a:off x="4012228" y="2434997"/>
+              <a:ext cx="77974" cy="75989"/>
+            </a:xfrm>
+            <a:prstGeom prst="rect">
+              <a:avLst/>
+            </a:prstGeom>
+            <a:noFill/>
+          </p:spPr>
+          <p:txBody>
+            <a:bodyPr lIns="0" rIns="0" tIns="0" bIns="0" anchorCtr="1" anchor="ctr" wrap="none"/>
+            <a:lstStyle/>
+            <a:p>
+              <a:pPr algn="l" marL="0" marR="0" indent="0">
+                <a:lnSpc>
+                  <a:spcPts val="1103"/>
+                </a:lnSpc>
+                <a:spcBef>
+                  <a:spcPts val="0"/>
+                </a:spcBef>
+                <a:spcAft>
+                  <a:spcPts val="0"/>
+                </a:spcAft>
+              </a:pPr>
+              <a:r>
+                <a:rPr sz="1103">
+                  <a:solidFill>
+                    <a:srgbClr val="666666">
+                      <a:alpha val="100000"/>
+                    </a:srgbClr>
+                  </a:solidFill>
+                  <a:latin typeface="Arial"/>
+                  <a:cs typeface="Arial"/>
+                </a:rPr>
+                <a:t>a</a:t>
+              </a:r>
+            </a:p>
+          </p:txBody>
+        </p:sp>
+        <p:sp>
+          <p:nvSpPr>
+            <p:cNvPr id="56" name="pt56"/>
+            <p:cNvSpPr/>
+            <p:nvPr/>
+          </p:nvSpPr>
+          <p:spPr>
+            <a:xfrm>
+              <a:off x="5394138" y="2435980"/>
               <a:ext cx="49651" cy="49651"/>
             </a:xfrm>
             <a:prstGeom prst="ellipse">
@@ -7723,13 +10098,53 @@
         </p:sp>
         <p:sp>
           <p:nvSpPr>
-            <p:cNvPr id="38" name="tx38"/>
-            <p:cNvSpPr/>
-            <p:nvPr/>
-          </p:nvSpPr>
-          <p:spPr>
-            <a:xfrm>
-              <a:off x="4012228" y="2434997"/>
+            <p:cNvPr id="57" name="pl57"/>
+            <p:cNvSpPr/>
+            <p:nvPr/>
+          </p:nvSpPr>
+          <p:spPr>
+            <a:xfrm>
+              <a:off x="5327866" y="2460806"/>
+              <a:ext cx="182196" cy="0"/>
+            </a:xfrm>
+            <a:custGeom>
+              <a:avLst/>
+              <a:pathLst>
+                <a:path w="182196" h="0">
+                  <a:moveTo>
+                    <a:pt x="0" y="0"/>
+                  </a:moveTo>
+                  <a:lnTo>
+                    <a:pt x="182196" y="0"/>
+                  </a:lnTo>
+                </a:path>
+              </a:pathLst>
+            </a:custGeom>
+            <a:ln w="13550" cap="flat">
+              <a:solidFill>
+                <a:srgbClr val="0072BC">
+                  <a:alpha val="100000"/>
+                </a:srgbClr>
+              </a:solidFill>
+              <a:prstDash val="solid"/>
+              <a:round/>
+            </a:ln>
+          </p:spPr>
+          <p:txBody>
+            <a:bodyPr/>
+            <a:lstStyle/>
+            <a:p/>
+          </p:txBody>
+        </p:sp>
+        <p:sp>
+          <p:nvSpPr>
+            <p:cNvPr id="58" name="tx58"/>
+            <p:cNvSpPr/>
+            <p:nvPr/>
+          </p:nvSpPr>
+          <p:spPr>
+            <a:xfrm>
+              <a:off x="5379977" y="2434997"/>
               <a:ext cx="77974" cy="75989"/>
             </a:xfrm>
             <a:prstGeom prst="rect">
@@ -7769,13 +10184,59 @@
         </p:sp>
         <p:sp>
           <p:nvSpPr>
-            <p:cNvPr id="39" name="tx39"/>
-            <p:cNvSpPr/>
-            <p:nvPr/>
-          </p:nvSpPr>
-          <p:spPr>
-            <a:xfrm>
-              <a:off x="4259983" y="2367038"/>
+            <p:cNvPr id="59" name="tx59"/>
+            <p:cNvSpPr/>
+            <p:nvPr/>
+          </p:nvSpPr>
+          <p:spPr>
+            <a:xfrm>
+              <a:off x="4259983" y="2396586"/>
+              <a:ext cx="950213" cy="124883"/>
+            </a:xfrm>
+            <a:prstGeom prst="rect">
+              <a:avLst/>
+            </a:prstGeom>
+            <a:noFill/>
+          </p:spPr>
+          <p:txBody>
+            <a:bodyPr lIns="0" rIns="0" tIns="0" bIns="0" anchorCtr="1" anchor="ctr" wrap="none"/>
+            <a:lstStyle/>
+            <a:p>
+              <a:pPr algn="l" marL="0" marR="0" indent="0">
+                <a:lnSpc>
+                  <a:spcPts val="1333"/>
+                </a:lnSpc>
+                <a:spcBef>
+                  <a:spcPts val="0"/>
+                </a:spcBef>
+                <a:spcAft>
+                  <a:spcPts val="0"/>
+                </a:spcAft>
+              </a:pPr>
+              <a:r>
+                <a:rPr sz="1333">
+                  <a:solidFill>
+                    <a:srgbClr val="191919">
+                      <a:alpha val="100000"/>
+                    </a:srgbClr>
+                  </a:solidFill>
+                  <a:latin typeface="Lato"/>
+                  <a:cs typeface="Lato"/>
+                </a:rPr>
+                <a:t>Costa Ricans</a:t>
+              </a:r>
+            </a:p>
+          </p:txBody>
+        </p:sp>
+        <p:sp>
+          <p:nvSpPr>
+            <p:cNvPr id="60" name="tx60"/>
+            <p:cNvSpPr/>
+            <p:nvPr/>
+          </p:nvSpPr>
+          <p:spPr>
+            <a:xfrm>
+              <a:off x="5627731" y="2367038"/>
               <a:ext cx="915161" cy="154432"/>
             </a:xfrm>
             <a:prstGeom prst="rect">
@@ -7815,7 +10276,7 @@
         </p:sp>
         <p:sp>
           <p:nvSpPr>
-            <p:cNvPr id="40" name="tx40"/>
+            <p:cNvPr id="61" name="tx61"/>
             <p:cNvSpPr/>
             <p:nvPr/>
           </p:nvSpPr>
@@ -7861,7 +10322,7 @@
         </p:sp>
         <p:sp>
           <p:nvSpPr>
-            <p:cNvPr id="41" name="tx41"/>
+            <p:cNvPr id="62" name="tx62"/>
             <p:cNvSpPr/>
             <p:nvPr/>
           </p:nvSpPr>
@@ -7900,14 +10361,14 @@
                   <a:latin typeface="Lato"/>
                   <a:cs typeface="Lato"/>
                 </a:rPr>
-                <a:t>Encuesta Nacional de Hogares (ENAHO) 2022</a:t>
+                <a:t>Encuesta Nacional de Hogares (ENAHO) 2021</a:t>
               </a:r>
             </a:p>
           </p:txBody>
         </p:sp>
         <p:sp>
           <p:nvSpPr>
-            <p:cNvPr id="42" name="tx42"/>
+            <p:cNvPr id="63" name="tx63"/>
             <p:cNvSpPr/>
             <p:nvPr/>
           </p:nvSpPr>
@@ -7946,7 +10407,7 @@
                   <a:latin typeface="Lato"/>
                   <a:cs typeface="Lato"/>
                 </a:rPr>
-                <a:t># of Nicaraguans = 2,188)</a:t>
+                <a:t># of Nicaraguans = 2,229)</a:t>
               </a:r>
             </a:p>
           </p:txBody>

--- a/COSTA-RICA---RBM-Impact-Indicators-from-ENAHO2022.pptx
+++ b/COSTA-RICA---RBM-Impact-Indicators-from-ENAHO2022.pptx
@@ -2908,7 +2908,7 @@
             </a:pPr>
             <a:r>
               <a:rPr/>
-              <a:t>28 December 2022</a:t>
+              <a:t>03 January 2023</a:t>
             </a:r>
           </a:p>
         </p:txBody>
@@ -3505,7 +3505,112 @@
           </p:nvSpPr>
           <p:spPr>
             <a:xfrm>
-              <a:off x="5787229" y="3396079"/>
+              <a:off x="6310123" y="3396079"/>
+              <a:ext cx="49651" cy="49651"/>
+            </a:xfrm>
+            <a:prstGeom prst="ellipse">
+              <a:avLst/>
+            </a:prstGeom>
+            <a:solidFill>
+              <a:srgbClr val="0072BC">
+                <a:alpha val="100000"/>
+              </a:srgbClr>
+            </a:solidFill>
+            <a:ln w="9000" cap="rnd">
+              <a:solidFill>
+                <a:srgbClr val="0072BC">
+                  <a:alpha val="100000"/>
+                </a:srgbClr>
+              </a:solidFill>
+              <a:prstDash val="solid"/>
+              <a:round/>
+            </a:ln>
+          </p:spPr>
+          <p:txBody>
+            <a:bodyPr/>
+            <a:lstStyle/>
+            <a:p/>
+          </p:txBody>
+        </p:sp>
+        <p:sp>
+          <p:nvSpPr>
+            <p:cNvPr id="12" name="pt12"/>
+            <p:cNvSpPr/>
+            <p:nvPr/>
+          </p:nvSpPr>
+          <p:spPr>
+            <a:xfrm>
+              <a:off x="8797234" y="4486149"/>
+              <a:ext cx="49651" cy="49651"/>
+            </a:xfrm>
+            <a:prstGeom prst="ellipse">
+              <a:avLst/>
+            </a:prstGeom>
+            <a:solidFill>
+              <a:srgbClr val="0072BC">
+                <a:alpha val="100000"/>
+              </a:srgbClr>
+            </a:solidFill>
+            <a:ln w="9000" cap="rnd">
+              <a:solidFill>
+                <a:srgbClr val="0072BC">
+                  <a:alpha val="100000"/>
+                </a:srgbClr>
+              </a:solidFill>
+              <a:prstDash val="solid"/>
+              <a:round/>
+            </a:ln>
+          </p:spPr>
+          <p:txBody>
+            <a:bodyPr/>
+            <a:lstStyle/>
+            <a:p/>
+          </p:txBody>
+        </p:sp>
+        <p:sp>
+          <p:nvSpPr>
+            <p:cNvPr id="13" name="pt13"/>
+            <p:cNvSpPr/>
+            <p:nvPr/>
+          </p:nvSpPr>
+          <p:spPr>
+            <a:xfrm>
+              <a:off x="10473950" y="3941114"/>
+              <a:ext cx="49651" cy="49651"/>
+            </a:xfrm>
+            <a:prstGeom prst="ellipse">
+              <a:avLst/>
+            </a:prstGeom>
+            <a:solidFill>
+              <a:srgbClr val="0072BC">
+                <a:alpha val="100000"/>
+              </a:srgbClr>
+            </a:solidFill>
+            <a:ln w="9000" cap="rnd">
+              <a:solidFill>
+                <a:srgbClr val="0072BC">
+                  <a:alpha val="100000"/>
+                </a:srgbClr>
+              </a:solidFill>
+              <a:prstDash val="solid"/>
+              <a:round/>
+            </a:ln>
+          </p:spPr>
+          <p:txBody>
+            <a:bodyPr/>
+            <a:lstStyle/>
+            <a:p/>
+          </p:txBody>
+        </p:sp>
+        <p:sp>
+          <p:nvSpPr>
+            <p:cNvPr id="14" name="pt14"/>
+            <p:cNvSpPr/>
+            <p:nvPr/>
+          </p:nvSpPr>
+          <p:spPr>
+            <a:xfrm>
+              <a:off x="5788283" y="3396079"/>
               <a:ext cx="49651" cy="49651"/>
             </a:xfrm>
             <a:prstGeom prst="ellipse">
@@ -3534,48 +3639,13 @@
         </p:sp>
         <p:sp>
           <p:nvSpPr>
-            <p:cNvPr id="12" name="pt12"/>
-            <p:cNvSpPr/>
-            <p:nvPr/>
-          </p:nvSpPr>
-          <p:spPr>
-            <a:xfrm>
-              <a:off x="6288289" y="3396079"/>
-              <a:ext cx="49651" cy="49651"/>
-            </a:xfrm>
-            <a:prstGeom prst="ellipse">
-              <a:avLst/>
-            </a:prstGeom>
-            <a:solidFill>
-              <a:srgbClr val="0072BC">
-                <a:alpha val="100000"/>
-              </a:srgbClr>
-            </a:solidFill>
-            <a:ln w="9000" cap="rnd">
-              <a:solidFill>
-                <a:srgbClr val="0072BC">
-                  <a:alpha val="100000"/>
-                </a:srgbClr>
-              </a:solidFill>
-              <a:prstDash val="solid"/>
-              <a:round/>
-            </a:ln>
-          </p:spPr>
-          <p:txBody>
-            <a:bodyPr/>
-            <a:lstStyle/>
-            <a:p/>
-          </p:txBody>
-        </p:sp>
-        <p:sp>
-          <p:nvSpPr>
-            <p:cNvPr id="13" name="pt13"/>
-            <p:cNvSpPr/>
-            <p:nvPr/>
-          </p:nvSpPr>
-          <p:spPr>
-            <a:xfrm>
-              <a:off x="10811518" y="3941114"/>
+            <p:cNvPr id="15" name="pt15"/>
+            <p:cNvSpPr/>
+            <p:nvPr/>
+          </p:nvSpPr>
+          <p:spPr>
+            <a:xfrm>
+              <a:off x="10539063" y="4486149"/>
               <a:ext cx="49651" cy="49651"/>
             </a:xfrm>
             <a:prstGeom prst="ellipse">
@@ -3604,48 +3674,13 @@
         </p:sp>
         <p:sp>
           <p:nvSpPr>
-            <p:cNvPr id="14" name="pt14"/>
-            <p:cNvSpPr/>
-            <p:nvPr/>
-          </p:nvSpPr>
-          <p:spPr>
-            <a:xfrm>
-              <a:off x="10473950" y="3941114"/>
-              <a:ext cx="49651" cy="49651"/>
-            </a:xfrm>
-            <a:prstGeom prst="ellipse">
-              <a:avLst/>
-            </a:prstGeom>
-            <a:solidFill>
-              <a:srgbClr val="0072BC">
-                <a:alpha val="100000"/>
-              </a:srgbClr>
-            </a:solidFill>
-            <a:ln w="9000" cap="rnd">
-              <a:solidFill>
-                <a:srgbClr val="0072BC">
-                  <a:alpha val="100000"/>
-                </a:srgbClr>
-              </a:solidFill>
-              <a:prstDash val="solid"/>
-              <a:round/>
-            </a:ln>
-          </p:spPr>
-          <p:txBody>
-            <a:bodyPr/>
-            <a:lstStyle/>
-            <a:p/>
-          </p:txBody>
-        </p:sp>
-        <p:sp>
-          <p:nvSpPr>
-            <p:cNvPr id="15" name="pt15"/>
-            <p:cNvSpPr/>
-            <p:nvPr/>
-          </p:nvSpPr>
-          <p:spPr>
-            <a:xfrm>
-              <a:off x="10539063" y="4486149"/>
+            <p:cNvPr id="16" name="pt16"/>
+            <p:cNvSpPr/>
+            <p:nvPr/>
+          </p:nvSpPr>
+          <p:spPr>
+            <a:xfrm>
+              <a:off x="10811518" y="3941114"/>
               <a:ext cx="49651" cy="49651"/>
             </a:xfrm>
             <a:prstGeom prst="ellipse">
@@ -3674,24 +3709,29 @@
         </p:sp>
         <p:sp>
           <p:nvSpPr>
-            <p:cNvPr id="16" name="pt16"/>
-            <p:cNvSpPr/>
-            <p:nvPr/>
-          </p:nvSpPr>
-          <p:spPr>
-            <a:xfrm>
-              <a:off x="8797234" y="4486149"/>
-              <a:ext cx="49651" cy="49651"/>
-            </a:xfrm>
-            <a:prstGeom prst="ellipse">
-              <a:avLst/>
-            </a:prstGeom>
-            <a:solidFill>
-              <a:srgbClr val="0072BC">
-                <a:alpha val="100000"/>
-              </a:srgbClr>
-            </a:solidFill>
-            <a:ln w="9000" cap="rnd">
+            <p:cNvPr id="17" name="pl17"/>
+            <p:cNvSpPr/>
+            <p:nvPr/>
+          </p:nvSpPr>
+          <p:spPr>
+            <a:xfrm>
+              <a:off x="6592373" y="3366401"/>
+              <a:ext cx="0" cy="109007"/>
+            </a:xfrm>
+            <a:custGeom>
+              <a:avLst/>
+              <a:pathLst>
+                <a:path w="0" h="109007">
+                  <a:moveTo>
+                    <a:pt x="0" y="109007"/>
+                  </a:moveTo>
+                  <a:lnTo>
+                    <a:pt x="0" y="0"/>
+                  </a:lnTo>
+                </a:path>
+              </a:pathLst>
+            </a:custGeom>
+            <a:ln w="13550" cap="flat">
               <a:solidFill>
                 <a:srgbClr val="0072BC">
                   <a:alpha val="100000"/>
@@ -3709,13 +3749,333 @@
         </p:sp>
         <p:sp>
           <p:nvSpPr>
-            <p:cNvPr id="17" name="pl17"/>
-            <p:cNvSpPr/>
-            <p:nvPr/>
-          </p:nvSpPr>
-          <p:spPr>
-            <a:xfrm>
-              <a:off x="5989937" y="3366401"/>
+            <p:cNvPr id="18" name="pl18"/>
+            <p:cNvSpPr/>
+            <p:nvPr/>
+          </p:nvSpPr>
+          <p:spPr>
+            <a:xfrm>
+              <a:off x="6077526" y="3420905"/>
+              <a:ext cx="514846" cy="0"/>
+            </a:xfrm>
+            <a:custGeom>
+              <a:avLst/>
+              <a:pathLst>
+                <a:path w="514846" h="0">
+                  <a:moveTo>
+                    <a:pt x="514846" y="0"/>
+                  </a:moveTo>
+                  <a:lnTo>
+                    <a:pt x="0" y="0"/>
+                  </a:lnTo>
+                </a:path>
+              </a:pathLst>
+            </a:custGeom>
+            <a:ln w="13550" cap="flat">
+              <a:solidFill>
+                <a:srgbClr val="0072BC">
+                  <a:alpha val="100000"/>
+                </a:srgbClr>
+              </a:solidFill>
+              <a:prstDash val="solid"/>
+              <a:round/>
+            </a:ln>
+          </p:spPr>
+          <p:txBody>
+            <a:bodyPr/>
+            <a:lstStyle/>
+            <a:p/>
+          </p:txBody>
+        </p:sp>
+        <p:sp>
+          <p:nvSpPr>
+            <p:cNvPr id="19" name="pl19"/>
+            <p:cNvSpPr/>
+            <p:nvPr/>
+          </p:nvSpPr>
+          <p:spPr>
+            <a:xfrm>
+              <a:off x="6077526" y="3366401"/>
+              <a:ext cx="0" cy="109007"/>
+            </a:xfrm>
+            <a:custGeom>
+              <a:avLst/>
+              <a:pathLst>
+                <a:path w="0" h="109007">
+                  <a:moveTo>
+                    <a:pt x="0" y="109007"/>
+                  </a:moveTo>
+                  <a:lnTo>
+                    <a:pt x="0" y="0"/>
+                  </a:lnTo>
+                </a:path>
+              </a:pathLst>
+            </a:custGeom>
+            <a:ln w="13550" cap="flat">
+              <a:solidFill>
+                <a:srgbClr val="0072BC">
+                  <a:alpha val="100000"/>
+                </a:srgbClr>
+              </a:solidFill>
+              <a:prstDash val="solid"/>
+              <a:round/>
+            </a:ln>
+          </p:spPr>
+          <p:txBody>
+            <a:bodyPr/>
+            <a:lstStyle/>
+            <a:p/>
+          </p:txBody>
+        </p:sp>
+        <p:sp>
+          <p:nvSpPr>
+            <p:cNvPr id="20" name="pl20"/>
+            <p:cNvSpPr/>
+            <p:nvPr/>
+          </p:nvSpPr>
+          <p:spPr>
+            <a:xfrm>
+              <a:off x="9033543" y="4456472"/>
+              <a:ext cx="0" cy="109007"/>
+            </a:xfrm>
+            <a:custGeom>
+              <a:avLst/>
+              <a:pathLst>
+                <a:path w="0" h="109007">
+                  <a:moveTo>
+                    <a:pt x="0" y="109007"/>
+                  </a:moveTo>
+                  <a:lnTo>
+                    <a:pt x="0" y="0"/>
+                  </a:lnTo>
+                </a:path>
+              </a:pathLst>
+            </a:custGeom>
+            <a:ln w="13550" cap="flat">
+              <a:solidFill>
+                <a:srgbClr val="0072BC">
+                  <a:alpha val="100000"/>
+                </a:srgbClr>
+              </a:solidFill>
+              <a:prstDash val="solid"/>
+              <a:round/>
+            </a:ln>
+          </p:spPr>
+          <p:txBody>
+            <a:bodyPr/>
+            <a:lstStyle/>
+            <a:p/>
+          </p:txBody>
+        </p:sp>
+        <p:sp>
+          <p:nvSpPr>
+            <p:cNvPr id="21" name="pl21"/>
+            <p:cNvSpPr/>
+            <p:nvPr/>
+          </p:nvSpPr>
+          <p:spPr>
+            <a:xfrm>
+              <a:off x="8610576" y="4510975"/>
+              <a:ext cx="422967" cy="0"/>
+            </a:xfrm>
+            <a:custGeom>
+              <a:avLst/>
+              <a:pathLst>
+                <a:path w="422967" h="0">
+                  <a:moveTo>
+                    <a:pt x="422967" y="0"/>
+                  </a:moveTo>
+                  <a:lnTo>
+                    <a:pt x="0" y="0"/>
+                  </a:lnTo>
+                </a:path>
+              </a:pathLst>
+            </a:custGeom>
+            <a:ln w="13550" cap="flat">
+              <a:solidFill>
+                <a:srgbClr val="0072BC">
+                  <a:alpha val="100000"/>
+                </a:srgbClr>
+              </a:solidFill>
+              <a:prstDash val="solid"/>
+              <a:round/>
+            </a:ln>
+          </p:spPr>
+          <p:txBody>
+            <a:bodyPr/>
+            <a:lstStyle/>
+            <a:p/>
+          </p:txBody>
+        </p:sp>
+        <p:sp>
+          <p:nvSpPr>
+            <p:cNvPr id="22" name="pl22"/>
+            <p:cNvSpPr/>
+            <p:nvPr/>
+          </p:nvSpPr>
+          <p:spPr>
+            <a:xfrm>
+              <a:off x="8610576" y="4456472"/>
+              <a:ext cx="0" cy="109007"/>
+            </a:xfrm>
+            <a:custGeom>
+              <a:avLst/>
+              <a:pathLst>
+                <a:path w="0" h="109007">
+                  <a:moveTo>
+                    <a:pt x="0" y="109007"/>
+                  </a:moveTo>
+                  <a:lnTo>
+                    <a:pt x="0" y="0"/>
+                  </a:lnTo>
+                </a:path>
+              </a:pathLst>
+            </a:custGeom>
+            <a:ln w="13550" cap="flat">
+              <a:solidFill>
+                <a:srgbClr val="0072BC">
+                  <a:alpha val="100000"/>
+                </a:srgbClr>
+              </a:solidFill>
+              <a:prstDash val="solid"/>
+              <a:round/>
+            </a:ln>
+          </p:spPr>
+          <p:txBody>
+            <a:bodyPr/>
+            <a:lstStyle/>
+            <a:p/>
+          </p:txBody>
+        </p:sp>
+        <p:sp>
+          <p:nvSpPr>
+            <p:cNvPr id="23" name="pl23"/>
+            <p:cNvSpPr/>
+            <p:nvPr/>
+          </p:nvSpPr>
+          <p:spPr>
+            <a:xfrm>
+              <a:off x="10697315" y="3911437"/>
+              <a:ext cx="0" cy="109007"/>
+            </a:xfrm>
+            <a:custGeom>
+              <a:avLst/>
+              <a:pathLst>
+                <a:path w="0" h="109007">
+                  <a:moveTo>
+                    <a:pt x="0" y="109007"/>
+                  </a:moveTo>
+                  <a:lnTo>
+                    <a:pt x="0" y="0"/>
+                  </a:lnTo>
+                </a:path>
+              </a:pathLst>
+            </a:custGeom>
+            <a:ln w="13550" cap="flat">
+              <a:solidFill>
+                <a:srgbClr val="0072BC">
+                  <a:alpha val="100000"/>
+                </a:srgbClr>
+              </a:solidFill>
+              <a:prstDash val="solid"/>
+              <a:round/>
+            </a:ln>
+          </p:spPr>
+          <p:txBody>
+            <a:bodyPr/>
+            <a:lstStyle/>
+            <a:p/>
+          </p:txBody>
+        </p:sp>
+        <p:sp>
+          <p:nvSpPr>
+            <p:cNvPr id="24" name="pl24"/>
+            <p:cNvSpPr/>
+            <p:nvPr/>
+          </p:nvSpPr>
+          <p:spPr>
+            <a:xfrm>
+              <a:off x="10300238" y="3965940"/>
+              <a:ext cx="397076" cy="0"/>
+            </a:xfrm>
+            <a:custGeom>
+              <a:avLst/>
+              <a:pathLst>
+                <a:path w="397076" h="0">
+                  <a:moveTo>
+                    <a:pt x="397076" y="0"/>
+                  </a:moveTo>
+                  <a:lnTo>
+                    <a:pt x="0" y="0"/>
+                  </a:lnTo>
+                </a:path>
+              </a:pathLst>
+            </a:custGeom>
+            <a:ln w="13550" cap="flat">
+              <a:solidFill>
+                <a:srgbClr val="0072BC">
+                  <a:alpha val="100000"/>
+                </a:srgbClr>
+              </a:solidFill>
+              <a:prstDash val="solid"/>
+              <a:round/>
+            </a:ln>
+          </p:spPr>
+          <p:txBody>
+            <a:bodyPr/>
+            <a:lstStyle/>
+            <a:p/>
+          </p:txBody>
+        </p:sp>
+        <p:sp>
+          <p:nvSpPr>
+            <p:cNvPr id="25" name="pl25"/>
+            <p:cNvSpPr/>
+            <p:nvPr/>
+          </p:nvSpPr>
+          <p:spPr>
+            <a:xfrm>
+              <a:off x="10300238" y="3911437"/>
+              <a:ext cx="0" cy="109007"/>
+            </a:xfrm>
+            <a:custGeom>
+              <a:avLst/>
+              <a:pathLst>
+                <a:path w="0" h="109007">
+                  <a:moveTo>
+                    <a:pt x="0" y="109007"/>
+                  </a:moveTo>
+                  <a:lnTo>
+                    <a:pt x="0" y="0"/>
+                  </a:lnTo>
+                </a:path>
+              </a:pathLst>
+            </a:custGeom>
+            <a:ln w="13550" cap="flat">
+              <a:solidFill>
+                <a:srgbClr val="0072BC">
+                  <a:alpha val="100000"/>
+                </a:srgbClr>
+              </a:solidFill>
+              <a:prstDash val="solid"/>
+              <a:round/>
+            </a:ln>
+          </p:spPr>
+          <p:txBody>
+            <a:bodyPr/>
+            <a:lstStyle/>
+            <a:p/>
+          </p:txBody>
+        </p:sp>
+        <p:sp>
+          <p:nvSpPr>
+            <p:cNvPr id="26" name="pl26"/>
+            <p:cNvSpPr/>
+            <p:nvPr/>
+          </p:nvSpPr>
+          <p:spPr>
+            <a:xfrm>
+              <a:off x="5901072" y="3366401"/>
               <a:ext cx="0" cy="109007"/>
             </a:xfrm>
             <a:custGeom>
@@ -3749,21 +4109,21 @@
         </p:sp>
         <p:sp>
           <p:nvSpPr>
-            <p:cNvPr id="18" name="pl18"/>
-            <p:cNvSpPr/>
-            <p:nvPr/>
-          </p:nvSpPr>
-          <p:spPr>
-            <a:xfrm>
-              <a:off x="5634174" y="3420905"/>
-              <a:ext cx="355763" cy="0"/>
+            <p:cNvPr id="27" name="pl27"/>
+            <p:cNvSpPr/>
+            <p:nvPr/>
+          </p:nvSpPr>
+          <p:spPr>
+            <a:xfrm>
+              <a:off x="5725147" y="3420905"/>
+              <a:ext cx="175924" cy="0"/>
             </a:xfrm>
             <a:custGeom>
               <a:avLst/>
               <a:pathLst>
-                <a:path w="355763" h="0">
+                <a:path w="175924" h="0">
                   <a:moveTo>
-                    <a:pt x="355763" y="0"/>
+                    <a:pt x="175924" y="0"/>
                   </a:moveTo>
                   <a:lnTo>
                     <a:pt x="0" y="0"/>
@@ -3789,13 +4149,13 @@
         </p:sp>
         <p:sp>
           <p:nvSpPr>
-            <p:cNvPr id="19" name="pl19"/>
-            <p:cNvSpPr/>
-            <p:nvPr/>
-          </p:nvSpPr>
-          <p:spPr>
-            <a:xfrm>
-              <a:off x="5634174" y="3366401"/>
+            <p:cNvPr id="28" name="pl28"/>
+            <p:cNvSpPr/>
+            <p:nvPr/>
+          </p:nvSpPr>
+          <p:spPr>
+            <a:xfrm>
+              <a:off x="5725147" y="3366401"/>
               <a:ext cx="0" cy="109007"/>
             </a:xfrm>
             <a:custGeom>
@@ -3829,133 +4189,13 @@
         </p:sp>
         <p:sp>
           <p:nvSpPr>
-            <p:cNvPr id="20" name="pl20"/>
-            <p:cNvSpPr/>
-            <p:nvPr/>
-          </p:nvSpPr>
-          <p:spPr>
-            <a:xfrm>
-              <a:off x="6721420" y="3366401"/>
-              <a:ext cx="0" cy="109007"/>
-            </a:xfrm>
-            <a:custGeom>
-              <a:avLst/>
-              <a:pathLst>
-                <a:path w="0" h="109007">
-                  <a:moveTo>
-                    <a:pt x="0" y="109007"/>
-                  </a:moveTo>
-                  <a:lnTo>
-                    <a:pt x="0" y="0"/>
-                  </a:lnTo>
-                </a:path>
-              </a:pathLst>
-            </a:custGeom>
-            <a:ln w="13550" cap="flat">
-              <a:solidFill>
-                <a:srgbClr val="0072BC">
-                  <a:alpha val="100000"/>
-                </a:srgbClr>
-              </a:solidFill>
-              <a:prstDash val="solid"/>
-              <a:round/>
-            </a:ln>
-          </p:spPr>
-          <p:txBody>
-            <a:bodyPr/>
-            <a:lstStyle/>
-            <a:p/>
-          </p:txBody>
-        </p:sp>
-        <p:sp>
-          <p:nvSpPr>
-            <p:cNvPr id="21" name="pl21"/>
-            <p:cNvSpPr/>
-            <p:nvPr/>
-          </p:nvSpPr>
-          <p:spPr>
-            <a:xfrm>
-              <a:off x="5904810" y="3420905"/>
-              <a:ext cx="816610" cy="0"/>
-            </a:xfrm>
-            <a:custGeom>
-              <a:avLst/>
-              <a:pathLst>
-                <a:path w="816610" h="0">
-                  <a:moveTo>
-                    <a:pt x="816610" y="0"/>
-                  </a:moveTo>
-                  <a:lnTo>
-                    <a:pt x="0" y="0"/>
-                  </a:lnTo>
-                </a:path>
-              </a:pathLst>
-            </a:custGeom>
-            <a:ln w="13550" cap="flat">
-              <a:solidFill>
-                <a:srgbClr val="0072BC">
-                  <a:alpha val="100000"/>
-                </a:srgbClr>
-              </a:solidFill>
-              <a:prstDash val="solid"/>
-              <a:round/>
-            </a:ln>
-          </p:spPr>
-          <p:txBody>
-            <a:bodyPr/>
-            <a:lstStyle/>
-            <a:p/>
-          </p:txBody>
-        </p:sp>
-        <p:sp>
-          <p:nvSpPr>
-            <p:cNvPr id="22" name="pl22"/>
-            <p:cNvSpPr/>
-            <p:nvPr/>
-          </p:nvSpPr>
-          <p:spPr>
-            <a:xfrm>
-              <a:off x="5904810" y="3366401"/>
-              <a:ext cx="0" cy="109007"/>
-            </a:xfrm>
-            <a:custGeom>
-              <a:avLst/>
-              <a:pathLst>
-                <a:path w="0" h="109007">
-                  <a:moveTo>
-                    <a:pt x="0" y="109007"/>
-                  </a:moveTo>
-                  <a:lnTo>
-                    <a:pt x="0" y="0"/>
-                  </a:lnTo>
-                </a:path>
-              </a:pathLst>
-            </a:custGeom>
-            <a:ln w="13550" cap="flat">
-              <a:solidFill>
-                <a:srgbClr val="0072BC">
-                  <a:alpha val="100000"/>
-                </a:srgbClr>
-              </a:solidFill>
-              <a:prstDash val="solid"/>
-              <a:round/>
-            </a:ln>
-          </p:spPr>
-          <p:txBody>
-            <a:bodyPr/>
-            <a:lstStyle/>
-            <a:p/>
-          </p:txBody>
-        </p:sp>
-        <p:sp>
-          <p:nvSpPr>
-            <p:cNvPr id="23" name="pl23"/>
-            <p:cNvSpPr/>
-            <p:nvPr/>
-          </p:nvSpPr>
-          <p:spPr>
-            <a:xfrm>
-              <a:off x="10873446" y="3911437"/>
+            <p:cNvPr id="29" name="pl29"/>
+            <p:cNvSpPr/>
+            <p:nvPr/>
+          </p:nvSpPr>
+          <p:spPr>
+            <a:xfrm>
+              <a:off x="10605585" y="4456472"/>
               <a:ext cx="0" cy="109007"/>
             </a:xfrm>
             <a:custGeom>
@@ -3989,21 +4229,21 @@
         </p:sp>
         <p:sp>
           <p:nvSpPr>
-            <p:cNvPr id="24" name="pl24"/>
-            <p:cNvSpPr/>
-            <p:nvPr/>
-          </p:nvSpPr>
-          <p:spPr>
-            <a:xfrm>
-              <a:off x="10799242" y="3965940"/>
-              <a:ext cx="74203" cy="0"/>
+            <p:cNvPr id="30" name="pl30"/>
+            <p:cNvSpPr/>
+            <p:nvPr/>
+          </p:nvSpPr>
+          <p:spPr>
+            <a:xfrm>
+              <a:off x="10522193" y="4510975"/>
+              <a:ext cx="83392" cy="0"/>
             </a:xfrm>
             <a:custGeom>
               <a:avLst/>
               <a:pathLst>
-                <a:path w="74203" h="0">
+                <a:path w="83392" h="0">
                   <a:moveTo>
-                    <a:pt x="74203" y="0"/>
+                    <a:pt x="83392" y="0"/>
                   </a:moveTo>
                   <a:lnTo>
                     <a:pt x="0" y="0"/>
@@ -4029,13 +4269,13 @@
         </p:sp>
         <p:sp>
           <p:nvSpPr>
-            <p:cNvPr id="25" name="pl25"/>
-            <p:cNvSpPr/>
-            <p:nvPr/>
-          </p:nvSpPr>
-          <p:spPr>
-            <a:xfrm>
-              <a:off x="10799242" y="3911437"/>
+            <p:cNvPr id="31" name="pl31"/>
+            <p:cNvSpPr/>
+            <p:nvPr/>
+          </p:nvSpPr>
+          <p:spPr>
+            <a:xfrm>
+              <a:off x="10522193" y="4456472"/>
               <a:ext cx="0" cy="109007"/>
             </a:xfrm>
             <a:custGeom>
@@ -4069,133 +4309,13 @@
         </p:sp>
         <p:sp>
           <p:nvSpPr>
-            <p:cNvPr id="26" name="pl26"/>
-            <p:cNvSpPr/>
-            <p:nvPr/>
-          </p:nvSpPr>
-          <p:spPr>
-            <a:xfrm>
-              <a:off x="10613693" y="3911437"/>
-              <a:ext cx="0" cy="109007"/>
-            </a:xfrm>
-            <a:custGeom>
-              <a:avLst/>
-              <a:pathLst>
-                <a:path w="0" h="109007">
-                  <a:moveTo>
-                    <a:pt x="0" y="109007"/>
-                  </a:moveTo>
-                  <a:lnTo>
-                    <a:pt x="0" y="0"/>
-                  </a:lnTo>
-                </a:path>
-              </a:pathLst>
-            </a:custGeom>
-            <a:ln w="13550" cap="flat">
-              <a:solidFill>
-                <a:srgbClr val="0072BC">
-                  <a:alpha val="100000"/>
-                </a:srgbClr>
-              </a:solidFill>
-              <a:prstDash val="solid"/>
-              <a:round/>
-            </a:ln>
-          </p:spPr>
-          <p:txBody>
-            <a:bodyPr/>
-            <a:lstStyle/>
-            <a:p/>
-          </p:txBody>
-        </p:sp>
-        <p:sp>
-          <p:nvSpPr>
-            <p:cNvPr id="27" name="pl27"/>
-            <p:cNvSpPr/>
-            <p:nvPr/>
-          </p:nvSpPr>
-          <p:spPr>
-            <a:xfrm>
-              <a:off x="10383860" y="3965940"/>
-              <a:ext cx="229832" cy="0"/>
-            </a:xfrm>
-            <a:custGeom>
-              <a:avLst/>
-              <a:pathLst>
-                <a:path w="229832" h="0">
-                  <a:moveTo>
-                    <a:pt x="229832" y="0"/>
-                  </a:moveTo>
-                  <a:lnTo>
-                    <a:pt x="0" y="0"/>
-                  </a:lnTo>
-                </a:path>
-              </a:pathLst>
-            </a:custGeom>
-            <a:ln w="13550" cap="flat">
-              <a:solidFill>
-                <a:srgbClr val="0072BC">
-                  <a:alpha val="100000"/>
-                </a:srgbClr>
-              </a:solidFill>
-              <a:prstDash val="solid"/>
-              <a:round/>
-            </a:ln>
-          </p:spPr>
-          <p:txBody>
-            <a:bodyPr/>
-            <a:lstStyle/>
-            <a:p/>
-          </p:txBody>
-        </p:sp>
-        <p:sp>
-          <p:nvSpPr>
-            <p:cNvPr id="28" name="pl28"/>
-            <p:cNvSpPr/>
-            <p:nvPr/>
-          </p:nvSpPr>
-          <p:spPr>
-            <a:xfrm>
-              <a:off x="10383860" y="3911437"/>
-              <a:ext cx="0" cy="109007"/>
-            </a:xfrm>
-            <a:custGeom>
-              <a:avLst/>
-              <a:pathLst>
-                <a:path w="0" h="109007">
-                  <a:moveTo>
-                    <a:pt x="0" y="109007"/>
-                  </a:moveTo>
-                  <a:lnTo>
-                    <a:pt x="0" y="0"/>
-                  </a:lnTo>
-                </a:path>
-              </a:pathLst>
-            </a:custGeom>
-            <a:ln w="13550" cap="flat">
-              <a:solidFill>
-                <a:srgbClr val="0072BC">
-                  <a:alpha val="100000"/>
-                </a:srgbClr>
-              </a:solidFill>
-              <a:prstDash val="solid"/>
-              <a:round/>
-            </a:ln>
-          </p:spPr>
-          <p:txBody>
-            <a:bodyPr/>
-            <a:lstStyle/>
-            <a:p/>
-          </p:txBody>
-        </p:sp>
-        <p:sp>
-          <p:nvSpPr>
-            <p:cNvPr id="29" name="pl29"/>
-            <p:cNvSpPr/>
-            <p:nvPr/>
-          </p:nvSpPr>
-          <p:spPr>
-            <a:xfrm>
-              <a:off x="10587810" y="4456472"/>
+            <p:cNvPr id="32" name="pl32"/>
+            <p:cNvSpPr/>
+            <p:nvPr/>
+          </p:nvSpPr>
+          <p:spPr>
+            <a:xfrm>
+              <a:off x="10903672" y="3911437"/>
               <a:ext cx="0" cy="109007"/>
             </a:xfrm>
             <a:custGeom>
@@ -4229,21 +4349,21 @@
         </p:sp>
         <p:sp>
           <p:nvSpPr>
-            <p:cNvPr id="30" name="pl30"/>
-            <p:cNvSpPr/>
-            <p:nvPr/>
-          </p:nvSpPr>
-          <p:spPr>
-            <a:xfrm>
-              <a:off x="10539968" y="4510975"/>
-              <a:ext cx="47841" cy="0"/>
+            <p:cNvPr id="33" name="pl33"/>
+            <p:cNvSpPr/>
+            <p:nvPr/>
+          </p:nvSpPr>
+          <p:spPr>
+            <a:xfrm>
+              <a:off x="10769016" y="3965940"/>
+              <a:ext cx="134656" cy="0"/>
             </a:xfrm>
             <a:custGeom>
               <a:avLst/>
               <a:pathLst>
-                <a:path w="47841" h="0">
+                <a:path w="134656" h="0">
                   <a:moveTo>
-                    <a:pt x="47841" y="0"/>
+                    <a:pt x="134656" y="0"/>
                   </a:moveTo>
                   <a:lnTo>
                     <a:pt x="0" y="0"/>
@@ -4269,13 +4389,13 @@
         </p:sp>
         <p:sp>
           <p:nvSpPr>
-            <p:cNvPr id="31" name="pl31"/>
-            <p:cNvSpPr/>
-            <p:nvPr/>
-          </p:nvSpPr>
-          <p:spPr>
-            <a:xfrm>
-              <a:off x="10539968" y="4456472"/>
+            <p:cNvPr id="34" name="pl34"/>
+            <p:cNvSpPr/>
+            <p:nvPr/>
+          </p:nvSpPr>
+          <p:spPr>
+            <a:xfrm>
+              <a:off x="10769016" y="3911437"/>
               <a:ext cx="0" cy="109007"/>
             </a:xfrm>
             <a:custGeom>
@@ -4309,133 +4429,151 @@
         </p:sp>
         <p:sp>
           <p:nvSpPr>
-            <p:cNvPr id="32" name="pl32"/>
-            <p:cNvSpPr/>
-            <p:nvPr/>
-          </p:nvSpPr>
-          <p:spPr>
-            <a:xfrm>
-              <a:off x="8986433" y="4456472"/>
-              <a:ext cx="0" cy="109007"/>
-            </a:xfrm>
-            <a:custGeom>
-              <a:avLst/>
-              <a:pathLst>
-                <a:path w="0" h="109007">
-                  <a:moveTo>
-                    <a:pt x="0" y="109007"/>
-                  </a:moveTo>
-                  <a:lnTo>
-                    <a:pt x="0" y="0"/>
-                  </a:lnTo>
-                </a:path>
-              </a:pathLst>
-            </a:custGeom>
-            <a:ln w="13550" cap="flat">
-              <a:solidFill>
-                <a:srgbClr val="0072BC">
-                  <a:alpha val="100000"/>
-                </a:srgbClr>
-              </a:solidFill>
-              <a:prstDash val="solid"/>
-              <a:round/>
-            </a:ln>
-          </p:spPr>
-          <p:txBody>
-            <a:bodyPr/>
-            <a:lstStyle/>
-            <a:p/>
-          </p:txBody>
-        </p:sp>
-        <p:sp>
-          <p:nvSpPr>
-            <p:cNvPr id="33" name="pl33"/>
-            <p:cNvSpPr/>
-            <p:nvPr/>
-          </p:nvSpPr>
-          <p:spPr>
-            <a:xfrm>
-              <a:off x="8657686" y="4510975"/>
-              <a:ext cx="328747" cy="0"/>
-            </a:xfrm>
-            <a:custGeom>
-              <a:avLst/>
-              <a:pathLst>
-                <a:path w="328747" h="0">
-                  <a:moveTo>
-                    <a:pt x="328747" y="0"/>
-                  </a:moveTo>
-                  <a:lnTo>
-                    <a:pt x="0" y="0"/>
-                  </a:lnTo>
-                </a:path>
-              </a:pathLst>
-            </a:custGeom>
-            <a:ln w="13550" cap="flat">
-              <a:solidFill>
-                <a:srgbClr val="0072BC">
-                  <a:alpha val="100000"/>
-                </a:srgbClr>
-              </a:solidFill>
-              <a:prstDash val="solid"/>
-              <a:round/>
-            </a:ln>
-          </p:spPr>
-          <p:txBody>
-            <a:bodyPr/>
-            <a:lstStyle/>
-            <a:p/>
-          </p:txBody>
-        </p:sp>
-        <p:sp>
-          <p:nvSpPr>
-            <p:cNvPr id="34" name="pl34"/>
-            <p:cNvSpPr/>
-            <p:nvPr/>
-          </p:nvSpPr>
-          <p:spPr>
-            <a:xfrm>
-              <a:off x="8657686" y="4456472"/>
-              <a:ext cx="0" cy="109007"/>
-            </a:xfrm>
-            <a:custGeom>
-              <a:avLst/>
-              <a:pathLst>
-                <a:path w="0" h="109007">
-                  <a:moveTo>
-                    <a:pt x="0" y="109007"/>
-                  </a:moveTo>
-                  <a:lnTo>
-                    <a:pt x="0" y="0"/>
-                  </a:lnTo>
-                </a:path>
-              </a:pathLst>
-            </a:custGeom>
-            <a:ln w="13550" cap="flat">
-              <a:solidFill>
-                <a:srgbClr val="0072BC">
-                  <a:alpha val="100000"/>
-                </a:srgbClr>
-              </a:solidFill>
-              <a:prstDash val="solid"/>
-              <a:round/>
-            </a:ln>
-          </p:spPr>
-          <p:txBody>
-            <a:bodyPr/>
-            <a:lstStyle/>
-            <a:p/>
-          </p:txBody>
-        </p:sp>
-        <p:sp>
-          <p:nvSpPr>
             <p:cNvPr id="35" name="tx35"/>
             <p:cNvSpPr/>
             <p:nvPr/>
           </p:nvSpPr>
           <p:spPr>
             <a:xfrm>
-              <a:off x="5613285" y="3515857"/>
+              <a:off x="6136179" y="3189685"/>
+              <a:ext cx="397540" cy="105768"/>
+            </a:xfrm>
+            <a:prstGeom prst="rect">
+              <a:avLst/>
+            </a:prstGeom>
+            <a:noFill/>
+          </p:spPr>
+          <p:txBody>
+            <a:bodyPr lIns="0" rIns="0" tIns="0" bIns="0" anchorCtr="1" anchor="ctr" wrap="none"/>
+            <a:lstStyle/>
+            <a:p>
+              <a:pPr algn="l" marL="0" marR="0" indent="0">
+                <a:lnSpc>
+                  <a:spcPts val="1103"/>
+                </a:lnSpc>
+                <a:spcBef>
+                  <a:spcPts val="0"/>
+                </a:spcBef>
+                <a:spcAft>
+                  <a:spcPts val="0"/>
+                </a:spcAft>
+              </a:pPr>
+              <a:r>
+                <a:rPr sz="1103">
+                  <a:solidFill>
+                    <a:srgbClr val="0072BC">
+                      <a:alpha val="100000"/>
+                    </a:srgbClr>
+                  </a:solidFill>
+                  <a:latin typeface="Arial"/>
+                  <a:cs typeface="Arial"/>
+                </a:rPr>
+                <a:t>32.2%</a:t>
+              </a:r>
+            </a:p>
+          </p:txBody>
+        </p:sp>
+        <p:sp>
+          <p:nvSpPr>
+            <p:cNvPr id="36" name="tx36"/>
+            <p:cNvSpPr/>
+            <p:nvPr/>
+          </p:nvSpPr>
+          <p:spPr>
+            <a:xfrm>
+              <a:off x="8623289" y="4279755"/>
+              <a:ext cx="397540" cy="105768"/>
+            </a:xfrm>
+            <a:prstGeom prst="rect">
+              <a:avLst/>
+            </a:prstGeom>
+            <a:noFill/>
+          </p:spPr>
+          <p:txBody>
+            <a:bodyPr lIns="0" rIns="0" tIns="0" bIns="0" anchorCtr="1" anchor="ctr" wrap="none"/>
+            <a:lstStyle/>
+            <a:p>
+              <a:pPr algn="l" marL="0" marR="0" indent="0">
+                <a:lnSpc>
+                  <a:spcPts val="1103"/>
+                </a:lnSpc>
+                <a:spcBef>
+                  <a:spcPts val="0"/>
+                </a:spcBef>
+                <a:spcAft>
+                  <a:spcPts val="0"/>
+                </a:spcAft>
+              </a:pPr>
+              <a:r>
+                <a:rPr sz="1103">
+                  <a:solidFill>
+                    <a:srgbClr val="0072BC">
+                      <a:alpha val="100000"/>
+                    </a:srgbClr>
+                  </a:solidFill>
+                  <a:latin typeface="Arial"/>
+                  <a:cs typeface="Arial"/>
+                </a:rPr>
+                <a:t>65.5%</a:t>
+              </a:r>
+            </a:p>
+          </p:txBody>
+        </p:sp>
+        <p:sp>
+          <p:nvSpPr>
+            <p:cNvPr id="37" name="tx37"/>
+            <p:cNvSpPr/>
+            <p:nvPr/>
+          </p:nvSpPr>
+          <p:spPr>
+            <a:xfrm>
+              <a:off x="10300006" y="3734720"/>
+              <a:ext cx="397540" cy="105768"/>
+            </a:xfrm>
+            <a:prstGeom prst="rect">
+              <a:avLst/>
+            </a:prstGeom>
+            <a:noFill/>
+          </p:spPr>
+          <p:txBody>
+            <a:bodyPr lIns="0" rIns="0" tIns="0" bIns="0" anchorCtr="1" anchor="ctr" wrap="none"/>
+            <a:lstStyle/>
+            <a:p>
+              <a:pPr algn="l" marL="0" marR="0" indent="0">
+                <a:lnSpc>
+                  <a:spcPts val="1103"/>
+                </a:lnSpc>
+                <a:spcBef>
+                  <a:spcPts val="0"/>
+                </a:spcBef>
+                <a:spcAft>
+                  <a:spcPts val="0"/>
+                </a:spcAft>
+              </a:pPr>
+              <a:r>
+                <a:rPr sz="1103">
+                  <a:solidFill>
+                    <a:srgbClr val="0072BC">
+                      <a:alpha val="100000"/>
+                    </a:srgbClr>
+                  </a:solidFill>
+                  <a:latin typeface="Arial"/>
+                  <a:cs typeface="Arial"/>
+                </a:rPr>
+                <a:t>88.0%</a:t>
+              </a:r>
+            </a:p>
+          </p:txBody>
+        </p:sp>
+        <p:sp>
+          <p:nvSpPr>
+            <p:cNvPr id="38" name="tx38"/>
+            <p:cNvSpPr/>
+            <p:nvPr/>
+          </p:nvSpPr>
+          <p:spPr>
+            <a:xfrm>
+              <a:off x="5614339" y="3515857"/>
               <a:ext cx="397540" cy="105768"/>
             </a:xfrm>
             <a:prstGeom prst="rect">
@@ -4475,13 +4613,13 @@
         </p:sp>
         <p:sp>
           <p:nvSpPr>
-            <p:cNvPr id="36" name="tx36"/>
-            <p:cNvSpPr/>
-            <p:nvPr/>
-          </p:nvSpPr>
-          <p:spPr>
-            <a:xfrm>
-              <a:off x="6114345" y="3189685"/>
+            <p:cNvPr id="39" name="tx39"/>
+            <p:cNvSpPr/>
+            <p:nvPr/>
+          </p:nvSpPr>
+          <p:spPr>
+            <a:xfrm>
+              <a:off x="10365119" y="4605928"/>
               <a:ext cx="397540" cy="105768"/>
             </a:xfrm>
             <a:prstGeom prst="rect">
@@ -4507,21 +4645,21 @@
               <a:r>
                 <a:rPr sz="1103">
                   <a:solidFill>
-                    <a:srgbClr val="0072BC">
+                    <a:srgbClr val="666666">
                       <a:alpha val="100000"/>
                     </a:srgbClr>
                   </a:solidFill>
                   <a:latin typeface="Arial"/>
                   <a:cs typeface="Arial"/>
                 </a:rPr>
-                <a:t>31.9%</a:t>
+                <a:t>88.8%</a:t>
               </a:r>
             </a:p>
           </p:txBody>
         </p:sp>
         <p:sp>
           <p:nvSpPr>
-            <p:cNvPr id="37" name="tx37"/>
+            <p:cNvPr id="40" name="tx40"/>
             <p:cNvSpPr/>
             <p:nvPr/>
           </p:nvSpPr>
@@ -4567,144 +4705,6 @@
         </p:sp>
         <p:sp>
           <p:nvSpPr>
-            <p:cNvPr id="38" name="tx38"/>
-            <p:cNvSpPr/>
-            <p:nvPr/>
-          </p:nvSpPr>
-          <p:spPr>
-            <a:xfrm>
-              <a:off x="10300006" y="3734720"/>
-              <a:ext cx="397540" cy="105768"/>
-            </a:xfrm>
-            <a:prstGeom prst="rect">
-              <a:avLst/>
-            </a:prstGeom>
-            <a:noFill/>
-          </p:spPr>
-          <p:txBody>
-            <a:bodyPr lIns="0" rIns="0" tIns="0" bIns="0" anchorCtr="1" anchor="ctr" wrap="none"/>
-            <a:lstStyle/>
-            <a:p>
-              <a:pPr algn="l" marL="0" marR="0" indent="0">
-                <a:lnSpc>
-                  <a:spcPts val="1103"/>
-                </a:lnSpc>
-                <a:spcBef>
-                  <a:spcPts val="0"/>
-                </a:spcBef>
-                <a:spcAft>
-                  <a:spcPts val="0"/>
-                </a:spcAft>
-              </a:pPr>
-              <a:r>
-                <a:rPr sz="1103">
-                  <a:solidFill>
-                    <a:srgbClr val="0072BC">
-                      <a:alpha val="100000"/>
-                    </a:srgbClr>
-                  </a:solidFill>
-                  <a:latin typeface="Arial"/>
-                  <a:cs typeface="Arial"/>
-                </a:rPr>
-                <a:t>88.0%</a:t>
-              </a:r>
-            </a:p>
-          </p:txBody>
-        </p:sp>
-        <p:sp>
-          <p:nvSpPr>
-            <p:cNvPr id="39" name="tx39"/>
-            <p:cNvSpPr/>
-            <p:nvPr/>
-          </p:nvSpPr>
-          <p:spPr>
-            <a:xfrm>
-              <a:off x="10365119" y="4605928"/>
-              <a:ext cx="397540" cy="105768"/>
-            </a:xfrm>
-            <a:prstGeom prst="rect">
-              <a:avLst/>
-            </a:prstGeom>
-            <a:noFill/>
-          </p:spPr>
-          <p:txBody>
-            <a:bodyPr lIns="0" rIns="0" tIns="0" bIns="0" anchorCtr="1" anchor="ctr" wrap="none"/>
-            <a:lstStyle/>
-            <a:p>
-              <a:pPr algn="l" marL="0" marR="0" indent="0">
-                <a:lnSpc>
-                  <a:spcPts val="1103"/>
-                </a:lnSpc>
-                <a:spcBef>
-                  <a:spcPts val="0"/>
-                </a:spcBef>
-                <a:spcAft>
-                  <a:spcPts val="0"/>
-                </a:spcAft>
-              </a:pPr>
-              <a:r>
-                <a:rPr sz="1103">
-                  <a:solidFill>
-                    <a:srgbClr val="666666">
-                      <a:alpha val="100000"/>
-                    </a:srgbClr>
-                  </a:solidFill>
-                  <a:latin typeface="Arial"/>
-                  <a:cs typeface="Arial"/>
-                </a:rPr>
-                <a:t>88.8%</a:t>
-              </a:r>
-            </a:p>
-          </p:txBody>
-        </p:sp>
-        <p:sp>
-          <p:nvSpPr>
-            <p:cNvPr id="40" name="tx40"/>
-            <p:cNvSpPr/>
-            <p:nvPr/>
-          </p:nvSpPr>
-          <p:spPr>
-            <a:xfrm>
-              <a:off x="8623289" y="4279755"/>
-              <a:ext cx="397540" cy="105768"/>
-            </a:xfrm>
-            <a:prstGeom prst="rect">
-              <a:avLst/>
-            </a:prstGeom>
-            <a:noFill/>
-          </p:spPr>
-          <p:txBody>
-            <a:bodyPr lIns="0" rIns="0" tIns="0" bIns="0" anchorCtr="1" anchor="ctr" wrap="none"/>
-            <a:lstStyle/>
-            <a:p>
-              <a:pPr algn="l" marL="0" marR="0" indent="0">
-                <a:lnSpc>
-                  <a:spcPts val="1103"/>
-                </a:lnSpc>
-                <a:spcBef>
-                  <a:spcPts val="0"/>
-                </a:spcBef>
-                <a:spcAft>
-                  <a:spcPts val="0"/>
-                </a:spcAft>
-              </a:pPr>
-              <a:r>
-                <a:rPr sz="1103">
-                  <a:solidFill>
-                    <a:srgbClr val="0072BC">
-                      <a:alpha val="100000"/>
-                    </a:srgbClr>
-                  </a:solidFill>
-                  <a:latin typeface="Arial"/>
-                  <a:cs typeface="Arial"/>
-                </a:rPr>
-                <a:t>65.5%</a:t>
-              </a:r>
-            </a:p>
-          </p:txBody>
-        </p:sp>
-        <p:sp>
-          <p:nvSpPr>
             <p:cNvPr id="41" name="tx41"/>
             <p:cNvSpPr/>
             <p:nvPr/>
@@ -4895,8 +4895,8 @@
           </p:nvSpPr>
           <p:spPr>
             <a:xfrm>
-              <a:off x="1303843" y="4083415"/>
-              <a:ext cx="2164333" cy="126068"/>
+              <a:off x="1343806" y="4083415"/>
+              <a:ext cx="2124371" cy="126068"/>
             </a:xfrm>
             <a:prstGeom prst="rect">
               <a:avLst/>
@@ -4928,7 +4928,7 @@
                   <a:latin typeface="Lato"/>
                   <a:cs typeface="Lato"/>
                 </a:rPr>
-                <a:t>with access to basic facilities.</a:t>
+                <a:t>with access to basic facilities</a:t>
               </a:r>
             </a:p>
           </p:txBody>
@@ -5716,7 +5716,7 @@
                   <a:latin typeface="Lato"/>
                   <a:cs typeface="Lato"/>
                 </a:rPr>
-                <a:t>Encuesta Nacional de Hogares (ENAHO) 2021</a:t>
+                <a:t>Encuesta Nacional de Hogares (ENAHO) 2022</a:t>
               </a:r>
             </a:p>
           </p:txBody>
@@ -5762,7 +5762,7 @@
                   <a:latin typeface="Lato"/>
                   <a:cs typeface="Lato"/>
                 </a:rPr>
-                <a:t># of Nicaraguans = 2,229)</a:t>
+                <a:t># of Nicaraguans = 2,188)</a:t>
               </a:r>
             </a:p>
           </p:txBody>
@@ -6093,7 +6093,77 @@
           </p:nvSpPr>
           <p:spPr>
             <a:xfrm>
-              <a:off x="9407732" y="3544725"/>
+              <a:off x="10529748" y="3544725"/>
+              <a:ext cx="49651" cy="49651"/>
+            </a:xfrm>
+            <a:prstGeom prst="ellipse">
+              <a:avLst/>
+            </a:prstGeom>
+            <a:solidFill>
+              <a:srgbClr val="0072BC">
+                <a:alpha val="100000"/>
+              </a:srgbClr>
+            </a:solidFill>
+            <a:ln w="9000" cap="rnd">
+              <a:solidFill>
+                <a:srgbClr val="0072BC">
+                  <a:alpha val="100000"/>
+                </a:srgbClr>
+              </a:solidFill>
+              <a:prstDash val="solid"/>
+              <a:round/>
+            </a:ln>
+          </p:spPr>
+          <p:txBody>
+            <a:bodyPr/>
+            <a:lstStyle/>
+            <a:p/>
+          </p:txBody>
+        </p:sp>
+        <p:sp>
+          <p:nvSpPr>
+            <p:cNvPr id="11" name="pt11"/>
+            <p:cNvSpPr/>
+            <p:nvPr/>
+          </p:nvSpPr>
+          <p:spPr>
+            <a:xfrm>
+              <a:off x="9057205" y="4337503"/>
+              <a:ext cx="49651" cy="49651"/>
+            </a:xfrm>
+            <a:prstGeom prst="ellipse">
+              <a:avLst/>
+            </a:prstGeom>
+            <a:solidFill>
+              <a:srgbClr val="0072BC">
+                <a:alpha val="100000"/>
+              </a:srgbClr>
+            </a:solidFill>
+            <a:ln w="9000" cap="rnd">
+              <a:solidFill>
+                <a:srgbClr val="0072BC">
+                  <a:alpha val="100000"/>
+                </a:srgbClr>
+              </a:solidFill>
+              <a:prstDash val="solid"/>
+              <a:round/>
+            </a:ln>
+          </p:spPr>
+          <p:txBody>
+            <a:bodyPr/>
+            <a:lstStyle/>
+            <a:p/>
+          </p:txBody>
+        </p:sp>
+        <p:sp>
+          <p:nvSpPr>
+            <p:cNvPr id="12" name="pt12"/>
+            <p:cNvSpPr/>
+            <p:nvPr/>
+          </p:nvSpPr>
+          <p:spPr>
+            <a:xfrm>
+              <a:off x="10720804" y="3544725"/>
               <a:ext cx="49651" cy="49651"/>
             </a:xfrm>
             <a:prstGeom prst="ellipse">
@@ -6122,48 +6192,13 @@
         </p:sp>
         <p:sp>
           <p:nvSpPr>
-            <p:cNvPr id="11" name="pt11"/>
-            <p:cNvSpPr/>
-            <p:nvPr/>
-          </p:nvSpPr>
-          <p:spPr>
-            <a:xfrm>
-              <a:off x="9439398" y="3544725"/>
-              <a:ext cx="49651" cy="49651"/>
-            </a:xfrm>
-            <a:prstGeom prst="ellipse">
-              <a:avLst/>
-            </a:prstGeom>
-            <a:solidFill>
-              <a:srgbClr val="0072BC">
-                <a:alpha val="100000"/>
-              </a:srgbClr>
-            </a:solidFill>
-            <a:ln w="9000" cap="rnd">
-              <a:solidFill>
-                <a:srgbClr val="0072BC">
-                  <a:alpha val="100000"/>
-                </a:srgbClr>
-              </a:solidFill>
-              <a:prstDash val="solid"/>
-              <a:round/>
-            </a:ln>
-          </p:spPr>
-          <p:txBody>
-            <a:bodyPr/>
-            <a:lstStyle/>
-            <a:p/>
-          </p:txBody>
-        </p:sp>
-        <p:sp>
-          <p:nvSpPr>
-            <p:cNvPr id="12" name="pt12"/>
-            <p:cNvSpPr/>
-            <p:nvPr/>
-          </p:nvSpPr>
-          <p:spPr>
-            <a:xfrm>
-              <a:off x="8852244" y="4337503"/>
+            <p:cNvPr id="13" name="pt13"/>
+            <p:cNvSpPr/>
+            <p:nvPr/>
+          </p:nvSpPr>
+          <p:spPr>
+            <a:xfrm>
+              <a:off x="9909416" y="4337503"/>
               <a:ext cx="49651" cy="49651"/>
             </a:xfrm>
             <a:prstGeom prst="ellipse">
@@ -6192,24 +6227,29 @@
         </p:sp>
         <p:sp>
           <p:nvSpPr>
-            <p:cNvPr id="13" name="pt13"/>
-            <p:cNvSpPr/>
-            <p:nvPr/>
-          </p:nvSpPr>
-          <p:spPr>
-            <a:xfrm>
-              <a:off x="7582310" y="4337503"/>
-              <a:ext cx="49651" cy="49651"/>
-            </a:xfrm>
-            <a:prstGeom prst="ellipse">
-              <a:avLst/>
-            </a:prstGeom>
-            <a:solidFill>
-              <a:srgbClr val="0072BC">
-                <a:alpha val="100000"/>
-              </a:srgbClr>
-            </a:solidFill>
-            <a:ln w="9000" cap="rnd">
+            <p:cNvPr id="14" name="pl14"/>
+            <p:cNvSpPr/>
+            <p:nvPr/>
+          </p:nvSpPr>
+          <p:spPr>
+            <a:xfrm>
+              <a:off x="11167039" y="3490273"/>
+              <a:ext cx="0" cy="158555"/>
+            </a:xfrm>
+            <a:custGeom>
+              <a:avLst/>
+              <a:pathLst>
+                <a:path w="0" h="158555">
+                  <a:moveTo>
+                    <a:pt x="0" y="158555"/>
+                  </a:moveTo>
+                  <a:lnTo>
+                    <a:pt x="0" y="0"/>
+                  </a:lnTo>
+                </a:path>
+              </a:pathLst>
+            </a:custGeom>
+            <a:ln w="13550" cap="flat">
               <a:solidFill>
                 <a:srgbClr val="0072BC">
                   <a:alpha val="100000"/>
@@ -6227,13 +6267,213 @@
         </p:sp>
         <p:sp>
           <p:nvSpPr>
-            <p:cNvPr id="14" name="pl14"/>
-            <p:cNvSpPr/>
-            <p:nvPr/>
-          </p:nvSpPr>
-          <p:spPr>
-            <a:xfrm>
-              <a:off x="9526220" y="3490273"/>
+            <p:cNvPr id="15" name="pl15"/>
+            <p:cNvSpPr/>
+            <p:nvPr/>
+          </p:nvSpPr>
+          <p:spPr>
+            <a:xfrm>
+              <a:off x="9942108" y="3569551"/>
+              <a:ext cx="1224931" cy="0"/>
+            </a:xfrm>
+            <a:custGeom>
+              <a:avLst/>
+              <a:pathLst>
+                <a:path w="1224931" h="0">
+                  <a:moveTo>
+                    <a:pt x="1224931" y="0"/>
+                  </a:moveTo>
+                  <a:lnTo>
+                    <a:pt x="0" y="0"/>
+                  </a:lnTo>
+                </a:path>
+              </a:pathLst>
+            </a:custGeom>
+            <a:ln w="13550" cap="flat">
+              <a:solidFill>
+                <a:srgbClr val="0072BC">
+                  <a:alpha val="100000"/>
+                </a:srgbClr>
+              </a:solidFill>
+              <a:prstDash val="solid"/>
+              <a:round/>
+            </a:ln>
+          </p:spPr>
+          <p:txBody>
+            <a:bodyPr/>
+            <a:lstStyle/>
+            <a:p/>
+          </p:txBody>
+        </p:sp>
+        <p:sp>
+          <p:nvSpPr>
+            <p:cNvPr id="16" name="pl16"/>
+            <p:cNvSpPr/>
+            <p:nvPr/>
+          </p:nvSpPr>
+          <p:spPr>
+            <a:xfrm>
+              <a:off x="9942108" y="3490273"/>
+              <a:ext cx="0" cy="158555"/>
+            </a:xfrm>
+            <a:custGeom>
+              <a:avLst/>
+              <a:pathLst>
+                <a:path w="0" h="158555">
+                  <a:moveTo>
+                    <a:pt x="0" y="158555"/>
+                  </a:moveTo>
+                  <a:lnTo>
+                    <a:pt x="0" y="0"/>
+                  </a:lnTo>
+                </a:path>
+              </a:pathLst>
+            </a:custGeom>
+            <a:ln w="13550" cap="flat">
+              <a:solidFill>
+                <a:srgbClr val="0072BC">
+                  <a:alpha val="100000"/>
+                </a:srgbClr>
+              </a:solidFill>
+              <a:prstDash val="solid"/>
+              <a:round/>
+            </a:ln>
+          </p:spPr>
+          <p:txBody>
+            <a:bodyPr/>
+            <a:lstStyle/>
+            <a:p/>
+          </p:txBody>
+        </p:sp>
+        <p:sp>
+          <p:nvSpPr>
+            <p:cNvPr id="17" name="pl17"/>
+            <p:cNvSpPr/>
+            <p:nvPr/>
+          </p:nvSpPr>
+          <p:spPr>
+            <a:xfrm>
+              <a:off x="9907521" y="4283052"/>
+              <a:ext cx="0" cy="158555"/>
+            </a:xfrm>
+            <a:custGeom>
+              <a:avLst/>
+              <a:pathLst>
+                <a:path w="0" h="158555">
+                  <a:moveTo>
+                    <a:pt x="0" y="158555"/>
+                  </a:moveTo>
+                  <a:lnTo>
+                    <a:pt x="0" y="0"/>
+                  </a:lnTo>
+                </a:path>
+              </a:pathLst>
+            </a:custGeom>
+            <a:ln w="13550" cap="flat">
+              <a:solidFill>
+                <a:srgbClr val="0072BC">
+                  <a:alpha val="100000"/>
+                </a:srgbClr>
+              </a:solidFill>
+              <a:prstDash val="solid"/>
+              <a:round/>
+            </a:ln>
+          </p:spPr>
+          <p:txBody>
+            <a:bodyPr/>
+            <a:lstStyle/>
+            <a:p/>
+          </p:txBody>
+        </p:sp>
+        <p:sp>
+          <p:nvSpPr>
+            <p:cNvPr id="18" name="pl18"/>
+            <p:cNvSpPr/>
+            <p:nvPr/>
+          </p:nvSpPr>
+          <p:spPr>
+            <a:xfrm>
+              <a:off x="8256542" y="4362329"/>
+              <a:ext cx="1650978" cy="0"/>
+            </a:xfrm>
+            <a:custGeom>
+              <a:avLst/>
+              <a:pathLst>
+                <a:path w="1650978" h="0">
+                  <a:moveTo>
+                    <a:pt x="1650978" y="0"/>
+                  </a:moveTo>
+                  <a:lnTo>
+                    <a:pt x="0" y="0"/>
+                  </a:lnTo>
+                </a:path>
+              </a:pathLst>
+            </a:custGeom>
+            <a:ln w="13550" cap="flat">
+              <a:solidFill>
+                <a:srgbClr val="0072BC">
+                  <a:alpha val="100000"/>
+                </a:srgbClr>
+              </a:solidFill>
+              <a:prstDash val="solid"/>
+              <a:round/>
+            </a:ln>
+          </p:spPr>
+          <p:txBody>
+            <a:bodyPr/>
+            <a:lstStyle/>
+            <a:p/>
+          </p:txBody>
+        </p:sp>
+        <p:sp>
+          <p:nvSpPr>
+            <p:cNvPr id="19" name="pl19"/>
+            <p:cNvSpPr/>
+            <p:nvPr/>
+          </p:nvSpPr>
+          <p:spPr>
+            <a:xfrm>
+              <a:off x="8256542" y="4283052"/>
+              <a:ext cx="0" cy="158555"/>
+            </a:xfrm>
+            <a:custGeom>
+              <a:avLst/>
+              <a:pathLst>
+                <a:path w="0" h="158555">
+                  <a:moveTo>
+                    <a:pt x="0" y="158555"/>
+                  </a:moveTo>
+                  <a:lnTo>
+                    <a:pt x="0" y="0"/>
+                  </a:lnTo>
+                </a:path>
+              </a:pathLst>
+            </a:custGeom>
+            <a:ln w="13550" cap="flat">
+              <a:solidFill>
+                <a:srgbClr val="0072BC">
+                  <a:alpha val="100000"/>
+                </a:srgbClr>
+              </a:solidFill>
+              <a:prstDash val="solid"/>
+              <a:round/>
+            </a:ln>
+          </p:spPr>
+          <p:txBody>
+            <a:bodyPr/>
+            <a:lstStyle/>
+            <a:p/>
+          </p:txBody>
+        </p:sp>
+        <p:sp>
+          <p:nvSpPr>
+            <p:cNvPr id="20" name="pl20"/>
+            <p:cNvSpPr/>
+            <p:nvPr/>
+          </p:nvSpPr>
+          <p:spPr>
+            <a:xfrm>
+              <a:off x="10836254" y="3490273"/>
               <a:ext cx="0" cy="158555"/>
             </a:xfrm>
             <a:custGeom>
@@ -6267,21 +6507,21 @@
         </p:sp>
         <p:sp>
           <p:nvSpPr>
-            <p:cNvPr id="15" name="pl15"/>
-            <p:cNvSpPr/>
-            <p:nvPr/>
-          </p:nvSpPr>
-          <p:spPr>
-            <a:xfrm>
-              <a:off x="9338895" y="3569551"/>
-              <a:ext cx="187325" cy="0"/>
+            <p:cNvPr id="21" name="pl21"/>
+            <p:cNvSpPr/>
+            <p:nvPr/>
+          </p:nvSpPr>
+          <p:spPr>
+            <a:xfrm>
+              <a:off x="10655006" y="3569551"/>
+              <a:ext cx="181248" cy="0"/>
             </a:xfrm>
             <a:custGeom>
               <a:avLst/>
               <a:pathLst>
-                <a:path w="187325" h="0">
+                <a:path w="181248" h="0">
                   <a:moveTo>
-                    <a:pt x="187325" y="0"/>
+                    <a:pt x="181248" y="0"/>
                   </a:moveTo>
                   <a:lnTo>
                     <a:pt x="0" y="0"/>
@@ -6307,13 +6547,13 @@
         </p:sp>
         <p:sp>
           <p:nvSpPr>
-            <p:cNvPr id="16" name="pl16"/>
-            <p:cNvSpPr/>
-            <p:nvPr/>
-          </p:nvSpPr>
-          <p:spPr>
-            <a:xfrm>
-              <a:off x="9338895" y="3490273"/>
+            <p:cNvPr id="22" name="pl22"/>
+            <p:cNvSpPr/>
+            <p:nvPr/>
+          </p:nvSpPr>
+          <p:spPr>
+            <a:xfrm>
+              <a:off x="10655006" y="3490273"/>
               <a:ext cx="0" cy="158555"/>
             </a:xfrm>
             <a:custGeom>
@@ -6347,133 +6587,13 @@
         </p:sp>
         <p:sp>
           <p:nvSpPr>
-            <p:cNvPr id="17" name="pl17"/>
-            <p:cNvSpPr/>
-            <p:nvPr/>
-          </p:nvSpPr>
-          <p:spPr>
-            <a:xfrm>
-              <a:off x="10059053" y="3490273"/>
-              <a:ext cx="0" cy="158555"/>
-            </a:xfrm>
-            <a:custGeom>
-              <a:avLst/>
-              <a:pathLst>
-                <a:path w="0" h="158555">
-                  <a:moveTo>
-                    <a:pt x="0" y="158555"/>
-                  </a:moveTo>
-                  <a:lnTo>
-                    <a:pt x="0" y="0"/>
-                  </a:lnTo>
-                </a:path>
-              </a:pathLst>
-            </a:custGeom>
-            <a:ln w="13550" cap="flat">
-              <a:solidFill>
-                <a:srgbClr val="0072BC">
-                  <a:alpha val="100000"/>
-                </a:srgbClr>
-              </a:solidFill>
-              <a:prstDash val="solid"/>
-              <a:round/>
-            </a:ln>
-          </p:spPr>
-          <p:txBody>
-            <a:bodyPr/>
-            <a:lstStyle/>
-            <a:p/>
-          </p:txBody>
-        </p:sp>
-        <p:sp>
-          <p:nvSpPr>
-            <p:cNvPr id="18" name="pl18"/>
-            <p:cNvSpPr/>
-            <p:nvPr/>
-          </p:nvSpPr>
-          <p:spPr>
-            <a:xfrm>
-              <a:off x="8869394" y="3569551"/>
-              <a:ext cx="1189658" cy="0"/>
-            </a:xfrm>
-            <a:custGeom>
-              <a:avLst/>
-              <a:pathLst>
-                <a:path w="1189658" h="0">
-                  <a:moveTo>
-                    <a:pt x="1189658" y="0"/>
-                  </a:moveTo>
-                  <a:lnTo>
-                    <a:pt x="0" y="0"/>
-                  </a:lnTo>
-                </a:path>
-              </a:pathLst>
-            </a:custGeom>
-            <a:ln w="13550" cap="flat">
-              <a:solidFill>
-                <a:srgbClr val="0072BC">
-                  <a:alpha val="100000"/>
-                </a:srgbClr>
-              </a:solidFill>
-              <a:prstDash val="solid"/>
-              <a:round/>
-            </a:ln>
-          </p:spPr>
-          <p:txBody>
-            <a:bodyPr/>
-            <a:lstStyle/>
-            <a:p/>
-          </p:txBody>
-        </p:sp>
-        <p:sp>
-          <p:nvSpPr>
-            <p:cNvPr id="19" name="pl19"/>
-            <p:cNvSpPr/>
-            <p:nvPr/>
-          </p:nvSpPr>
-          <p:spPr>
-            <a:xfrm>
-              <a:off x="8869394" y="3490273"/>
-              <a:ext cx="0" cy="158555"/>
-            </a:xfrm>
-            <a:custGeom>
-              <a:avLst/>
-              <a:pathLst>
-                <a:path w="0" h="158555">
-                  <a:moveTo>
-                    <a:pt x="0" y="158555"/>
-                  </a:moveTo>
-                  <a:lnTo>
-                    <a:pt x="0" y="0"/>
-                  </a:lnTo>
-                </a:path>
-              </a:pathLst>
-            </a:custGeom>
-            <a:ln w="13550" cap="flat">
-              <a:solidFill>
-                <a:srgbClr val="0072BC">
-                  <a:alpha val="100000"/>
-                </a:srgbClr>
-              </a:solidFill>
-              <a:prstDash val="solid"/>
-              <a:round/>
-            </a:ln>
-          </p:spPr>
-          <p:txBody>
-            <a:bodyPr/>
-            <a:lstStyle/>
-            <a:p/>
-          </p:txBody>
-        </p:sp>
-        <p:sp>
-          <p:nvSpPr>
-            <p:cNvPr id="20" name="pl20"/>
-            <p:cNvSpPr/>
-            <p:nvPr/>
-          </p:nvSpPr>
-          <p:spPr>
-            <a:xfrm>
-              <a:off x="8979326" y="4283052"/>
+            <p:cNvPr id="23" name="pl23"/>
+            <p:cNvSpPr/>
+            <p:nvPr/>
+          </p:nvSpPr>
+          <p:spPr>
+            <a:xfrm>
+              <a:off x="10052830" y="4283052"/>
               <a:ext cx="0" cy="158555"/>
             </a:xfrm>
             <a:custGeom>
@@ -6507,21 +6627,21 @@
         </p:sp>
         <p:sp>
           <p:nvSpPr>
-            <p:cNvPr id="21" name="pl21"/>
-            <p:cNvSpPr/>
-            <p:nvPr/>
-          </p:nvSpPr>
-          <p:spPr>
-            <a:xfrm>
-              <a:off x="8774815" y="4362329"/>
-              <a:ext cx="204511" cy="0"/>
+            <p:cNvPr id="24" name="pl24"/>
+            <p:cNvSpPr/>
+            <p:nvPr/>
+          </p:nvSpPr>
+          <p:spPr>
+            <a:xfrm>
+              <a:off x="9815654" y="4362329"/>
+              <a:ext cx="237176" cy="0"/>
             </a:xfrm>
             <a:custGeom>
               <a:avLst/>
               <a:pathLst>
-                <a:path w="204511" h="0">
+                <a:path w="237176" h="0">
                   <a:moveTo>
-                    <a:pt x="204511" y="0"/>
+                    <a:pt x="237176" y="0"/>
                   </a:moveTo>
                   <a:lnTo>
                     <a:pt x="0" y="0"/>
@@ -6547,13 +6667,13 @@
         </p:sp>
         <p:sp>
           <p:nvSpPr>
-            <p:cNvPr id="22" name="pl22"/>
-            <p:cNvSpPr/>
-            <p:nvPr/>
-          </p:nvSpPr>
-          <p:spPr>
-            <a:xfrm>
-              <a:off x="8774815" y="4283052"/>
+            <p:cNvPr id="25" name="pl25"/>
+            <p:cNvSpPr/>
+            <p:nvPr/>
+          </p:nvSpPr>
+          <p:spPr>
+            <a:xfrm>
+              <a:off x="9815654" y="4283052"/>
               <a:ext cx="0" cy="158555"/>
             </a:xfrm>
             <a:custGeom>
@@ -6587,133 +6707,105 @@
         </p:sp>
         <p:sp>
           <p:nvSpPr>
-            <p:cNvPr id="23" name="pl23"/>
-            <p:cNvSpPr/>
-            <p:nvPr/>
-          </p:nvSpPr>
-          <p:spPr>
-            <a:xfrm>
-              <a:off x="8452949" y="4283052"/>
-              <a:ext cx="0" cy="158555"/>
-            </a:xfrm>
-            <a:custGeom>
-              <a:avLst/>
-              <a:pathLst>
-                <a:path w="0" h="158555">
-                  <a:moveTo>
-                    <a:pt x="0" y="158555"/>
-                  </a:moveTo>
-                  <a:lnTo>
-                    <a:pt x="0" y="0"/>
-                  </a:lnTo>
-                </a:path>
-              </a:pathLst>
-            </a:custGeom>
-            <a:ln w="13550" cap="flat">
-              <a:solidFill>
-                <a:srgbClr val="0072BC">
-                  <a:alpha val="100000"/>
-                </a:srgbClr>
-              </a:solidFill>
-              <a:prstDash val="solid"/>
-              <a:round/>
-            </a:ln>
-          </p:spPr>
-          <p:txBody>
-            <a:bodyPr/>
-            <a:lstStyle/>
-            <a:p/>
-          </p:txBody>
-        </p:sp>
-        <p:sp>
-          <p:nvSpPr>
-            <p:cNvPr id="24" name="pl24"/>
-            <p:cNvSpPr/>
-            <p:nvPr/>
-          </p:nvSpPr>
-          <p:spPr>
-            <a:xfrm>
-              <a:off x="6761323" y="4362329"/>
-              <a:ext cx="1691625" cy="0"/>
-            </a:xfrm>
-            <a:custGeom>
-              <a:avLst/>
-              <a:pathLst>
-                <a:path w="1691625" h="0">
-                  <a:moveTo>
-                    <a:pt x="1691625" y="0"/>
-                  </a:moveTo>
-                  <a:lnTo>
-                    <a:pt x="0" y="0"/>
-                  </a:lnTo>
-                </a:path>
-              </a:pathLst>
-            </a:custGeom>
-            <a:ln w="13550" cap="flat">
-              <a:solidFill>
-                <a:srgbClr val="0072BC">
-                  <a:alpha val="100000"/>
-                </a:srgbClr>
-              </a:solidFill>
-              <a:prstDash val="solid"/>
-              <a:round/>
-            </a:ln>
-          </p:spPr>
-          <p:txBody>
-            <a:bodyPr/>
-            <a:lstStyle/>
-            <a:p/>
-          </p:txBody>
-        </p:sp>
-        <p:sp>
-          <p:nvSpPr>
-            <p:cNvPr id="25" name="pl25"/>
-            <p:cNvSpPr/>
-            <p:nvPr/>
-          </p:nvSpPr>
-          <p:spPr>
-            <a:xfrm>
-              <a:off x="6761323" y="4283052"/>
-              <a:ext cx="0" cy="158555"/>
-            </a:xfrm>
-            <a:custGeom>
-              <a:avLst/>
-              <a:pathLst>
-                <a:path w="0" h="158555">
-                  <a:moveTo>
-                    <a:pt x="0" y="158555"/>
-                  </a:moveTo>
-                  <a:lnTo>
-                    <a:pt x="0" y="0"/>
-                  </a:lnTo>
-                </a:path>
-              </a:pathLst>
-            </a:custGeom>
-            <a:ln w="13550" cap="flat">
-              <a:solidFill>
-                <a:srgbClr val="0072BC">
-                  <a:alpha val="100000"/>
-                </a:srgbClr>
-              </a:solidFill>
-              <a:prstDash val="solid"/>
-              <a:round/>
-            </a:ln>
-          </p:spPr>
-          <p:txBody>
-            <a:bodyPr/>
-            <a:lstStyle/>
-            <a:p/>
-          </p:txBody>
-        </p:sp>
-        <p:sp>
-          <p:nvSpPr>
             <p:cNvPr id="26" name="tx26"/>
             <p:cNvSpPr/>
             <p:nvPr/>
           </p:nvSpPr>
           <p:spPr>
             <a:xfrm>
-              <a:off x="9233787" y="3664503"/>
+              <a:off x="10355803" y="3338331"/>
+              <a:ext cx="397540" cy="105768"/>
+            </a:xfrm>
+            <a:prstGeom prst="rect">
+              <a:avLst/>
+            </a:prstGeom>
+            <a:noFill/>
+          </p:spPr>
+          <p:txBody>
+            <a:bodyPr lIns="0" rIns="0" tIns="0" bIns="0" anchorCtr="1" anchor="ctr" wrap="none"/>
+            <a:lstStyle/>
+            <a:p>
+              <a:pPr algn="l" marL="0" marR="0" indent="0">
+                <a:lnSpc>
+                  <a:spcPts val="1103"/>
+                </a:lnSpc>
+                <a:spcBef>
+                  <a:spcPts val="0"/>
+                </a:spcBef>
+                <a:spcAft>
+                  <a:spcPts val="0"/>
+                </a:spcAft>
+              </a:pPr>
+              <a:r>
+                <a:rPr sz="1103">
+                  <a:solidFill>
+                    <a:srgbClr val="0072BC">
+                      <a:alpha val="100000"/>
+                    </a:srgbClr>
+                  </a:solidFill>
+                  <a:latin typeface="Arial"/>
+                  <a:cs typeface="Arial"/>
+                </a:rPr>
+                <a:t>89.3%</a:t>
+              </a:r>
+            </a:p>
+          </p:txBody>
+        </p:sp>
+        <p:sp>
+          <p:nvSpPr>
+            <p:cNvPr id="27" name="tx27"/>
+            <p:cNvSpPr/>
+            <p:nvPr/>
+          </p:nvSpPr>
+          <p:spPr>
+            <a:xfrm>
+              <a:off x="8883261" y="4131109"/>
+              <a:ext cx="397540" cy="105768"/>
+            </a:xfrm>
+            <a:prstGeom prst="rect">
+              <a:avLst/>
+            </a:prstGeom>
+            <a:noFill/>
+          </p:spPr>
+          <p:txBody>
+            <a:bodyPr lIns="0" rIns="0" tIns="0" bIns="0" anchorCtr="1" anchor="ctr" wrap="none"/>
+            <a:lstStyle/>
+            <a:p>
+              <a:pPr algn="l" marL="0" marR="0" indent="0">
+                <a:lnSpc>
+                  <a:spcPts val="1103"/>
+                </a:lnSpc>
+                <a:spcBef>
+                  <a:spcPts val="0"/>
+                </a:spcBef>
+                <a:spcAft>
+                  <a:spcPts val="0"/>
+                </a:spcAft>
+              </a:pPr>
+              <a:r>
+                <a:rPr sz="1103">
+                  <a:solidFill>
+                    <a:srgbClr val="0072BC">
+                      <a:alpha val="100000"/>
+                    </a:srgbClr>
+                  </a:solidFill>
+                  <a:latin typeface="Arial"/>
+                  <a:cs typeface="Arial"/>
+                </a:rPr>
+                <a:t>70.2%</a:t>
+              </a:r>
+            </a:p>
+          </p:txBody>
+        </p:sp>
+        <p:sp>
+          <p:nvSpPr>
+            <p:cNvPr id="28" name="tx28"/>
+            <p:cNvSpPr/>
+            <p:nvPr/>
+          </p:nvSpPr>
+          <p:spPr>
+            <a:xfrm>
+              <a:off x="10546860" y="3664503"/>
               <a:ext cx="397540" cy="105768"/>
             </a:xfrm>
             <a:prstGeom prst="rect">
@@ -6746,66 +6838,20 @@
                   <a:latin typeface="Arial"/>
                   <a:cs typeface="Arial"/>
                 </a:rPr>
-                <a:t>74.8%</a:t>
+                <a:t>91.8%</a:t>
               </a:r>
             </a:p>
           </p:txBody>
         </p:sp>
         <p:sp>
           <p:nvSpPr>
-            <p:cNvPr id="27" name="tx27"/>
-            <p:cNvSpPr/>
-            <p:nvPr/>
-          </p:nvSpPr>
-          <p:spPr>
-            <a:xfrm>
-              <a:off x="9265453" y="3338331"/>
-              <a:ext cx="397540" cy="105768"/>
-            </a:xfrm>
-            <a:prstGeom prst="rect">
-              <a:avLst/>
-            </a:prstGeom>
-            <a:noFill/>
-          </p:spPr>
-          <p:txBody>
-            <a:bodyPr lIns="0" rIns="0" tIns="0" bIns="0" anchorCtr="1" anchor="ctr" wrap="none"/>
-            <a:lstStyle/>
-            <a:p>
-              <a:pPr algn="l" marL="0" marR="0" indent="0">
-                <a:lnSpc>
-                  <a:spcPts val="1103"/>
-                </a:lnSpc>
-                <a:spcBef>
-                  <a:spcPts val="0"/>
-                </a:spcBef>
-                <a:spcAft>
-                  <a:spcPts val="0"/>
-                </a:spcAft>
-              </a:pPr>
-              <a:r>
-                <a:rPr sz="1103">
-                  <a:solidFill>
-                    <a:srgbClr val="0072BC">
-                      <a:alpha val="100000"/>
-                    </a:srgbClr>
-                  </a:solidFill>
-                  <a:latin typeface="Arial"/>
-                  <a:cs typeface="Arial"/>
-                </a:rPr>
-                <a:t>75.2%</a:t>
-              </a:r>
-            </a:p>
-          </p:txBody>
-        </p:sp>
-        <p:sp>
-          <p:nvSpPr>
-            <p:cNvPr id="28" name="tx28"/>
-            <p:cNvSpPr/>
-            <p:nvPr/>
-          </p:nvSpPr>
-          <p:spPr>
-            <a:xfrm>
-              <a:off x="8678300" y="4457282"/>
+            <p:cNvPr id="29" name="tx29"/>
+            <p:cNvSpPr/>
+            <p:nvPr/>
+          </p:nvSpPr>
+          <p:spPr>
+            <a:xfrm>
+              <a:off x="9735472" y="4457282"/>
               <a:ext cx="397540" cy="105768"/>
             </a:xfrm>
             <a:prstGeom prst="rect">
@@ -6838,53 +6884,7 @@
                   <a:latin typeface="Arial"/>
                   <a:cs typeface="Arial"/>
                 </a:rPr>
-                <a:t>67.6%</a:t>
-              </a:r>
-            </a:p>
-          </p:txBody>
-        </p:sp>
-        <p:sp>
-          <p:nvSpPr>
-            <p:cNvPr id="29" name="tx29"/>
-            <p:cNvSpPr/>
-            <p:nvPr/>
-          </p:nvSpPr>
-          <p:spPr>
-            <a:xfrm>
-              <a:off x="7408366" y="4131109"/>
-              <a:ext cx="397540" cy="105768"/>
-            </a:xfrm>
-            <a:prstGeom prst="rect">
-              <a:avLst/>
-            </a:prstGeom>
-            <a:noFill/>
-          </p:spPr>
-          <p:txBody>
-            <a:bodyPr lIns="0" rIns="0" tIns="0" bIns="0" anchorCtr="1" anchor="ctr" wrap="none"/>
-            <a:lstStyle/>
-            <a:p>
-              <a:pPr algn="l" marL="0" marR="0" indent="0">
-                <a:lnSpc>
-                  <a:spcPts val="1103"/>
-                </a:lnSpc>
-                <a:spcBef>
-                  <a:spcPts val="0"/>
-                </a:spcBef>
-                <a:spcAft>
-                  <a:spcPts val="0"/>
-                </a:spcAft>
-              </a:pPr>
-              <a:r>
-                <a:rPr sz="1103">
-                  <a:solidFill>
-                    <a:srgbClr val="0072BC">
-                      <a:alpha val="100000"/>
-                    </a:srgbClr>
-                  </a:solidFill>
-                  <a:latin typeface="Arial"/>
-                  <a:cs typeface="Arial"/>
-                </a:rPr>
-                <a:t>51.2%</a:t>
+                <a:t>81.3%</a:t>
               </a:r>
             </a:p>
           </p:txBody>
@@ -7426,7 +7426,7 @@
           </p:nvSpPr>
           <p:spPr>
             <a:xfrm>
-              <a:off x="4812817" y="2765397"/>
+              <a:off x="4769467" y="2765397"/>
               <a:ext cx="49651" cy="49651"/>
             </a:xfrm>
             <a:prstGeom prst="ellipse">
@@ -7461,7 +7461,7 @@
           </p:nvSpPr>
           <p:spPr>
             <a:xfrm>
-              <a:off x="4746544" y="2790222"/>
+              <a:off x="4703195" y="2790222"/>
               <a:ext cx="182196" cy="0"/>
             </a:xfrm>
             <a:custGeom>
@@ -7501,7 +7501,7 @@
           </p:nvSpPr>
           <p:spPr>
             <a:xfrm>
-              <a:off x="4798655" y="2764413"/>
+              <a:off x="4755306" y="2764413"/>
               <a:ext cx="77974" cy="75989"/>
             </a:xfrm>
             <a:prstGeom prst="rect">
@@ -7548,7 +7548,7 @@
           <p:spPr>
             <a:xfrm>
               <a:off x="3678661" y="2726003"/>
-              <a:ext cx="950213" cy="124883"/>
+              <a:ext cx="906864" cy="124883"/>
             </a:xfrm>
             <a:prstGeom prst="rect">
               <a:avLst/>
@@ -7580,7 +7580,7 @@
                   <a:latin typeface="Lato"/>
                   <a:cs typeface="Lato"/>
                 </a:rPr>
-                <a:t>Costa Ricans</a:t>
+                <a:t>CostaRicans</a:t>
               </a:r>
             </a:p>
           </p:txBody>
@@ -7593,7 +7593,7 @@
           </p:nvSpPr>
           <p:spPr>
             <a:xfrm>
-              <a:off x="5046410" y="2696454"/>
+              <a:off x="5003060" y="2696454"/>
               <a:ext cx="915161" cy="154432"/>
             </a:xfrm>
             <a:prstGeom prst="rect">
@@ -7640,7 +7640,7 @@
           <p:spPr>
             <a:xfrm>
               <a:off x="418388" y="2213463"/>
-              <a:ext cx="4826889" cy="175069"/>
+              <a:ext cx="4875657" cy="175069"/>
             </a:xfrm>
             <a:prstGeom prst="rect">
               <a:avLst/>
@@ -7672,7 +7672,7 @@
                   <a:latin typeface="Lato"/>
                   <a:cs typeface="Lato"/>
                 </a:rPr>
-                <a:t>Empowering Communities and Achieving Gender Equality</a:t>
+                <a:t> Empowering Communities and Achieving Gender Equality</a:t>
               </a:r>
             </a:p>
           </p:txBody>
@@ -7764,7 +7764,7 @@
                   <a:latin typeface="Lato"/>
                   <a:cs typeface="Lato"/>
                 </a:rPr>
-                <a:t>Encuesta Nacional de Hogares (ENAHO) 2021</a:t>
+                <a:t>Encuesta Nacional de Hogares (ENAHO) 2022</a:t>
               </a:r>
             </a:p>
           </p:txBody>
@@ -7810,7 +7810,7 @@
                   <a:latin typeface="Lato"/>
                   <a:cs typeface="Lato"/>
                 </a:rPr>
-                <a:t># of Nicaraguans = 2,229)</a:t>
+                <a:t># of Nicaraguans = 2,188)</a:t>
               </a:r>
             </a:p>
           </p:txBody>
@@ -8184,7 +8184,112 @@
           </p:nvSpPr>
           <p:spPr>
             <a:xfrm>
-              <a:off x="11108166" y="3128428"/>
+              <a:off x="10305631" y="3776406"/>
+              <a:ext cx="49651" cy="49651"/>
+            </a:xfrm>
+            <a:prstGeom prst="ellipse">
+              <a:avLst/>
+            </a:prstGeom>
+            <a:solidFill>
+              <a:srgbClr val="0072BC">
+                <a:alpha val="100000"/>
+              </a:srgbClr>
+            </a:solidFill>
+            <a:ln w="9000" cap="rnd">
+              <a:solidFill>
+                <a:srgbClr val="0072BC">
+                  <a:alpha val="100000"/>
+                </a:srgbClr>
+              </a:solidFill>
+              <a:prstDash val="solid"/>
+              <a:round/>
+            </a:ln>
+          </p:spPr>
+          <p:txBody>
+            <a:bodyPr/>
+            <a:lstStyle/>
+            <a:p/>
+          </p:txBody>
+        </p:sp>
+        <p:sp>
+          <p:nvSpPr>
+            <p:cNvPr id="12" name="pt12"/>
+            <p:cNvSpPr/>
+            <p:nvPr/>
+          </p:nvSpPr>
+          <p:spPr>
+            <a:xfrm>
+              <a:off x="4846984" y="4424384"/>
+              <a:ext cx="49651" cy="49651"/>
+            </a:xfrm>
+            <a:prstGeom prst="ellipse">
+              <a:avLst/>
+            </a:prstGeom>
+            <a:solidFill>
+              <a:srgbClr val="0072BC">
+                <a:alpha val="100000"/>
+              </a:srgbClr>
+            </a:solidFill>
+            <a:ln w="9000" cap="rnd">
+              <a:solidFill>
+                <a:srgbClr val="0072BC">
+                  <a:alpha val="100000"/>
+                </a:srgbClr>
+              </a:solidFill>
+              <a:prstDash val="solid"/>
+              <a:round/>
+            </a:ln>
+          </p:spPr>
+          <p:txBody>
+            <a:bodyPr/>
+            <a:lstStyle/>
+            <a:p/>
+          </p:txBody>
+        </p:sp>
+        <p:sp>
+          <p:nvSpPr>
+            <p:cNvPr id="13" name="pt13"/>
+            <p:cNvSpPr/>
+            <p:nvPr/>
+          </p:nvSpPr>
+          <p:spPr>
+            <a:xfrm>
+              <a:off x="11026820" y="3128428"/>
+              <a:ext cx="49651" cy="49651"/>
+            </a:xfrm>
+            <a:prstGeom prst="ellipse">
+              <a:avLst/>
+            </a:prstGeom>
+            <a:solidFill>
+              <a:srgbClr val="0072BC">
+                <a:alpha val="100000"/>
+              </a:srgbClr>
+            </a:solidFill>
+            <a:ln w="9000" cap="rnd">
+              <a:solidFill>
+                <a:srgbClr val="0072BC">
+                  <a:alpha val="100000"/>
+                </a:srgbClr>
+              </a:solidFill>
+              <a:prstDash val="solid"/>
+              <a:round/>
+            </a:ln>
+          </p:spPr>
+          <p:txBody>
+            <a:bodyPr/>
+            <a:lstStyle/>
+            <a:p/>
+          </p:txBody>
+        </p:sp>
+        <p:sp>
+          <p:nvSpPr>
+            <p:cNvPr id="14" name="pt14"/>
+            <p:cNvSpPr/>
+            <p:nvPr/>
+          </p:nvSpPr>
+          <p:spPr>
+            <a:xfrm>
+              <a:off x="10862873" y="3776406"/>
               <a:ext cx="49651" cy="49651"/>
             </a:xfrm>
             <a:prstGeom prst="ellipse">
@@ -8213,42 +8318,7 @@
         </p:sp>
         <p:sp>
           <p:nvSpPr>
-            <p:cNvPr id="12" name="pt12"/>
-            <p:cNvSpPr/>
-            <p:nvPr/>
-          </p:nvSpPr>
-          <p:spPr>
-            <a:xfrm>
-              <a:off x="11026820" y="3128428"/>
-              <a:ext cx="49651" cy="49651"/>
-            </a:xfrm>
-            <a:prstGeom prst="ellipse">
-              <a:avLst/>
-            </a:prstGeom>
-            <a:solidFill>
-              <a:srgbClr val="0072BC">
-                <a:alpha val="100000"/>
-              </a:srgbClr>
-            </a:solidFill>
-            <a:ln w="9000" cap="rnd">
-              <a:solidFill>
-                <a:srgbClr val="0072BC">
-                  <a:alpha val="100000"/>
-                </a:srgbClr>
-              </a:solidFill>
-              <a:prstDash val="solid"/>
-              <a:round/>
-            </a:ln>
-          </p:spPr>
-          <p:txBody>
-            <a:bodyPr/>
-            <a:lstStyle/>
-            <a:p/>
-          </p:txBody>
-        </p:sp>
-        <p:sp>
-          <p:nvSpPr>
-            <p:cNvPr id="13" name="pt13"/>
+            <p:cNvPr id="15" name="pt15"/>
             <p:cNvSpPr/>
             <p:nvPr/>
           </p:nvSpPr>
@@ -8283,48 +8353,13 @@
         </p:sp>
         <p:sp>
           <p:nvSpPr>
-            <p:cNvPr id="14" name="pt14"/>
-            <p:cNvSpPr/>
-            <p:nvPr/>
-          </p:nvSpPr>
-          <p:spPr>
-            <a:xfrm>
-              <a:off x="4846984" y="4424384"/>
-              <a:ext cx="49651" cy="49651"/>
-            </a:xfrm>
-            <a:prstGeom prst="ellipse">
-              <a:avLst/>
-            </a:prstGeom>
-            <a:solidFill>
-              <a:srgbClr val="0072BC">
-                <a:alpha val="100000"/>
-              </a:srgbClr>
-            </a:solidFill>
-            <a:ln w="9000" cap="rnd">
-              <a:solidFill>
-                <a:srgbClr val="0072BC">
-                  <a:alpha val="100000"/>
-                </a:srgbClr>
-              </a:solidFill>
-              <a:prstDash val="solid"/>
-              <a:round/>
-            </a:ln>
-          </p:spPr>
-          <p:txBody>
-            <a:bodyPr/>
-            <a:lstStyle/>
-            <a:p/>
-          </p:txBody>
-        </p:sp>
-        <p:sp>
-          <p:nvSpPr>
-            <p:cNvPr id="15" name="pt15"/>
-            <p:cNvSpPr/>
-            <p:nvPr/>
-          </p:nvSpPr>
-          <p:spPr>
-            <a:xfrm>
-              <a:off x="10862873" y="3776406"/>
+            <p:cNvPr id="16" name="pt16"/>
+            <p:cNvSpPr/>
+            <p:nvPr/>
+          </p:nvSpPr>
+          <p:spPr>
+            <a:xfrm>
+              <a:off x="11108166" y="3128428"/>
               <a:ext cx="49651" cy="49651"/>
             </a:xfrm>
             <a:prstGeom prst="ellipse">
@@ -8353,24 +8388,29 @@
         </p:sp>
         <p:sp>
           <p:nvSpPr>
-            <p:cNvPr id="16" name="pt16"/>
-            <p:cNvSpPr/>
-            <p:nvPr/>
-          </p:nvSpPr>
-          <p:spPr>
-            <a:xfrm>
-              <a:off x="10305631" y="3776406"/>
-              <a:ext cx="49651" cy="49651"/>
-            </a:xfrm>
-            <a:prstGeom prst="ellipse">
-              <a:avLst/>
-            </a:prstGeom>
-            <a:solidFill>
-              <a:srgbClr val="0072BC">
-                <a:alpha val="100000"/>
-              </a:srgbClr>
-            </a:solidFill>
-            <a:ln w="9000" cap="rnd">
+            <p:cNvPr id="17" name="pl17"/>
+            <p:cNvSpPr/>
+            <p:nvPr/>
+          </p:nvSpPr>
+          <p:spPr>
+            <a:xfrm>
+              <a:off x="10525322" y="3736434"/>
+              <a:ext cx="0" cy="129595"/>
+            </a:xfrm>
+            <a:custGeom>
+              <a:avLst/>
+              <a:pathLst>
+                <a:path w="0" h="129595">
+                  <a:moveTo>
+                    <a:pt x="0" y="129595"/>
+                  </a:moveTo>
+                  <a:lnTo>
+                    <a:pt x="0" y="0"/>
+                  </a:lnTo>
+                </a:path>
+              </a:pathLst>
+            </a:custGeom>
+            <a:ln w="13550" cap="flat">
               <a:solidFill>
                 <a:srgbClr val="0072BC">
                   <a:alpha val="100000"/>
@@ -8388,13 +8428,333 @@
         </p:sp>
         <p:sp>
           <p:nvSpPr>
-            <p:cNvPr id="17" name="pl17"/>
-            <p:cNvSpPr/>
-            <p:nvPr/>
-          </p:nvSpPr>
-          <p:spPr>
-            <a:xfrm>
-              <a:off x="11153570" y="3088456"/>
+            <p:cNvPr id="18" name="pl18"/>
+            <p:cNvSpPr/>
+            <p:nvPr/>
+          </p:nvSpPr>
+          <p:spPr>
+            <a:xfrm>
+              <a:off x="10135592" y="3801232"/>
+              <a:ext cx="389729" cy="0"/>
+            </a:xfrm>
+            <a:custGeom>
+              <a:avLst/>
+              <a:pathLst>
+                <a:path w="389729" h="0">
+                  <a:moveTo>
+                    <a:pt x="389729" y="0"/>
+                  </a:moveTo>
+                  <a:lnTo>
+                    <a:pt x="0" y="0"/>
+                  </a:lnTo>
+                </a:path>
+              </a:pathLst>
+            </a:custGeom>
+            <a:ln w="13550" cap="flat">
+              <a:solidFill>
+                <a:srgbClr val="0072BC">
+                  <a:alpha val="100000"/>
+                </a:srgbClr>
+              </a:solidFill>
+              <a:prstDash val="solid"/>
+              <a:round/>
+            </a:ln>
+          </p:spPr>
+          <p:txBody>
+            <a:bodyPr/>
+            <a:lstStyle/>
+            <a:p/>
+          </p:txBody>
+        </p:sp>
+        <p:sp>
+          <p:nvSpPr>
+            <p:cNvPr id="19" name="pl19"/>
+            <p:cNvSpPr/>
+            <p:nvPr/>
+          </p:nvSpPr>
+          <p:spPr>
+            <a:xfrm>
+              <a:off x="10135592" y="3736434"/>
+              <a:ext cx="0" cy="129595"/>
+            </a:xfrm>
+            <a:custGeom>
+              <a:avLst/>
+              <a:pathLst>
+                <a:path w="0" h="129595">
+                  <a:moveTo>
+                    <a:pt x="0" y="129595"/>
+                  </a:moveTo>
+                  <a:lnTo>
+                    <a:pt x="0" y="0"/>
+                  </a:lnTo>
+                </a:path>
+              </a:pathLst>
+            </a:custGeom>
+            <a:ln w="13550" cap="flat">
+              <a:solidFill>
+                <a:srgbClr val="0072BC">
+                  <a:alpha val="100000"/>
+                </a:srgbClr>
+              </a:solidFill>
+              <a:prstDash val="solid"/>
+              <a:round/>
+            </a:ln>
+          </p:spPr>
+          <p:txBody>
+            <a:bodyPr/>
+            <a:lstStyle/>
+            <a:p/>
+          </p:txBody>
+        </p:sp>
+        <p:sp>
+          <p:nvSpPr>
+            <p:cNvPr id="20" name="pl20"/>
+            <p:cNvSpPr/>
+            <p:nvPr/>
+          </p:nvSpPr>
+          <p:spPr>
+            <a:xfrm>
+              <a:off x="5012803" y="4384412"/>
+              <a:ext cx="0" cy="129595"/>
+            </a:xfrm>
+            <a:custGeom>
+              <a:avLst/>
+              <a:pathLst>
+                <a:path w="0" h="129595">
+                  <a:moveTo>
+                    <a:pt x="0" y="129595"/>
+                  </a:moveTo>
+                  <a:lnTo>
+                    <a:pt x="0" y="0"/>
+                  </a:lnTo>
+                </a:path>
+              </a:pathLst>
+            </a:custGeom>
+            <a:ln w="13550" cap="flat">
+              <a:solidFill>
+                <a:srgbClr val="0072BC">
+                  <a:alpha val="100000"/>
+                </a:srgbClr>
+              </a:solidFill>
+              <a:prstDash val="solid"/>
+              <a:round/>
+            </a:ln>
+          </p:spPr>
+          <p:txBody>
+            <a:bodyPr/>
+            <a:lstStyle/>
+            <a:p/>
+          </p:txBody>
+        </p:sp>
+        <p:sp>
+          <p:nvSpPr>
+            <p:cNvPr id="21" name="pl21"/>
+            <p:cNvSpPr/>
+            <p:nvPr/>
+          </p:nvSpPr>
+          <p:spPr>
+            <a:xfrm>
+              <a:off x="4730817" y="4449210"/>
+              <a:ext cx="281985" cy="0"/>
+            </a:xfrm>
+            <a:custGeom>
+              <a:avLst/>
+              <a:pathLst>
+                <a:path w="281985" h="0">
+                  <a:moveTo>
+                    <a:pt x="281985" y="0"/>
+                  </a:moveTo>
+                  <a:lnTo>
+                    <a:pt x="0" y="0"/>
+                  </a:lnTo>
+                </a:path>
+              </a:pathLst>
+            </a:custGeom>
+            <a:ln w="13550" cap="flat">
+              <a:solidFill>
+                <a:srgbClr val="0072BC">
+                  <a:alpha val="100000"/>
+                </a:srgbClr>
+              </a:solidFill>
+              <a:prstDash val="solid"/>
+              <a:round/>
+            </a:ln>
+          </p:spPr>
+          <p:txBody>
+            <a:bodyPr/>
+            <a:lstStyle/>
+            <a:p/>
+          </p:txBody>
+        </p:sp>
+        <p:sp>
+          <p:nvSpPr>
+            <p:cNvPr id="22" name="pl22"/>
+            <p:cNvSpPr/>
+            <p:nvPr/>
+          </p:nvSpPr>
+          <p:spPr>
+            <a:xfrm>
+              <a:off x="4730817" y="4384412"/>
+              <a:ext cx="0" cy="129595"/>
+            </a:xfrm>
+            <a:custGeom>
+              <a:avLst/>
+              <a:pathLst>
+                <a:path w="0" h="129595">
+                  <a:moveTo>
+                    <a:pt x="0" y="129595"/>
+                  </a:moveTo>
+                  <a:lnTo>
+                    <a:pt x="0" y="0"/>
+                  </a:lnTo>
+                </a:path>
+              </a:pathLst>
+            </a:custGeom>
+            <a:ln w="13550" cap="flat">
+              <a:solidFill>
+                <a:srgbClr val="0072BC">
+                  <a:alpha val="100000"/>
+                </a:srgbClr>
+              </a:solidFill>
+              <a:prstDash val="solid"/>
+              <a:round/>
+            </a:ln>
+          </p:spPr>
+          <p:txBody>
+            <a:bodyPr/>
+            <a:lstStyle/>
+            <a:p/>
+          </p:txBody>
+        </p:sp>
+        <p:sp>
+          <p:nvSpPr>
+            <p:cNvPr id="23" name="pl23"/>
+            <p:cNvSpPr/>
+            <p:nvPr/>
+          </p:nvSpPr>
+          <p:spPr>
+            <a:xfrm>
+              <a:off x="11169961" y="3088456"/>
+              <a:ext cx="0" cy="129595"/>
+            </a:xfrm>
+            <a:custGeom>
+              <a:avLst/>
+              <a:pathLst>
+                <a:path w="0" h="129595">
+                  <a:moveTo>
+                    <a:pt x="0" y="129595"/>
+                  </a:moveTo>
+                  <a:lnTo>
+                    <a:pt x="0" y="0"/>
+                  </a:lnTo>
+                </a:path>
+              </a:pathLst>
+            </a:custGeom>
+            <a:ln w="13550" cap="flat">
+              <a:solidFill>
+                <a:srgbClr val="0072BC">
+                  <a:alpha val="100000"/>
+                </a:srgbClr>
+              </a:solidFill>
+              <a:prstDash val="solid"/>
+              <a:round/>
+            </a:ln>
+          </p:spPr>
+          <p:txBody>
+            <a:bodyPr/>
+            <a:lstStyle/>
+            <a:p/>
+          </p:txBody>
+        </p:sp>
+        <p:sp>
+          <p:nvSpPr>
+            <p:cNvPr id="24" name="pl24"/>
+            <p:cNvSpPr/>
+            <p:nvPr/>
+          </p:nvSpPr>
+          <p:spPr>
+            <a:xfrm>
+              <a:off x="10933331" y="3153254"/>
+              <a:ext cx="236630" cy="0"/>
+            </a:xfrm>
+            <a:custGeom>
+              <a:avLst/>
+              <a:pathLst>
+                <a:path w="236630" h="0">
+                  <a:moveTo>
+                    <a:pt x="236630" y="0"/>
+                  </a:moveTo>
+                  <a:lnTo>
+                    <a:pt x="0" y="0"/>
+                  </a:lnTo>
+                </a:path>
+              </a:pathLst>
+            </a:custGeom>
+            <a:ln w="13550" cap="flat">
+              <a:solidFill>
+                <a:srgbClr val="0072BC">
+                  <a:alpha val="100000"/>
+                </a:srgbClr>
+              </a:solidFill>
+              <a:prstDash val="solid"/>
+              <a:round/>
+            </a:ln>
+          </p:spPr>
+          <p:txBody>
+            <a:bodyPr/>
+            <a:lstStyle/>
+            <a:p/>
+          </p:txBody>
+        </p:sp>
+        <p:sp>
+          <p:nvSpPr>
+            <p:cNvPr id="25" name="pl25"/>
+            <p:cNvSpPr/>
+            <p:nvPr/>
+          </p:nvSpPr>
+          <p:spPr>
+            <a:xfrm>
+              <a:off x="10933331" y="3088456"/>
+              <a:ext cx="0" cy="129595"/>
+            </a:xfrm>
+            <a:custGeom>
+              <a:avLst/>
+              <a:pathLst>
+                <a:path w="0" h="129595">
+                  <a:moveTo>
+                    <a:pt x="0" y="129595"/>
+                  </a:moveTo>
+                  <a:lnTo>
+                    <a:pt x="0" y="0"/>
+                  </a:lnTo>
+                </a:path>
+              </a:pathLst>
+            </a:custGeom>
+            <a:ln w="13550" cap="flat">
+              <a:solidFill>
+                <a:srgbClr val="0072BC">
+                  <a:alpha val="100000"/>
+                </a:srgbClr>
+              </a:solidFill>
+              <a:prstDash val="solid"/>
+              <a:round/>
+            </a:ln>
+          </p:spPr>
+          <p:txBody>
+            <a:bodyPr/>
+            <a:lstStyle/>
+            <a:p/>
+          </p:txBody>
+        </p:sp>
+        <p:sp>
+          <p:nvSpPr>
+            <p:cNvPr id="26" name="pl26"/>
+            <p:cNvSpPr/>
+            <p:nvPr/>
+          </p:nvSpPr>
+          <p:spPr>
+            <a:xfrm>
+              <a:off x="10937167" y="3736434"/>
               <a:ext cx="0" cy="129595"/>
             </a:xfrm>
             <a:custGeom>
@@ -8428,21 +8788,21 @@
         </p:sp>
         <p:sp>
           <p:nvSpPr>
-            <p:cNvPr id="18" name="pl18"/>
-            <p:cNvSpPr/>
-            <p:nvPr/>
-          </p:nvSpPr>
-          <p:spPr>
-            <a:xfrm>
-              <a:off x="11112415" y="3153254"/>
-              <a:ext cx="41154" cy="0"/>
+            <p:cNvPr id="27" name="pl27"/>
+            <p:cNvSpPr/>
+            <p:nvPr/>
+          </p:nvSpPr>
+          <p:spPr>
+            <a:xfrm>
+              <a:off x="10838232" y="3801232"/>
+              <a:ext cx="98935" cy="0"/>
             </a:xfrm>
             <a:custGeom>
               <a:avLst/>
               <a:pathLst>
-                <a:path w="41154" h="0">
+                <a:path w="98935" h="0">
                   <a:moveTo>
-                    <a:pt x="41154" y="0"/>
+                    <a:pt x="98935" y="0"/>
                   </a:moveTo>
                   <a:lnTo>
                     <a:pt x="0" y="0"/>
@@ -8468,13 +8828,13 @@
         </p:sp>
         <p:sp>
           <p:nvSpPr>
-            <p:cNvPr id="19" name="pl19"/>
-            <p:cNvSpPr/>
-            <p:nvPr/>
-          </p:nvSpPr>
-          <p:spPr>
-            <a:xfrm>
-              <a:off x="11112415" y="3088456"/>
+            <p:cNvPr id="28" name="pl28"/>
+            <p:cNvSpPr/>
+            <p:nvPr/>
+          </p:nvSpPr>
+          <p:spPr>
+            <a:xfrm>
+              <a:off x="10838232" y="3736434"/>
               <a:ext cx="0" cy="129595"/>
             </a:xfrm>
             <a:custGeom>
@@ -8508,133 +8868,13 @@
         </p:sp>
         <p:sp>
           <p:nvSpPr>
-            <p:cNvPr id="20" name="pl20"/>
-            <p:cNvSpPr/>
-            <p:nvPr/>
-          </p:nvSpPr>
-          <p:spPr>
-            <a:xfrm>
-              <a:off x="11115041" y="3088456"/>
-              <a:ext cx="0" cy="129595"/>
-            </a:xfrm>
-            <a:custGeom>
-              <a:avLst/>
-              <a:pathLst>
-                <a:path w="0" h="129595">
-                  <a:moveTo>
-                    <a:pt x="0" y="129595"/>
-                  </a:moveTo>
-                  <a:lnTo>
-                    <a:pt x="0" y="0"/>
-                  </a:lnTo>
-                </a:path>
-              </a:pathLst>
-            </a:custGeom>
-            <a:ln w="13550" cap="flat">
-              <a:solidFill>
-                <a:srgbClr val="0072BC">
-                  <a:alpha val="100000"/>
-                </a:srgbClr>
-              </a:solidFill>
-              <a:prstDash val="solid"/>
-              <a:round/>
-            </a:ln>
-          </p:spPr>
-          <p:txBody>
-            <a:bodyPr/>
-            <a:lstStyle/>
-            <a:p/>
-          </p:txBody>
-        </p:sp>
-        <p:sp>
-          <p:nvSpPr>
-            <p:cNvPr id="21" name="pl21"/>
-            <p:cNvSpPr/>
-            <p:nvPr/>
-          </p:nvSpPr>
-          <p:spPr>
-            <a:xfrm>
-              <a:off x="10988251" y="3153254"/>
-              <a:ext cx="126789" cy="0"/>
-            </a:xfrm>
-            <a:custGeom>
-              <a:avLst/>
-              <a:pathLst>
-                <a:path w="126789" h="0">
-                  <a:moveTo>
-                    <a:pt x="126789" y="0"/>
-                  </a:moveTo>
-                  <a:lnTo>
-                    <a:pt x="0" y="0"/>
-                  </a:lnTo>
-                </a:path>
-              </a:pathLst>
-            </a:custGeom>
-            <a:ln w="13550" cap="flat">
-              <a:solidFill>
-                <a:srgbClr val="0072BC">
-                  <a:alpha val="100000"/>
-                </a:srgbClr>
-              </a:solidFill>
-              <a:prstDash val="solid"/>
-              <a:round/>
-            </a:ln>
-          </p:spPr>
-          <p:txBody>
-            <a:bodyPr/>
-            <a:lstStyle/>
-            <a:p/>
-          </p:txBody>
-        </p:sp>
-        <p:sp>
-          <p:nvSpPr>
-            <p:cNvPr id="22" name="pl22"/>
-            <p:cNvSpPr/>
-            <p:nvPr/>
-          </p:nvSpPr>
-          <p:spPr>
-            <a:xfrm>
-              <a:off x="10988251" y="3088456"/>
-              <a:ext cx="0" cy="129595"/>
-            </a:xfrm>
-            <a:custGeom>
-              <a:avLst/>
-              <a:pathLst>
-                <a:path w="0" h="129595">
-                  <a:moveTo>
-                    <a:pt x="0" y="129595"/>
-                  </a:moveTo>
-                  <a:lnTo>
-                    <a:pt x="0" y="0"/>
-                  </a:lnTo>
-                </a:path>
-              </a:pathLst>
-            </a:custGeom>
-            <a:ln w="13550" cap="flat">
-              <a:solidFill>
-                <a:srgbClr val="0072BC">
-                  <a:alpha val="100000"/>
-                </a:srgbClr>
-              </a:solidFill>
-              <a:prstDash val="solid"/>
-              <a:round/>
-            </a:ln>
-          </p:spPr>
-          <p:txBody>
-            <a:bodyPr/>
-            <a:lstStyle/>
-            <a:p/>
-          </p:txBody>
-        </p:sp>
-        <p:sp>
-          <p:nvSpPr>
-            <p:cNvPr id="23" name="pl23"/>
-            <p:cNvSpPr/>
-            <p:nvPr/>
-          </p:nvSpPr>
-          <p:spPr>
-            <a:xfrm>
-              <a:off x="5051752" y="4384412"/>
+            <p:cNvPr id="29" name="pl29"/>
+            <p:cNvSpPr/>
+            <p:nvPr/>
+          </p:nvSpPr>
+          <p:spPr>
+            <a:xfrm>
+              <a:off x="4844099" y="4384412"/>
               <a:ext cx="0" cy="129595"/>
             </a:xfrm>
             <a:custGeom>
@@ -8668,21 +8908,21 @@
         </p:sp>
         <p:sp>
           <p:nvSpPr>
-            <p:cNvPr id="24" name="pl24"/>
-            <p:cNvSpPr/>
-            <p:nvPr/>
-          </p:nvSpPr>
-          <p:spPr>
-            <a:xfrm>
-              <a:off x="4555255" y="4449210"/>
-              <a:ext cx="496496" cy="0"/>
+            <p:cNvPr id="30" name="pl30"/>
+            <p:cNvSpPr/>
+            <p:nvPr/>
+          </p:nvSpPr>
+          <p:spPr>
+            <a:xfrm>
+              <a:off x="4762908" y="4449210"/>
+              <a:ext cx="81190" cy="0"/>
             </a:xfrm>
             <a:custGeom>
               <a:avLst/>
               <a:pathLst>
-                <a:path w="496496" h="0">
+                <a:path w="81190" h="0">
                   <a:moveTo>
-                    <a:pt x="496496" y="0"/>
+                    <a:pt x="81190" y="0"/>
                   </a:moveTo>
                   <a:lnTo>
                     <a:pt x="0" y="0"/>
@@ -8708,13 +8948,13 @@
         </p:sp>
         <p:sp>
           <p:nvSpPr>
-            <p:cNvPr id="25" name="pl25"/>
-            <p:cNvSpPr/>
-            <p:nvPr/>
-          </p:nvSpPr>
-          <p:spPr>
-            <a:xfrm>
-              <a:off x="4555255" y="4384412"/>
+            <p:cNvPr id="31" name="pl31"/>
+            <p:cNvSpPr/>
+            <p:nvPr/>
+          </p:nvSpPr>
+          <p:spPr>
+            <a:xfrm>
+              <a:off x="4762908" y="4384412"/>
               <a:ext cx="0" cy="129595"/>
             </a:xfrm>
             <a:custGeom>
@@ -8748,53 +8988,13 @@
         </p:sp>
         <p:sp>
           <p:nvSpPr>
-            <p:cNvPr id="26" name="pl26"/>
-            <p:cNvSpPr/>
-            <p:nvPr/>
-          </p:nvSpPr>
-          <p:spPr>
-            <a:xfrm>
-              <a:off x="5645212" y="4384412"/>
-              <a:ext cx="0" cy="129595"/>
-            </a:xfrm>
-            <a:custGeom>
-              <a:avLst/>
-              <a:pathLst>
-                <a:path w="0" h="129595">
-                  <a:moveTo>
-                    <a:pt x="0" y="129595"/>
-                  </a:moveTo>
-                  <a:lnTo>
-                    <a:pt x="0" y="0"/>
-                  </a:lnTo>
-                </a:path>
-              </a:pathLst>
-            </a:custGeom>
-            <a:ln w="13550" cap="flat">
-              <a:solidFill>
-                <a:srgbClr val="0072BC">
-                  <a:alpha val="100000"/>
-                </a:srgbClr>
-              </a:solidFill>
-              <a:prstDash val="solid"/>
-              <a:round/>
-            </a:ln>
-          </p:spPr>
-          <p:txBody>
-            <a:bodyPr/>
-            <a:lstStyle/>
-            <a:p/>
-          </p:txBody>
-        </p:sp>
-        <p:sp>
-          <p:nvSpPr>
-            <p:cNvPr id="27" name="pl27"/>
-            <p:cNvSpPr/>
-            <p:nvPr/>
-          </p:nvSpPr>
-          <p:spPr>
-            <a:xfrm>
-              <a:off x="10914882" y="3736434"/>
+            <p:cNvPr id="32" name="pl32"/>
+            <p:cNvSpPr/>
+            <p:nvPr/>
+          </p:nvSpPr>
+          <p:spPr>
+            <a:xfrm>
+              <a:off x="11171814" y="3088456"/>
               <a:ext cx="0" cy="129595"/>
             </a:xfrm>
             <a:custGeom>
@@ -8828,21 +9028,21 @@
         </p:sp>
         <p:sp>
           <p:nvSpPr>
-            <p:cNvPr id="28" name="pl28"/>
-            <p:cNvSpPr/>
-            <p:nvPr/>
-          </p:nvSpPr>
-          <p:spPr>
-            <a:xfrm>
-              <a:off x="10860517" y="3801232"/>
-              <a:ext cx="54364" cy="0"/>
+            <p:cNvPr id="33" name="pl33"/>
+            <p:cNvSpPr/>
+            <p:nvPr/>
+          </p:nvSpPr>
+          <p:spPr>
+            <a:xfrm>
+              <a:off x="11094171" y="3153254"/>
+              <a:ext cx="77643" cy="0"/>
             </a:xfrm>
             <a:custGeom>
               <a:avLst/>
               <a:pathLst>
-                <a:path w="54364" h="0">
+                <a:path w="77643" h="0">
                   <a:moveTo>
-                    <a:pt x="54364" y="0"/>
+                    <a:pt x="77643" y="0"/>
                   </a:moveTo>
                   <a:lnTo>
                     <a:pt x="0" y="0"/>
@@ -8868,13 +9068,13 @@
         </p:sp>
         <p:sp>
           <p:nvSpPr>
-            <p:cNvPr id="29" name="pl29"/>
-            <p:cNvSpPr/>
-            <p:nvPr/>
-          </p:nvSpPr>
-          <p:spPr>
-            <a:xfrm>
-              <a:off x="10860517" y="3736434"/>
+            <p:cNvPr id="34" name="pl34"/>
+            <p:cNvSpPr/>
+            <p:nvPr/>
+          </p:nvSpPr>
+          <p:spPr>
+            <a:xfrm>
+              <a:off x="11094171" y="3088456"/>
               <a:ext cx="0" cy="129595"/>
             </a:xfrm>
             <a:custGeom>
@@ -8908,127 +9108,237 @@
         </p:sp>
         <p:sp>
           <p:nvSpPr>
-            <p:cNvPr id="30" name="pl30"/>
-            <p:cNvSpPr/>
-            <p:nvPr/>
-          </p:nvSpPr>
-          <p:spPr>
-            <a:xfrm>
-              <a:off x="10447157" y="3736434"/>
-              <a:ext cx="0" cy="129595"/>
-            </a:xfrm>
-            <a:custGeom>
-              <a:avLst/>
-              <a:pathLst>
-                <a:path w="0" h="129595">
-                  <a:moveTo>
-                    <a:pt x="0" y="129595"/>
-                  </a:moveTo>
-                  <a:lnTo>
-                    <a:pt x="0" y="0"/>
-                  </a:lnTo>
-                </a:path>
-              </a:pathLst>
-            </a:custGeom>
-            <a:ln w="13550" cap="flat">
-              <a:solidFill>
-                <a:srgbClr val="0072BC">
-                  <a:alpha val="100000"/>
-                </a:srgbClr>
-              </a:solidFill>
-              <a:prstDash val="solid"/>
-              <a:round/>
-            </a:ln>
-          </p:spPr>
-          <p:txBody>
-            <a:bodyPr/>
-            <a:lstStyle/>
-            <a:p/>
-          </p:txBody>
-        </p:sp>
-        <p:sp>
-          <p:nvSpPr>
-            <p:cNvPr id="31" name="pl31"/>
-            <p:cNvSpPr/>
-            <p:nvPr/>
-          </p:nvSpPr>
-          <p:spPr>
-            <a:xfrm>
-              <a:off x="10213757" y="3801232"/>
-              <a:ext cx="233399" cy="0"/>
-            </a:xfrm>
-            <a:custGeom>
-              <a:avLst/>
-              <a:pathLst>
-                <a:path w="233399" h="0">
-                  <a:moveTo>
-                    <a:pt x="233399" y="0"/>
-                  </a:moveTo>
-                  <a:lnTo>
-                    <a:pt x="0" y="0"/>
-                  </a:lnTo>
-                </a:path>
-              </a:pathLst>
-            </a:custGeom>
-            <a:ln w="13550" cap="flat">
-              <a:solidFill>
-                <a:srgbClr val="0072BC">
-                  <a:alpha val="100000"/>
-                </a:srgbClr>
-              </a:solidFill>
-              <a:prstDash val="solid"/>
-              <a:round/>
-            </a:ln>
-          </p:spPr>
-          <p:txBody>
-            <a:bodyPr/>
-            <a:lstStyle/>
-            <a:p/>
-          </p:txBody>
-        </p:sp>
-        <p:sp>
-          <p:nvSpPr>
-            <p:cNvPr id="32" name="pl32"/>
-            <p:cNvSpPr/>
-            <p:nvPr/>
-          </p:nvSpPr>
-          <p:spPr>
-            <a:xfrm>
-              <a:off x="10213757" y="3736434"/>
-              <a:ext cx="0" cy="129595"/>
-            </a:xfrm>
-            <a:custGeom>
-              <a:avLst/>
-              <a:pathLst>
-                <a:path w="0" h="129595">
-                  <a:moveTo>
-                    <a:pt x="0" y="129595"/>
-                  </a:moveTo>
-                  <a:lnTo>
-                    <a:pt x="0" y="0"/>
-                  </a:lnTo>
-                </a:path>
-              </a:pathLst>
-            </a:custGeom>
-            <a:ln w="13550" cap="flat">
-              <a:solidFill>
-                <a:srgbClr val="0072BC">
-                  <a:alpha val="100000"/>
-                </a:srgbClr>
-              </a:solidFill>
-              <a:prstDash val="solid"/>
-              <a:round/>
-            </a:ln>
-          </p:spPr>
-          <p:txBody>
-            <a:bodyPr/>
-            <a:lstStyle/>
-            <a:p/>
-          </p:txBody>
-        </p:sp>
-        <p:sp>
-          <p:nvSpPr>
-            <p:cNvPr id="33" name="tx33"/>
+            <p:cNvPr id="35" name="tx35"/>
+            <p:cNvSpPr/>
+            <p:nvPr/>
+          </p:nvSpPr>
+          <p:spPr>
+            <a:xfrm>
+              <a:off x="10131686" y="3570012"/>
+              <a:ext cx="397540" cy="105768"/>
+            </a:xfrm>
+            <a:prstGeom prst="rect">
+              <a:avLst/>
+            </a:prstGeom>
+            <a:noFill/>
+          </p:spPr>
+          <p:txBody>
+            <a:bodyPr lIns="0" rIns="0" tIns="0" bIns="0" anchorCtr="1" anchor="ctr" wrap="none"/>
+            <a:lstStyle/>
+            <a:p>
+              <a:pPr algn="l" marL="0" marR="0" indent="0">
+                <a:lnSpc>
+                  <a:spcPts val="1103"/>
+                </a:lnSpc>
+                <a:spcBef>
+                  <a:spcPts val="0"/>
+                </a:spcBef>
+                <a:spcAft>
+                  <a:spcPts val="0"/>
+                </a:spcAft>
+              </a:pPr>
+              <a:r>
+                <a:rPr sz="1103">
+                  <a:solidFill>
+                    <a:srgbClr val="0072BC">
+                      <a:alpha val="100000"/>
+                    </a:srgbClr>
+                  </a:solidFill>
+                  <a:latin typeface="Arial"/>
+                  <a:cs typeface="Arial"/>
+                </a:rPr>
+                <a:t>85.0%</a:t>
+              </a:r>
+            </a:p>
+          </p:txBody>
+        </p:sp>
+        <p:sp>
+          <p:nvSpPr>
+            <p:cNvPr id="36" name="tx36"/>
+            <p:cNvSpPr/>
+            <p:nvPr/>
+          </p:nvSpPr>
+          <p:spPr>
+            <a:xfrm>
+              <a:off x="4712027" y="4217990"/>
+              <a:ext cx="319566" cy="105768"/>
+            </a:xfrm>
+            <a:prstGeom prst="rect">
+              <a:avLst/>
+            </a:prstGeom>
+            <a:noFill/>
+          </p:spPr>
+          <p:txBody>
+            <a:bodyPr lIns="0" rIns="0" tIns="0" bIns="0" anchorCtr="1" anchor="ctr" wrap="none"/>
+            <a:lstStyle/>
+            <a:p>
+              <a:pPr algn="l" marL="0" marR="0" indent="0">
+                <a:lnSpc>
+                  <a:spcPts val="1103"/>
+                </a:lnSpc>
+                <a:spcBef>
+                  <a:spcPts val="0"/>
+                </a:spcBef>
+                <a:spcAft>
+                  <a:spcPts val="0"/>
+                </a:spcAft>
+              </a:pPr>
+              <a:r>
+                <a:rPr sz="1103">
+                  <a:solidFill>
+                    <a:srgbClr val="0072BC">
+                      <a:alpha val="100000"/>
+                    </a:srgbClr>
+                  </a:solidFill>
+                  <a:latin typeface="Arial"/>
+                  <a:cs typeface="Arial"/>
+                </a:rPr>
+                <a:t>9.3%</a:t>
+              </a:r>
+            </a:p>
+          </p:txBody>
+        </p:sp>
+        <p:sp>
+          <p:nvSpPr>
+            <p:cNvPr id="37" name="tx37"/>
+            <p:cNvSpPr/>
+            <p:nvPr/>
+          </p:nvSpPr>
+          <p:spPr>
+            <a:xfrm>
+              <a:off x="10852875" y="2922034"/>
+              <a:ext cx="397540" cy="105768"/>
+            </a:xfrm>
+            <a:prstGeom prst="rect">
+              <a:avLst/>
+            </a:prstGeom>
+            <a:noFill/>
+          </p:spPr>
+          <p:txBody>
+            <a:bodyPr lIns="0" rIns="0" tIns="0" bIns="0" anchorCtr="1" anchor="ctr" wrap="none"/>
+            <a:lstStyle/>
+            <a:p>
+              <a:pPr algn="l" marL="0" marR="0" indent="0">
+                <a:lnSpc>
+                  <a:spcPts val="1103"/>
+                </a:lnSpc>
+                <a:spcBef>
+                  <a:spcPts val="0"/>
+                </a:spcBef>
+                <a:spcAft>
+                  <a:spcPts val="0"/>
+                </a:spcAft>
+              </a:pPr>
+              <a:r>
+                <a:rPr sz="1103">
+                  <a:solidFill>
+                    <a:srgbClr val="0072BC">
+                      <a:alpha val="100000"/>
+                    </a:srgbClr>
+                  </a:solidFill>
+                  <a:latin typeface="Arial"/>
+                  <a:cs typeface="Arial"/>
+                </a:rPr>
+                <a:t>95.0%</a:t>
+              </a:r>
+            </a:p>
+          </p:txBody>
+        </p:sp>
+        <p:sp>
+          <p:nvSpPr>
+            <p:cNvPr id="38" name="tx38"/>
+            <p:cNvSpPr/>
+            <p:nvPr/>
+          </p:nvSpPr>
+          <p:spPr>
+            <a:xfrm>
+              <a:off x="10688929" y="3896184"/>
+              <a:ext cx="397540" cy="105768"/>
+            </a:xfrm>
+            <a:prstGeom prst="rect">
+              <a:avLst/>
+            </a:prstGeom>
+            <a:noFill/>
+          </p:spPr>
+          <p:txBody>
+            <a:bodyPr lIns="0" rIns="0" tIns="0" bIns="0" anchorCtr="1" anchor="ctr" wrap="none"/>
+            <a:lstStyle/>
+            <a:p>
+              <a:pPr algn="l" marL="0" marR="0" indent="0">
+                <a:lnSpc>
+                  <a:spcPts val="1103"/>
+                </a:lnSpc>
+                <a:spcBef>
+                  <a:spcPts val="0"/>
+                </a:spcBef>
+                <a:spcAft>
+                  <a:spcPts val="0"/>
+                </a:spcAft>
+              </a:pPr>
+              <a:r>
+                <a:rPr sz="1103">
+                  <a:solidFill>
+                    <a:srgbClr val="666666">
+                      <a:alpha val="100000"/>
+                    </a:srgbClr>
+                  </a:solidFill>
+                  <a:latin typeface="Arial"/>
+                  <a:cs typeface="Arial"/>
+                </a:rPr>
+                <a:t>92.8%</a:t>
+              </a:r>
+            </a:p>
+          </p:txBody>
+        </p:sp>
+        <p:sp>
+          <p:nvSpPr>
+            <p:cNvPr id="39" name="tx39"/>
+            <p:cNvSpPr/>
+            <p:nvPr/>
+          </p:nvSpPr>
+          <p:spPr>
+            <a:xfrm>
+              <a:off x="4643720" y="4544162"/>
+              <a:ext cx="319566" cy="105768"/>
+            </a:xfrm>
+            <a:prstGeom prst="rect">
+              <a:avLst/>
+            </a:prstGeom>
+            <a:noFill/>
+          </p:spPr>
+          <p:txBody>
+            <a:bodyPr lIns="0" rIns="0" tIns="0" bIns="0" anchorCtr="1" anchor="ctr" wrap="none"/>
+            <a:lstStyle/>
+            <a:p>
+              <a:pPr algn="l" marL="0" marR="0" indent="0">
+                <a:lnSpc>
+                  <a:spcPts val="1103"/>
+                </a:lnSpc>
+                <a:spcBef>
+                  <a:spcPts val="0"/>
+                </a:spcBef>
+                <a:spcAft>
+                  <a:spcPts val="0"/>
+                </a:spcAft>
+              </a:pPr>
+              <a:r>
+                <a:rPr sz="1103">
+                  <a:solidFill>
+                    <a:srgbClr val="666666">
+                      <a:alpha val="100000"/>
+                    </a:srgbClr>
+                  </a:solidFill>
+                  <a:latin typeface="Arial"/>
+                  <a:cs typeface="Arial"/>
+                </a:rPr>
+                <a:t>8.3%</a:t>
+              </a:r>
+            </a:p>
+          </p:txBody>
+        </p:sp>
+        <p:sp>
+          <p:nvSpPr>
+            <p:cNvPr id="40" name="tx40"/>
             <p:cNvSpPr/>
             <p:nvPr/>
           </p:nvSpPr>
@@ -9074,237 +9384,7 @@
         </p:sp>
         <p:sp>
           <p:nvSpPr>
-            <p:cNvPr id="34" name="tx34"/>
-            <p:cNvSpPr/>
-            <p:nvPr/>
-          </p:nvSpPr>
-          <p:spPr>
-            <a:xfrm>
-              <a:off x="10852875" y="2922034"/>
-              <a:ext cx="397540" cy="105768"/>
-            </a:xfrm>
-            <a:prstGeom prst="rect">
-              <a:avLst/>
-            </a:prstGeom>
-            <a:noFill/>
-          </p:spPr>
-          <p:txBody>
-            <a:bodyPr lIns="0" rIns="0" tIns="0" bIns="0" anchorCtr="1" anchor="ctr" wrap="none"/>
-            <a:lstStyle/>
-            <a:p>
-              <a:pPr algn="l" marL="0" marR="0" indent="0">
-                <a:lnSpc>
-                  <a:spcPts val="1103"/>
-                </a:lnSpc>
-                <a:spcBef>
-                  <a:spcPts val="0"/>
-                </a:spcBef>
-                <a:spcAft>
-                  <a:spcPts val="0"/>
-                </a:spcAft>
-              </a:pPr>
-              <a:r>
-                <a:rPr sz="1103">
-                  <a:solidFill>
-                    <a:srgbClr val="0072BC">
-                      <a:alpha val="100000"/>
-                    </a:srgbClr>
-                  </a:solidFill>
-                  <a:latin typeface="Arial"/>
-                  <a:cs typeface="Arial"/>
-                </a:rPr>
-                <a:t>95.0%</a:t>
-              </a:r>
-            </a:p>
-          </p:txBody>
-        </p:sp>
-        <p:sp>
-          <p:nvSpPr>
-            <p:cNvPr id="35" name="tx35"/>
-            <p:cNvSpPr/>
-            <p:nvPr/>
-          </p:nvSpPr>
-          <p:spPr>
-            <a:xfrm>
-              <a:off x="4643720" y="4544162"/>
-              <a:ext cx="319566" cy="105768"/>
-            </a:xfrm>
-            <a:prstGeom prst="rect">
-              <a:avLst/>
-            </a:prstGeom>
-            <a:noFill/>
-          </p:spPr>
-          <p:txBody>
-            <a:bodyPr lIns="0" rIns="0" tIns="0" bIns="0" anchorCtr="1" anchor="ctr" wrap="none"/>
-            <a:lstStyle/>
-            <a:p>
-              <a:pPr algn="l" marL="0" marR="0" indent="0">
-                <a:lnSpc>
-                  <a:spcPts val="1103"/>
-                </a:lnSpc>
-                <a:spcBef>
-                  <a:spcPts val="0"/>
-                </a:spcBef>
-                <a:spcAft>
-                  <a:spcPts val="0"/>
-                </a:spcAft>
-              </a:pPr>
-              <a:r>
-                <a:rPr sz="1103">
-                  <a:solidFill>
-                    <a:srgbClr val="666666">
-                      <a:alpha val="100000"/>
-                    </a:srgbClr>
-                  </a:solidFill>
-                  <a:latin typeface="Arial"/>
-                  <a:cs typeface="Arial"/>
-                </a:rPr>
-                <a:t>8.3%</a:t>
-              </a:r>
-            </a:p>
-          </p:txBody>
-        </p:sp>
-        <p:sp>
-          <p:nvSpPr>
-            <p:cNvPr id="36" name="tx36"/>
-            <p:cNvSpPr/>
-            <p:nvPr/>
-          </p:nvSpPr>
-          <p:spPr>
-            <a:xfrm>
-              <a:off x="4712027" y="4217990"/>
-              <a:ext cx="319566" cy="105768"/>
-            </a:xfrm>
-            <a:prstGeom prst="rect">
-              <a:avLst/>
-            </a:prstGeom>
-            <a:noFill/>
-          </p:spPr>
-          <p:txBody>
-            <a:bodyPr lIns="0" rIns="0" tIns="0" bIns="0" anchorCtr="1" anchor="ctr" wrap="none"/>
-            <a:lstStyle/>
-            <a:p>
-              <a:pPr algn="l" marL="0" marR="0" indent="0">
-                <a:lnSpc>
-                  <a:spcPts val="1103"/>
-                </a:lnSpc>
-                <a:spcBef>
-                  <a:spcPts val="0"/>
-                </a:spcBef>
-                <a:spcAft>
-                  <a:spcPts val="0"/>
-                </a:spcAft>
-              </a:pPr>
-              <a:r>
-                <a:rPr sz="1103">
-                  <a:solidFill>
-                    <a:srgbClr val="0072BC">
-                      <a:alpha val="100000"/>
-                    </a:srgbClr>
-                  </a:solidFill>
-                  <a:latin typeface="Arial"/>
-                  <a:cs typeface="Arial"/>
-                </a:rPr>
-                <a:t>9.3%</a:t>
-              </a:r>
-            </a:p>
-          </p:txBody>
-        </p:sp>
-        <p:sp>
-          <p:nvSpPr>
-            <p:cNvPr id="37" name="tx37"/>
-            <p:cNvSpPr/>
-            <p:nvPr/>
-          </p:nvSpPr>
-          <p:spPr>
-            <a:xfrm>
-              <a:off x="10688929" y="3896184"/>
-              <a:ext cx="397540" cy="105768"/>
-            </a:xfrm>
-            <a:prstGeom prst="rect">
-              <a:avLst/>
-            </a:prstGeom>
-            <a:noFill/>
-          </p:spPr>
-          <p:txBody>
-            <a:bodyPr lIns="0" rIns="0" tIns="0" bIns="0" anchorCtr="1" anchor="ctr" wrap="none"/>
-            <a:lstStyle/>
-            <a:p>
-              <a:pPr algn="l" marL="0" marR="0" indent="0">
-                <a:lnSpc>
-                  <a:spcPts val="1103"/>
-                </a:lnSpc>
-                <a:spcBef>
-                  <a:spcPts val="0"/>
-                </a:spcBef>
-                <a:spcAft>
-                  <a:spcPts val="0"/>
-                </a:spcAft>
-              </a:pPr>
-              <a:r>
-                <a:rPr sz="1103">
-                  <a:solidFill>
-                    <a:srgbClr val="666666">
-                      <a:alpha val="100000"/>
-                    </a:srgbClr>
-                  </a:solidFill>
-                  <a:latin typeface="Arial"/>
-                  <a:cs typeface="Arial"/>
-                </a:rPr>
-                <a:t>92.8%</a:t>
-              </a:r>
-            </a:p>
-          </p:txBody>
-        </p:sp>
-        <p:sp>
-          <p:nvSpPr>
-            <p:cNvPr id="38" name="tx38"/>
-            <p:cNvSpPr/>
-            <p:nvPr/>
-          </p:nvSpPr>
-          <p:spPr>
-            <a:xfrm>
-              <a:off x="10131686" y="3570012"/>
-              <a:ext cx="397540" cy="105768"/>
-            </a:xfrm>
-            <a:prstGeom prst="rect">
-              <a:avLst/>
-            </a:prstGeom>
-            <a:noFill/>
-          </p:spPr>
-          <p:txBody>
-            <a:bodyPr lIns="0" rIns="0" tIns="0" bIns="0" anchorCtr="1" anchor="ctr" wrap="none"/>
-            <a:lstStyle/>
-            <a:p>
-              <a:pPr algn="l" marL="0" marR="0" indent="0">
-                <a:lnSpc>
-                  <a:spcPts val="1103"/>
-                </a:lnSpc>
-                <a:spcBef>
-                  <a:spcPts val="0"/>
-                </a:spcBef>
-                <a:spcAft>
-                  <a:spcPts val="0"/>
-                </a:spcAft>
-              </a:pPr>
-              <a:r>
-                <a:rPr sz="1103">
-                  <a:solidFill>
-                    <a:srgbClr val="0072BC">
-                      <a:alpha val="100000"/>
-                    </a:srgbClr>
-                  </a:solidFill>
-                  <a:latin typeface="Arial"/>
-                  <a:cs typeface="Arial"/>
-                </a:rPr>
-                <a:t>85.0%</a:t>
-              </a:r>
-            </a:p>
-          </p:txBody>
-        </p:sp>
-        <p:sp>
-          <p:nvSpPr>
-            <p:cNvPr id="39" name="tx39"/>
+            <p:cNvPr id="41" name="tx41"/>
             <p:cNvSpPr/>
             <p:nvPr/>
           </p:nvSpPr>
@@ -9350,14 +9430,14 @@
         </p:sp>
         <p:sp>
           <p:nvSpPr>
-            <p:cNvPr id="40" name="tx40"/>
-            <p:cNvSpPr/>
-            <p:nvPr/>
-          </p:nvSpPr>
-          <p:spPr>
-            <a:xfrm>
-              <a:off x="2514322" y="4447559"/>
-              <a:ext cx="1238504" cy="153754"/>
+            <p:cNvPr id="42" name="tx42"/>
+            <p:cNvSpPr/>
+            <p:nvPr/>
+          </p:nvSpPr>
+          <p:spPr>
+            <a:xfrm>
+              <a:off x="2554285" y="4447559"/>
+              <a:ext cx="1198541" cy="153754"/>
             </a:xfrm>
             <a:prstGeom prst="rect">
               <a:avLst/>
@@ -9389,14 +9469,14 @@
                   <a:latin typeface="Lato"/>
                   <a:cs typeface="Lato"/>
                 </a:rPr>
-                <a:t>are unemployed.</a:t>
+                <a:t>are unemployed</a:t>
               </a:r>
             </a:p>
           </p:txBody>
         </p:sp>
         <p:sp>
           <p:nvSpPr>
-            <p:cNvPr id="41" name="tx41"/>
+            <p:cNvPr id="43" name="tx43"/>
             <p:cNvSpPr/>
             <p:nvPr/>
           </p:nvSpPr>
@@ -9442,7 +9522,7 @@
         </p:sp>
         <p:sp>
           <p:nvSpPr>
-            <p:cNvPr id="42" name="tx42"/>
+            <p:cNvPr id="44" name="tx44"/>
             <p:cNvSpPr/>
             <p:nvPr/>
           </p:nvSpPr>
@@ -9488,7 +9568,7 @@
         </p:sp>
         <p:sp>
           <p:nvSpPr>
-            <p:cNvPr id="43" name="tx43"/>
+            <p:cNvPr id="45" name="tx45"/>
             <p:cNvSpPr/>
             <p:nvPr/>
           </p:nvSpPr>
@@ -9534,7 +9614,7 @@
         </p:sp>
         <p:sp>
           <p:nvSpPr>
-            <p:cNvPr id="44" name="tx44"/>
+            <p:cNvPr id="46" name="tx46"/>
             <p:cNvSpPr/>
             <p:nvPr/>
           </p:nvSpPr>
@@ -9580,7 +9660,7 @@
         </p:sp>
         <p:sp>
           <p:nvSpPr>
-            <p:cNvPr id="45" name="tx45"/>
+            <p:cNvPr id="47" name="tx47"/>
             <p:cNvSpPr/>
             <p:nvPr/>
           </p:nvSpPr>
@@ -9626,7 +9706,7 @@
         </p:sp>
         <p:sp>
           <p:nvSpPr>
-            <p:cNvPr id="46" name="tx46"/>
+            <p:cNvPr id="48" name="tx48"/>
             <p:cNvSpPr/>
             <p:nvPr/>
           </p:nvSpPr>
@@ -9672,7 +9752,7 @@
         </p:sp>
         <p:sp>
           <p:nvSpPr>
-            <p:cNvPr id="47" name="tx47"/>
+            <p:cNvPr id="49" name="tx49"/>
             <p:cNvSpPr/>
             <p:nvPr/>
           </p:nvSpPr>
@@ -9718,7 +9798,7 @@
         </p:sp>
         <p:sp>
           <p:nvSpPr>
-            <p:cNvPr id="48" name="pl48"/>
+            <p:cNvPr id="50" name="pl50"/>
             <p:cNvSpPr/>
             <p:nvPr/>
           </p:nvSpPr>
@@ -9758,7 +9838,7 @@
         </p:sp>
         <p:sp>
           <p:nvSpPr>
-            <p:cNvPr id="49" name="tx49"/>
+            <p:cNvPr id="51" name="tx51"/>
             <p:cNvSpPr/>
             <p:nvPr/>
           </p:nvSpPr>
@@ -9804,7 +9884,7 @@
         </p:sp>
         <p:sp>
           <p:nvSpPr>
-            <p:cNvPr id="50" name="tx50"/>
+            <p:cNvPr id="52" name="tx52"/>
             <p:cNvSpPr/>
             <p:nvPr/>
           </p:nvSpPr>
@@ -9850,7 +9930,7 @@
         </p:sp>
         <p:sp>
           <p:nvSpPr>
-            <p:cNvPr id="51" name="tx51"/>
+            <p:cNvPr id="53" name="tx53"/>
             <p:cNvSpPr/>
             <p:nvPr/>
           </p:nvSpPr>
@@ -9896,7 +9976,7 @@
         </p:sp>
         <p:sp>
           <p:nvSpPr>
-            <p:cNvPr id="52" name="tx52"/>
+            <p:cNvPr id="54" name="tx54"/>
             <p:cNvSpPr/>
             <p:nvPr/>
           </p:nvSpPr>
@@ -9942,7 +10022,7 @@
         </p:sp>
         <p:sp>
           <p:nvSpPr>
-            <p:cNvPr id="53" name="pt53"/>
+            <p:cNvPr id="55" name="pt55"/>
             <p:cNvSpPr/>
             <p:nvPr/>
           </p:nvSpPr>
@@ -9977,7 +10057,7 @@
         </p:sp>
         <p:sp>
           <p:nvSpPr>
-            <p:cNvPr id="54" name="pl54"/>
+            <p:cNvPr id="56" name="pl56"/>
             <p:cNvSpPr/>
             <p:nvPr/>
           </p:nvSpPr>
@@ -10017,7 +10097,7 @@
         </p:sp>
         <p:sp>
           <p:nvSpPr>
-            <p:cNvPr id="55" name="tx55"/>
+            <p:cNvPr id="57" name="tx57"/>
             <p:cNvSpPr/>
             <p:nvPr/>
           </p:nvSpPr>
@@ -10063,13 +10143,13 @@
         </p:sp>
         <p:sp>
           <p:nvSpPr>
-            <p:cNvPr id="56" name="pt56"/>
-            <p:cNvSpPr/>
-            <p:nvPr/>
-          </p:nvSpPr>
-          <p:spPr>
-            <a:xfrm>
-              <a:off x="5394138" y="2435980"/>
+            <p:cNvPr id="58" name="pt58"/>
+            <p:cNvSpPr/>
+            <p:nvPr/>
+          </p:nvSpPr>
+          <p:spPr>
+            <a:xfrm>
+              <a:off x="5350789" y="2435980"/>
               <a:ext cx="49651" cy="49651"/>
             </a:xfrm>
             <a:prstGeom prst="ellipse">
@@ -10098,13 +10178,13 @@
         </p:sp>
         <p:sp>
           <p:nvSpPr>
-            <p:cNvPr id="57" name="pl57"/>
-            <p:cNvSpPr/>
-            <p:nvPr/>
-          </p:nvSpPr>
-          <p:spPr>
-            <a:xfrm>
-              <a:off x="5327866" y="2460806"/>
+            <p:cNvPr id="59" name="pl59"/>
+            <p:cNvSpPr/>
+            <p:nvPr/>
+          </p:nvSpPr>
+          <p:spPr>
+            <a:xfrm>
+              <a:off x="5284516" y="2460806"/>
               <a:ext cx="182196" cy="0"/>
             </a:xfrm>
             <a:custGeom>
@@ -10138,13 +10218,13 @@
         </p:sp>
         <p:sp>
           <p:nvSpPr>
-            <p:cNvPr id="58" name="tx58"/>
-            <p:cNvSpPr/>
-            <p:nvPr/>
-          </p:nvSpPr>
-          <p:spPr>
-            <a:xfrm>
-              <a:off x="5379977" y="2434997"/>
+            <p:cNvPr id="60" name="tx60"/>
+            <p:cNvSpPr/>
+            <p:nvPr/>
+          </p:nvSpPr>
+          <p:spPr>
+            <a:xfrm>
+              <a:off x="5336627" y="2434997"/>
               <a:ext cx="77974" cy="75989"/>
             </a:xfrm>
             <a:prstGeom prst="rect">
@@ -10184,14 +10264,14 @@
         </p:sp>
         <p:sp>
           <p:nvSpPr>
-            <p:cNvPr id="59" name="tx59"/>
+            <p:cNvPr id="61" name="tx61"/>
             <p:cNvSpPr/>
             <p:nvPr/>
           </p:nvSpPr>
           <p:spPr>
             <a:xfrm>
               <a:off x="4259983" y="2396586"/>
-              <a:ext cx="950213" cy="124883"/>
+              <a:ext cx="906864" cy="124883"/>
             </a:xfrm>
             <a:prstGeom prst="rect">
               <a:avLst/>
@@ -10223,20 +10303,20 @@
                   <a:latin typeface="Lato"/>
                   <a:cs typeface="Lato"/>
                 </a:rPr>
-                <a:t>Costa Ricans</a:t>
+                <a:t>CostaRicans</a:t>
               </a:r>
             </a:p>
           </p:txBody>
         </p:sp>
         <p:sp>
           <p:nvSpPr>
-            <p:cNvPr id="60" name="tx60"/>
-            <p:cNvSpPr/>
-            <p:nvPr/>
-          </p:nvSpPr>
-          <p:spPr>
-            <a:xfrm>
-              <a:off x="5627731" y="2367038"/>
+            <p:cNvPr id="62" name="tx62"/>
+            <p:cNvSpPr/>
+            <p:nvPr/>
+          </p:nvSpPr>
+          <p:spPr>
+            <a:xfrm>
+              <a:off x="5584382" y="2367038"/>
               <a:ext cx="915161" cy="154432"/>
             </a:xfrm>
             <a:prstGeom prst="rect">
@@ -10276,7 +10356,7 @@
         </p:sp>
         <p:sp>
           <p:nvSpPr>
-            <p:cNvPr id="61" name="tx61"/>
+            <p:cNvPr id="63" name="tx63"/>
             <p:cNvSpPr/>
             <p:nvPr/>
           </p:nvSpPr>
@@ -10322,7 +10402,7 @@
         </p:sp>
         <p:sp>
           <p:nvSpPr>
-            <p:cNvPr id="62" name="tx62"/>
+            <p:cNvPr id="64" name="tx64"/>
             <p:cNvSpPr/>
             <p:nvPr/>
           </p:nvSpPr>
@@ -10361,14 +10441,14 @@
                   <a:latin typeface="Lato"/>
                   <a:cs typeface="Lato"/>
                 </a:rPr>
-                <a:t>Encuesta Nacional de Hogares (ENAHO) 2021</a:t>
+                <a:t>Encuesta Nacional de Hogares (ENAHO) 2022</a:t>
               </a:r>
             </a:p>
           </p:txBody>
         </p:sp>
         <p:sp>
           <p:nvSpPr>
-            <p:cNvPr id="63" name="tx63"/>
+            <p:cNvPr id="65" name="tx65"/>
             <p:cNvSpPr/>
             <p:nvPr/>
           </p:nvSpPr>
@@ -10407,7 +10487,7 @@
                   <a:latin typeface="Lato"/>
                   <a:cs typeface="Lato"/>
                 </a:rPr>
-                <a:t># of Nicaraguans = 2,229)</a:t>
+                <a:t># of Nicaraguans = 2,188)</a:t>
               </a:r>
             </a:p>
           </p:txBody>
